--- a/presentation/Presentation.pptx
+++ b/presentation/Presentation.pptx
@@ -7,7 +7,7 @@
   </p:sldMasterIdLst>
   <p:sldIdLst>
     <p:sldId id="337" r:id="rId6"/>
-    <p:sldId id="338" r:id="rId7"/>
+    <p:sldId id="349" r:id="rId7"/>
     <p:sldId id="294" r:id="rId8"/>
     <p:sldId id="260" r:id="rId9"/>
     <p:sldId id="339" r:id="rId10"/>
@@ -1106,7 +1106,7 @@
           <a:p>
             <a:fld id="{1AE69FA9-D36C-4A97-9468-96BCF2EACC0E}" type="datetimeFigureOut">
               <a:rPr lang="en-US" smtClean="0"/>
-              <a:t>7/16/2023</a:t>
+              <a:t>7/20/2023</a:t>
             </a:fld>
             <a:endParaRPr lang="en-US"/>
           </a:p>
@@ -1184,13 +1184,13 @@
   <p:clrMapOvr>
     <a:masterClrMapping/>
   </p:clrMapOvr>
-  <mc:AlternateContent xmlns:mc="http://schemas.openxmlformats.org/markup-compatibility/2006">
-    <mc:Choice xmlns:p159="http://schemas.microsoft.com/office/powerpoint/2015/09/main" Requires="p159">
+  <mc:AlternateContent xmlns:mc="http://schemas.openxmlformats.org/markup-compatibility/2006" xmlns:p159="http://schemas.microsoft.com/office/powerpoint/2015/09/main">
+    <mc:Choice Requires="p159">
       <p:transition xmlns:p14="http://schemas.microsoft.com/office/powerpoint/2010/main" spd="slow" p14:dur="2000">
         <p159:morph option="byObject"/>
       </p:transition>
     </mc:Choice>
-    <mc:Fallback>
+    <mc:Fallback xmlns="">
       <p:transition spd="slow">
         <p:fade/>
       </p:transition>
@@ -1332,7 +1332,7 @@
           <a:p>
             <a:fld id="{1AE69FA9-D36C-4A97-9468-96BCF2EACC0E}" type="datetimeFigureOut">
               <a:rPr lang="en-US" smtClean="0"/>
-              <a:t>7/16/2023</a:t>
+              <a:t>7/20/2023</a:t>
             </a:fld>
             <a:endParaRPr lang="en-US"/>
           </a:p>
@@ -1410,13 +1410,13 @@
   <p:clrMapOvr>
     <a:masterClrMapping/>
   </p:clrMapOvr>
-  <mc:AlternateContent xmlns:mc="http://schemas.openxmlformats.org/markup-compatibility/2006">
-    <mc:Choice xmlns:p159="http://schemas.microsoft.com/office/powerpoint/2015/09/main" Requires="p159">
+  <mc:AlternateContent xmlns:mc="http://schemas.openxmlformats.org/markup-compatibility/2006" xmlns:p159="http://schemas.microsoft.com/office/powerpoint/2015/09/main">
+    <mc:Choice Requires="p159">
       <p:transition xmlns:p14="http://schemas.microsoft.com/office/powerpoint/2010/main" spd="slow" p14:dur="2000">
         <p159:morph option="byObject"/>
       </p:transition>
     </mc:Choice>
-    <mc:Fallback>
+    <mc:Fallback xmlns="">
       <p:transition spd="slow">
         <p:fade/>
       </p:transition>
@@ -1568,7 +1568,7 @@
           <a:p>
             <a:fld id="{1AE69FA9-D36C-4A97-9468-96BCF2EACC0E}" type="datetimeFigureOut">
               <a:rPr lang="en-US" smtClean="0"/>
-              <a:t>7/16/2023</a:t>
+              <a:t>7/20/2023</a:t>
             </a:fld>
             <a:endParaRPr lang="en-US"/>
           </a:p>
@@ -1646,13 +1646,13 @@
   <p:clrMapOvr>
     <a:masterClrMapping/>
   </p:clrMapOvr>
-  <mc:AlternateContent xmlns:mc="http://schemas.openxmlformats.org/markup-compatibility/2006">
-    <mc:Choice xmlns:p159="http://schemas.microsoft.com/office/powerpoint/2015/09/main" Requires="p159">
+  <mc:AlternateContent xmlns:mc="http://schemas.openxmlformats.org/markup-compatibility/2006" xmlns:p159="http://schemas.microsoft.com/office/powerpoint/2015/09/main">
+    <mc:Choice Requires="p159">
       <p:transition xmlns:p14="http://schemas.microsoft.com/office/powerpoint/2010/main" spd="slow" p14:dur="2000">
         <p159:morph option="byObject"/>
       </p:transition>
     </mc:Choice>
-    <mc:Fallback>
+    <mc:Fallback xmlns="">
       <p:transition spd="slow">
         <p:fade/>
       </p:transition>
@@ -1808,7 +1808,7 @@
           <a:p>
             <a:fld id="{25A3A6E5-38C8-4120-B56A-E452D20BB2B9}" type="datetimeFigureOut">
               <a:rPr lang="en-US" smtClean="0"/>
-              <a:t>7/16/2023</a:t>
+              <a:t>7/20/2023</a:t>
             </a:fld>
             <a:endParaRPr lang="en-US"/>
           </a:p>
@@ -2006,7 +2006,7 @@
           <a:p>
             <a:fld id="{25A3A6E5-38C8-4120-B56A-E452D20BB2B9}" type="datetimeFigureOut">
               <a:rPr lang="en-US" smtClean="0"/>
-              <a:t>7/16/2023</a:t>
+              <a:t>7/20/2023</a:t>
             </a:fld>
             <a:endParaRPr lang="en-US"/>
           </a:p>
@@ -2281,7 +2281,7 @@
           <a:p>
             <a:fld id="{25A3A6E5-38C8-4120-B56A-E452D20BB2B9}" type="datetimeFigureOut">
               <a:rPr lang="en-US" smtClean="0"/>
-              <a:t>7/16/2023</a:t>
+              <a:t>7/20/2023</a:t>
             </a:fld>
             <a:endParaRPr lang="en-US"/>
           </a:p>
@@ -2546,7 +2546,7 @@
           <a:p>
             <a:fld id="{25A3A6E5-38C8-4120-B56A-E452D20BB2B9}" type="datetimeFigureOut">
               <a:rPr lang="en-US" smtClean="0"/>
-              <a:t>7/16/2023</a:t>
+              <a:t>7/20/2023</a:t>
             </a:fld>
             <a:endParaRPr lang="en-US"/>
           </a:p>
@@ -2958,7 +2958,7 @@
           <a:p>
             <a:fld id="{25A3A6E5-38C8-4120-B56A-E452D20BB2B9}" type="datetimeFigureOut">
               <a:rPr lang="en-US" smtClean="0"/>
-              <a:t>7/16/2023</a:t>
+              <a:t>7/20/2023</a:t>
             </a:fld>
             <a:endParaRPr lang="en-US"/>
           </a:p>
@@ -3099,7 +3099,7 @@
           <a:p>
             <a:fld id="{25A3A6E5-38C8-4120-B56A-E452D20BB2B9}" type="datetimeFigureOut">
               <a:rPr lang="en-US" smtClean="0"/>
-              <a:t>7/16/2023</a:t>
+              <a:t>7/20/2023</a:t>
             </a:fld>
             <a:endParaRPr lang="en-US"/>
           </a:p>
@@ -3212,7 +3212,7 @@
           <a:p>
             <a:fld id="{25A3A6E5-38C8-4120-B56A-E452D20BB2B9}" type="datetimeFigureOut">
               <a:rPr lang="en-US" smtClean="0"/>
-              <a:t>7/16/2023</a:t>
+              <a:t>7/20/2023</a:t>
             </a:fld>
             <a:endParaRPr lang="en-US"/>
           </a:p>
@@ -3523,7 +3523,7 @@
           <a:p>
             <a:fld id="{25A3A6E5-38C8-4120-B56A-E452D20BB2B9}" type="datetimeFigureOut">
               <a:rPr lang="en-US" smtClean="0"/>
-              <a:t>7/16/2023</a:t>
+              <a:t>7/20/2023</a:t>
             </a:fld>
             <a:endParaRPr lang="en-US"/>
           </a:p>
@@ -3729,7 +3729,7 @@
           <a:p>
             <a:fld id="{1AE69FA9-D36C-4A97-9468-96BCF2EACC0E}" type="datetimeFigureOut">
               <a:rPr lang="en-US" smtClean="0"/>
-              <a:t>7/16/2023</a:t>
+              <a:t>7/20/2023</a:t>
             </a:fld>
             <a:endParaRPr lang="en-US"/>
           </a:p>
@@ -3807,13 +3807,13 @@
   <p:clrMapOvr>
     <a:masterClrMapping/>
   </p:clrMapOvr>
-  <mc:AlternateContent xmlns:mc="http://schemas.openxmlformats.org/markup-compatibility/2006">
-    <mc:Choice xmlns:p159="http://schemas.microsoft.com/office/powerpoint/2015/09/main" Requires="p159">
+  <mc:AlternateContent xmlns:mc="http://schemas.openxmlformats.org/markup-compatibility/2006" xmlns:p159="http://schemas.microsoft.com/office/powerpoint/2015/09/main">
+    <mc:Choice Requires="p159">
       <p:transition xmlns:p14="http://schemas.microsoft.com/office/powerpoint/2010/main" spd="slow" p14:dur="2000">
         <p159:morph option="byObject"/>
       </p:transition>
     </mc:Choice>
-    <mc:Fallback>
+    <mc:Fallback xmlns="">
       <p:transition spd="slow">
         <p:fade/>
       </p:transition>
@@ -4037,7 +4037,7 @@
           <a:p>
             <a:fld id="{25A3A6E5-38C8-4120-B56A-E452D20BB2B9}" type="datetimeFigureOut">
               <a:rPr lang="en-US" smtClean="0"/>
-              <a:t>7/16/2023</a:t>
+              <a:t>7/20/2023</a:t>
             </a:fld>
             <a:endParaRPr lang="en-US"/>
           </a:p>
@@ -4235,7 +4235,7 @@
           <a:p>
             <a:fld id="{25A3A6E5-38C8-4120-B56A-E452D20BB2B9}" type="datetimeFigureOut">
               <a:rPr lang="en-US" smtClean="0"/>
-              <a:t>7/16/2023</a:t>
+              <a:t>7/20/2023</a:t>
             </a:fld>
             <a:endParaRPr lang="en-US"/>
           </a:p>
@@ -4443,7 +4443,7 @@
           <a:p>
             <a:fld id="{25A3A6E5-38C8-4120-B56A-E452D20BB2B9}" type="datetimeFigureOut">
               <a:rPr lang="en-US" smtClean="0"/>
-              <a:t>7/16/2023</a:t>
+              <a:t>7/20/2023</a:t>
             </a:fld>
             <a:endParaRPr lang="en-US"/>
           </a:p>
@@ -4726,7 +4726,7 @@
           <a:p>
             <a:fld id="{1AE69FA9-D36C-4A97-9468-96BCF2EACC0E}" type="datetimeFigureOut">
               <a:rPr lang="en-US" smtClean="0"/>
-              <a:t>7/16/2023</a:t>
+              <a:t>7/20/2023</a:t>
             </a:fld>
             <a:endParaRPr lang="en-US"/>
           </a:p>
@@ -4804,13 +4804,13 @@
   <p:clrMapOvr>
     <a:masterClrMapping/>
   </p:clrMapOvr>
-  <mc:AlternateContent xmlns:mc="http://schemas.openxmlformats.org/markup-compatibility/2006">
-    <mc:Choice xmlns:p159="http://schemas.microsoft.com/office/powerpoint/2015/09/main" Requires="p159">
+  <mc:AlternateContent xmlns:mc="http://schemas.openxmlformats.org/markup-compatibility/2006" xmlns:p159="http://schemas.microsoft.com/office/powerpoint/2015/09/main">
+    <mc:Choice Requires="p159">
       <p:transition xmlns:p14="http://schemas.microsoft.com/office/powerpoint/2010/main" spd="slow" p14:dur="2000">
         <p159:morph option="byObject"/>
       </p:transition>
     </mc:Choice>
-    <mc:Fallback>
+    <mc:Fallback xmlns="">
       <p:transition spd="slow">
         <p:fade/>
       </p:transition>
@@ -5019,7 +5019,7 @@
           <a:p>
             <a:fld id="{1AE69FA9-D36C-4A97-9468-96BCF2EACC0E}" type="datetimeFigureOut">
               <a:rPr lang="en-US" smtClean="0"/>
-              <a:t>7/16/2023</a:t>
+              <a:t>7/20/2023</a:t>
             </a:fld>
             <a:endParaRPr lang="en-US"/>
           </a:p>
@@ -5097,13 +5097,13 @@
   <p:clrMapOvr>
     <a:masterClrMapping/>
   </p:clrMapOvr>
-  <mc:AlternateContent xmlns:mc="http://schemas.openxmlformats.org/markup-compatibility/2006">
-    <mc:Choice xmlns:p159="http://schemas.microsoft.com/office/powerpoint/2015/09/main" Requires="p159">
+  <mc:AlternateContent xmlns:mc="http://schemas.openxmlformats.org/markup-compatibility/2006" xmlns:p159="http://schemas.microsoft.com/office/powerpoint/2015/09/main">
+    <mc:Choice Requires="p159">
       <p:transition xmlns:p14="http://schemas.microsoft.com/office/powerpoint/2010/main" spd="slow" p14:dur="2000">
         <p159:morph option="byObject"/>
       </p:transition>
     </mc:Choice>
-    <mc:Fallback>
+    <mc:Fallback xmlns="">
       <p:transition spd="slow">
         <p:fade/>
       </p:transition>
@@ -5459,7 +5459,7 @@
           <a:p>
             <a:fld id="{1AE69FA9-D36C-4A97-9468-96BCF2EACC0E}" type="datetimeFigureOut">
               <a:rPr lang="en-US" smtClean="0"/>
-              <a:t>7/16/2023</a:t>
+              <a:t>7/20/2023</a:t>
             </a:fld>
             <a:endParaRPr lang="en-US"/>
           </a:p>
@@ -5537,13 +5537,13 @@
   <p:clrMapOvr>
     <a:masterClrMapping/>
   </p:clrMapOvr>
-  <mc:AlternateContent xmlns:mc="http://schemas.openxmlformats.org/markup-compatibility/2006">
-    <mc:Choice xmlns:p159="http://schemas.microsoft.com/office/powerpoint/2015/09/main" Requires="p159">
+  <mc:AlternateContent xmlns:mc="http://schemas.openxmlformats.org/markup-compatibility/2006" xmlns:p159="http://schemas.microsoft.com/office/powerpoint/2015/09/main">
+    <mc:Choice Requires="p159">
       <p:transition xmlns:p14="http://schemas.microsoft.com/office/powerpoint/2010/main" spd="slow" p14:dur="2000">
         <p159:morph option="byObject"/>
       </p:transition>
     </mc:Choice>
-    <mc:Fallback>
+    <mc:Fallback xmlns="">
       <p:transition spd="slow">
         <p:fade/>
       </p:transition>
@@ -5628,7 +5628,7 @@
           <a:p>
             <a:fld id="{1AE69FA9-D36C-4A97-9468-96BCF2EACC0E}" type="datetimeFigureOut">
               <a:rPr lang="en-US" smtClean="0"/>
-              <a:t>7/16/2023</a:t>
+              <a:t>7/20/2023</a:t>
             </a:fld>
             <a:endParaRPr lang="en-US"/>
           </a:p>
@@ -5706,13 +5706,13 @@
   <p:clrMapOvr>
     <a:masterClrMapping/>
   </p:clrMapOvr>
-  <mc:AlternateContent xmlns:mc="http://schemas.openxmlformats.org/markup-compatibility/2006">
-    <mc:Choice xmlns:p159="http://schemas.microsoft.com/office/powerpoint/2015/09/main" Requires="p159">
+  <mc:AlternateContent xmlns:mc="http://schemas.openxmlformats.org/markup-compatibility/2006" xmlns:p159="http://schemas.microsoft.com/office/powerpoint/2015/09/main">
+    <mc:Choice Requires="p159">
       <p:transition xmlns:p14="http://schemas.microsoft.com/office/powerpoint/2010/main" spd="slow" p14:dur="2000">
         <p159:morph option="byObject"/>
       </p:transition>
     </mc:Choice>
-    <mc:Fallback>
+    <mc:Fallback xmlns="">
       <p:transition spd="slow">
         <p:fade/>
       </p:transition>
@@ -5769,7 +5769,7 @@
           <a:p>
             <a:fld id="{1AE69FA9-D36C-4A97-9468-96BCF2EACC0E}" type="datetimeFigureOut">
               <a:rPr lang="en-US" smtClean="0"/>
-              <a:t>7/16/2023</a:t>
+              <a:t>7/20/2023</a:t>
             </a:fld>
             <a:endParaRPr lang="en-US"/>
           </a:p>
@@ -5847,13 +5847,13 @@
   <p:clrMapOvr>
     <a:masterClrMapping/>
   </p:clrMapOvr>
-  <mc:AlternateContent xmlns:mc="http://schemas.openxmlformats.org/markup-compatibility/2006">
-    <mc:Choice xmlns:p159="http://schemas.microsoft.com/office/powerpoint/2015/09/main" Requires="p159">
+  <mc:AlternateContent xmlns:mc="http://schemas.openxmlformats.org/markup-compatibility/2006" xmlns:p159="http://schemas.microsoft.com/office/powerpoint/2015/09/main">
+    <mc:Choice Requires="p159">
       <p:transition xmlns:p14="http://schemas.microsoft.com/office/powerpoint/2010/main" spd="slow" p14:dur="2000">
         <p159:morph option="byObject"/>
       </p:transition>
     </mc:Choice>
-    <mc:Fallback>
+    <mc:Fallback xmlns="">
       <p:transition spd="slow">
         <p:fade/>
       </p:transition>
@@ -6108,7 +6108,7 @@
           <a:p>
             <a:fld id="{1AE69FA9-D36C-4A97-9468-96BCF2EACC0E}" type="datetimeFigureOut">
               <a:rPr lang="en-US" smtClean="0"/>
-              <a:t>7/16/2023</a:t>
+              <a:t>7/20/2023</a:t>
             </a:fld>
             <a:endParaRPr lang="en-US"/>
           </a:p>
@@ -6186,13 +6186,13 @@
   <p:clrMapOvr>
     <a:masterClrMapping/>
   </p:clrMapOvr>
-  <mc:AlternateContent xmlns:mc="http://schemas.openxmlformats.org/markup-compatibility/2006">
-    <mc:Choice xmlns:p159="http://schemas.microsoft.com/office/powerpoint/2015/09/main" Requires="p159">
+  <mc:AlternateContent xmlns:mc="http://schemas.openxmlformats.org/markup-compatibility/2006" xmlns:p159="http://schemas.microsoft.com/office/powerpoint/2015/09/main">
+    <mc:Choice Requires="p159">
       <p:transition xmlns:p14="http://schemas.microsoft.com/office/powerpoint/2010/main" spd="slow" p14:dur="2000">
         <p159:morph option="byObject"/>
       </p:transition>
     </mc:Choice>
-    <mc:Fallback>
+    <mc:Fallback xmlns="">
       <p:transition spd="slow">
         <p:fade/>
       </p:transition>
@@ -6424,7 +6424,7 @@
           <a:p>
             <a:fld id="{1AE69FA9-D36C-4A97-9468-96BCF2EACC0E}" type="datetimeFigureOut">
               <a:rPr lang="en-US" smtClean="0"/>
-              <a:t>7/16/2023</a:t>
+              <a:t>7/20/2023</a:t>
             </a:fld>
             <a:endParaRPr lang="en-US"/>
           </a:p>
@@ -6502,13 +6502,13 @@
   <p:clrMapOvr>
     <a:masterClrMapping/>
   </p:clrMapOvr>
-  <mc:AlternateContent xmlns:mc="http://schemas.openxmlformats.org/markup-compatibility/2006">
-    <mc:Choice xmlns:p159="http://schemas.microsoft.com/office/powerpoint/2015/09/main" Requires="p159">
+  <mc:AlternateContent xmlns:mc="http://schemas.openxmlformats.org/markup-compatibility/2006" xmlns:p159="http://schemas.microsoft.com/office/powerpoint/2015/09/main">
+    <mc:Choice Requires="p159">
       <p:transition xmlns:p14="http://schemas.microsoft.com/office/powerpoint/2010/main" spd="slow" p14:dur="2000">
         <p159:morph option="byObject"/>
       </p:transition>
     </mc:Choice>
-    <mc:Fallback>
+    <mc:Fallback xmlns="">
       <p:transition spd="slow">
         <p:fade/>
       </p:transition>
@@ -6686,7 +6686,7 @@
             <a:fld id="{E782FB5E-119A-4D83-B6F5-6AE3347CDCB7}" type="datetime1">
               <a:rPr lang="vi-VN" smtClean="0"/>
               <a:pPr/>
-              <a:t>16/07/2023</a:t>
+              <a:t>20/07/2023</a:t>
             </a:fld>
             <a:endParaRPr lang="en-US"/>
           </a:p>
@@ -6891,13 +6891,13 @@
     <p:sldLayoutId id="2147483658" r:id="rId10"/>
     <p:sldLayoutId id="2147483659" r:id="rId11"/>
   </p:sldLayoutIdLst>
-  <mc:AlternateContent xmlns:mc="http://schemas.openxmlformats.org/markup-compatibility/2006">
-    <mc:Choice xmlns:p159="http://schemas.microsoft.com/office/powerpoint/2015/09/main" Requires="p159">
+  <mc:AlternateContent xmlns:mc="http://schemas.openxmlformats.org/markup-compatibility/2006" xmlns:p159="http://schemas.microsoft.com/office/powerpoint/2015/09/main">
+    <mc:Choice Requires="p159">
       <p:transition xmlns:p14="http://schemas.microsoft.com/office/powerpoint/2010/main" spd="slow" p14:dur="2000">
         <p159:morph option="byObject"/>
       </p:transition>
     </mc:Choice>
-    <mc:Fallback>
+    <mc:Fallback xmlns="">
       <p:transition spd="slow">
         <p:fade/>
       </p:transition>
@@ -7354,7 +7354,7 @@
           <a:p>
             <a:fld id="{25A3A6E5-38C8-4120-B56A-E452D20BB2B9}" type="datetimeFigureOut">
               <a:rPr lang="en-US" smtClean="0"/>
-              <a:t>7/16/2023</a:t>
+              <a:t>7/20/2023</a:t>
             </a:fld>
             <a:endParaRPr lang="en-US"/>
           </a:p>
@@ -7890,13 +7890,13 @@
   <p:clrMapOvr>
     <a:masterClrMapping/>
   </p:clrMapOvr>
-  <mc:AlternateContent xmlns:mc="http://schemas.openxmlformats.org/markup-compatibility/2006">
-    <mc:Choice xmlns:p159="http://schemas.microsoft.com/office/powerpoint/2015/09/main" Requires="p159">
+  <mc:AlternateContent xmlns:mc="http://schemas.openxmlformats.org/markup-compatibility/2006" xmlns:p159="http://schemas.microsoft.com/office/powerpoint/2015/09/main">
+    <mc:Choice Requires="p159">
       <p:transition xmlns:p14="http://schemas.microsoft.com/office/powerpoint/2010/main" spd="slow" p14:dur="2000">
         <p159:morph option="byObject"/>
       </p:transition>
     </mc:Choice>
-    <mc:Fallback>
+    <mc:Fallback xmlns="">
       <p:transition spd="slow">
         <p:fade/>
       </p:transition>
@@ -7968,8 +7968,8 @@
         </p:nvSpPr>
         <p:spPr>
           <a:xfrm>
-            <a:off x="836341" y="1085280"/>
-            <a:ext cx="10515546" cy="4524315"/>
+            <a:off x="838200" y="888634"/>
+            <a:ext cx="10515546" cy="6740307"/>
           </a:xfrm>
           <a:prstGeom prst="rect">
             <a:avLst/>
@@ -7987,10 +7987,10 @@
           <a:p>
             <a:pPr algn="just"/>
             <a:br>
-              <a:rPr lang="en-US"/>
+              <a:rPr lang="en-US" dirty="0"/>
             </a:br>
             <a:r>
-              <a:rPr lang="en-US" sz="2400" b="1">
+              <a:rPr lang="en-US" sz="2400" b="1" dirty="0">
                 <a:solidFill>
                   <a:srgbClr val="000000"/>
                 </a:solidFill>
@@ -7999,140 +7999,294 @@
               </a:rPr>
               <a:t>2. Inheritance:</a:t>
             </a:r>
-            <a:endParaRPr lang="en-US" sz="2400">
-              <a:latin typeface="Calibri"/>
-              <a:cs typeface="Calibri"/>
-            </a:endParaRPr>
-          </a:p>
-          <a:p>
-            <a:r>
-              <a:rPr lang="en-US" sz="2400">
-                <a:solidFill>
-                  <a:srgbClr val="000000"/>
-                </a:solidFill>
-                <a:latin typeface="Calibri"/>
-                <a:cs typeface="Times New Roman"/>
-              </a:rPr>
-              <a:t>- Within our Java project, we make use of inheritance to create a hierarchical structure among classes, enabling me to inherit properties and behaviors from a superclass and customize them in specialized subclasses.</a:t>
-            </a:r>
-            <a:endParaRPr lang="en-US" sz="2400">
-              <a:latin typeface="Calibri"/>
-              <a:cs typeface="Calibri"/>
-            </a:endParaRPr>
-          </a:p>
-          <a:p>
-            <a:endParaRPr lang="en-US" sz="2400">
+            <a:endParaRPr lang="en-US" sz="2400" b="1" dirty="0">
               <a:solidFill>
                 <a:srgbClr val="000000"/>
               </a:solidFill>
               <a:latin typeface="Calibri"/>
-              <a:cs typeface="Times New Roman"/>
+              <a:cs typeface="Calibri"/>
             </a:endParaRPr>
           </a:p>
           <a:p>
-            <a:r>
-              <a:rPr lang="en-US" sz="2400">
+            <a:pPr algn="just"/>
+            <a:r>
+              <a:rPr lang="en-US" sz="2400" kern="100" dirty="0">
                 <a:solidFill>
                   <a:srgbClr val="000000"/>
                 </a:solidFill>
-                <a:latin typeface="Calibri"/>
-                <a:cs typeface="Times New Roman"/>
+                <a:effectLst/>
+                <a:latin typeface="Calibri" panose="020F0502020204030204" pitchFamily="34" charset="0"/>
+                <a:ea typeface="Calibri" panose="020F0502020204030204" pitchFamily="34" charset="0"/>
+                <a:cs typeface="Calibri" panose="020F0502020204030204" pitchFamily="34" charset="0"/>
+              </a:rPr>
+              <a:t>Within our Java project, we make use of inheritance to create a hierarchical structure among classes, enabling us to inherit properties and behaviors from a superclass and customize them in specialized subclasses.</a:t>
+            </a:r>
+          </a:p>
+          <a:p>
+            <a:pPr algn="just"/>
+            <a:endParaRPr lang="en-US" sz="2400" kern="100" dirty="0">
+              <a:solidFill>
+                <a:srgbClr val="000000"/>
+              </a:solidFill>
+              <a:effectLst/>
+              <a:latin typeface="Calibri" panose="020F0502020204030204" pitchFamily="34" charset="0"/>
+              <a:ea typeface="Calibri" panose="020F0502020204030204" pitchFamily="34" charset="0"/>
+              <a:cs typeface="Calibri" panose="020F0502020204030204" pitchFamily="34" charset="0"/>
+            </a:endParaRPr>
+          </a:p>
+          <a:p>
+            <a:r>
+              <a:rPr lang="en-US" sz="2400" dirty="0">
+                <a:solidFill>
+                  <a:srgbClr val="000000"/>
+                </a:solidFill>
+                <a:effectLst/>
+                <a:latin typeface="Calibri" panose="020F0502020204030204" pitchFamily="34" charset="0"/>
+                <a:ea typeface="Calibri" panose="020F0502020204030204" pitchFamily="34" charset="0"/>
+                <a:cs typeface="Calibri" panose="020F0502020204030204" pitchFamily="34" charset="0"/>
               </a:rPr>
               <a:t>For example, viruses inherited from </a:t>
             </a:r>
             <a:r>
-              <a:rPr lang="en-US" sz="2400" i="1" err="1">
+              <a:rPr lang="en-US" sz="2400" i="1" dirty="0" err="1">
                 <a:solidFill>
                   <a:srgbClr val="000000"/>
                 </a:solidFill>
-                <a:latin typeface="Calibri"/>
-                <a:cs typeface="Times New Roman"/>
+                <a:effectLst/>
+                <a:latin typeface="Calibri" panose="020F0502020204030204" pitchFamily="34" charset="0"/>
+                <a:ea typeface="Calibri" panose="020F0502020204030204" pitchFamily="34" charset="0"/>
+                <a:cs typeface="Calibri" panose="020F0502020204030204" pitchFamily="34" charset="0"/>
               </a:rPr>
               <a:t>EnvelopeVirus</a:t>
             </a:r>
             <a:r>
-              <a:rPr lang="en-US" sz="2400">
+              <a:rPr lang="en-US" sz="2400" dirty="0">
                 <a:solidFill>
                   <a:srgbClr val="000000"/>
                 </a:solidFill>
-                <a:latin typeface="Calibri"/>
-                <a:cs typeface="Times New Roman"/>
+                <a:effectLst/>
+                <a:latin typeface="Calibri" panose="020F0502020204030204" pitchFamily="34" charset="0"/>
+                <a:ea typeface="Calibri" panose="020F0502020204030204" pitchFamily="34" charset="0"/>
+                <a:cs typeface="Calibri" panose="020F0502020204030204" pitchFamily="34" charset="0"/>
               </a:rPr>
               <a:t> and </a:t>
             </a:r>
             <a:r>
-              <a:rPr lang="en-US" sz="2400" i="1" err="1">
+              <a:rPr lang="en-US" sz="2400" i="1" dirty="0" err="1">
                 <a:solidFill>
                   <a:srgbClr val="000000"/>
                 </a:solidFill>
-                <a:latin typeface="Calibri"/>
-                <a:cs typeface="Times New Roman"/>
+                <a:effectLst/>
+                <a:latin typeface="Calibri" panose="020F0502020204030204" pitchFamily="34" charset="0"/>
+                <a:ea typeface="Calibri" panose="020F0502020204030204" pitchFamily="34" charset="0"/>
+                <a:cs typeface="Calibri" panose="020F0502020204030204" pitchFamily="34" charset="0"/>
               </a:rPr>
               <a:t>NonEnvelopeVirus</a:t>
             </a:r>
             <a:r>
-              <a:rPr lang="en-US" sz="2400">
+              <a:rPr lang="en-US" sz="2400" dirty="0">
                 <a:solidFill>
                   <a:srgbClr val="000000"/>
                 </a:solidFill>
-                <a:latin typeface="Calibri"/>
-                <a:cs typeface="Times New Roman"/>
+                <a:effectLst/>
+                <a:latin typeface="Calibri" panose="020F0502020204030204" pitchFamily="34" charset="0"/>
+                <a:ea typeface="Calibri" panose="020F0502020204030204" pitchFamily="34" charset="0"/>
+                <a:cs typeface="Calibri" panose="020F0502020204030204" pitchFamily="34" charset="0"/>
               </a:rPr>
-              <a:t> classes. These two classes also inherited from </a:t>
-            </a:r>
-            <a:r>
-              <a:rPr lang="en-US" sz="2400" i="1">
+              <a:t> classes, so these viruses can inherit the attribute (</a:t>
+            </a:r>
+            <a:r>
+              <a:rPr lang="en-US" sz="2400" dirty="0" err="1">
                 <a:solidFill>
                   <a:srgbClr val="000000"/>
                 </a:solidFill>
-                <a:latin typeface="Calibri"/>
-                <a:cs typeface="Times New Roman"/>
+                <a:effectLst/>
+                <a:latin typeface="Calibri" panose="020F0502020204030204" pitchFamily="34" charset="0"/>
+                <a:ea typeface="Calibri" panose="020F0502020204030204" pitchFamily="34" charset="0"/>
+                <a:cs typeface="Calibri" panose="020F0502020204030204" pitchFamily="34" charset="0"/>
+              </a:rPr>
+              <a:t>lipidBilayer</a:t>
+            </a:r>
+            <a:r>
+              <a:rPr lang="en-US" sz="2400" dirty="0">
+                <a:solidFill>
+                  <a:srgbClr val="000000"/>
+                </a:solidFill>
+                <a:effectLst/>
+                <a:latin typeface="Calibri" panose="020F0502020204030204" pitchFamily="34" charset="0"/>
+                <a:ea typeface="Calibri" panose="020F0502020204030204" pitchFamily="34" charset="0"/>
+                <a:cs typeface="Calibri" panose="020F0502020204030204" pitchFamily="34" charset="0"/>
+              </a:rPr>
+              <a:t>,…) and access to pubic method. </a:t>
+            </a:r>
+          </a:p>
+          <a:p>
+            <a:endParaRPr lang="en-US" sz="2400" dirty="0">
+              <a:solidFill>
+                <a:srgbClr val="000000"/>
+              </a:solidFill>
+              <a:latin typeface="Calibri" panose="020F0502020204030204" pitchFamily="34" charset="0"/>
+              <a:ea typeface="Calibri" panose="020F0502020204030204" pitchFamily="34" charset="0"/>
+              <a:cs typeface="Calibri" panose="020F0502020204030204" pitchFamily="34" charset="0"/>
+            </a:endParaRPr>
+          </a:p>
+          <a:p>
+            <a:r>
+              <a:rPr lang="en-US" sz="2400" kern="100" dirty="0">
+                <a:solidFill>
+                  <a:srgbClr val="000000"/>
+                </a:solidFill>
+                <a:effectLst/>
+                <a:latin typeface="Calibri" panose="020F0502020204030204" pitchFamily="34" charset="0"/>
+                <a:ea typeface="Calibri" panose="020F0502020204030204" pitchFamily="34" charset="0"/>
+                <a:cs typeface="Calibri" panose="020F0502020204030204" pitchFamily="34" charset="0"/>
+              </a:rPr>
+              <a:t>These two classes (</a:t>
+            </a:r>
+            <a:r>
+              <a:rPr lang="en-US" sz="2400" kern="100" dirty="0" err="1">
+                <a:solidFill>
+                  <a:srgbClr val="000000"/>
+                </a:solidFill>
+                <a:effectLst/>
+                <a:latin typeface="Calibri" panose="020F0502020204030204" pitchFamily="34" charset="0"/>
+                <a:ea typeface="Calibri" panose="020F0502020204030204" pitchFamily="34" charset="0"/>
+                <a:cs typeface="Calibri" panose="020F0502020204030204" pitchFamily="34" charset="0"/>
+              </a:rPr>
+              <a:t>NonEnvelopeVirus</a:t>
+            </a:r>
+            <a:r>
+              <a:rPr lang="en-US" sz="2400" kern="100" dirty="0">
+                <a:solidFill>
+                  <a:srgbClr val="000000"/>
+                </a:solidFill>
+                <a:effectLst/>
+                <a:latin typeface="Calibri" panose="020F0502020204030204" pitchFamily="34" charset="0"/>
+                <a:ea typeface="Calibri" panose="020F0502020204030204" pitchFamily="34" charset="0"/>
+                <a:cs typeface="Calibri" panose="020F0502020204030204" pitchFamily="34" charset="0"/>
+              </a:rPr>
+              <a:t> and </a:t>
+            </a:r>
+            <a:r>
+              <a:rPr lang="en-US" sz="2400" kern="100" dirty="0" err="1">
+                <a:solidFill>
+                  <a:srgbClr val="000000"/>
+                </a:solidFill>
+                <a:effectLst/>
+                <a:latin typeface="Calibri" panose="020F0502020204030204" pitchFamily="34" charset="0"/>
+                <a:ea typeface="Calibri" panose="020F0502020204030204" pitchFamily="34" charset="0"/>
+                <a:cs typeface="Calibri" panose="020F0502020204030204" pitchFamily="34" charset="0"/>
+              </a:rPr>
+              <a:t>EnvelopeVirus</a:t>
+            </a:r>
+            <a:r>
+              <a:rPr lang="en-US" sz="2400" kern="100" dirty="0">
+                <a:solidFill>
+                  <a:srgbClr val="000000"/>
+                </a:solidFill>
+                <a:effectLst/>
+                <a:latin typeface="Calibri" panose="020F0502020204030204" pitchFamily="34" charset="0"/>
+                <a:ea typeface="Calibri" panose="020F0502020204030204" pitchFamily="34" charset="0"/>
+                <a:cs typeface="Calibri" panose="020F0502020204030204" pitchFamily="34" charset="0"/>
+              </a:rPr>
+              <a:t>) also inherited from </a:t>
+            </a:r>
+            <a:r>
+              <a:rPr lang="en-US" sz="2400" i="1" kern="100" dirty="0">
+                <a:solidFill>
+                  <a:srgbClr val="000000"/>
+                </a:solidFill>
+                <a:effectLst/>
+                <a:latin typeface="Calibri" panose="020F0502020204030204" pitchFamily="34" charset="0"/>
+                <a:ea typeface="Calibri" panose="020F0502020204030204" pitchFamily="34" charset="0"/>
+                <a:cs typeface="Calibri" panose="020F0502020204030204" pitchFamily="34" charset="0"/>
               </a:rPr>
               <a:t>Virus</a:t>
             </a:r>
             <a:r>
-              <a:rPr lang="en-US" sz="2400">
+              <a:rPr lang="en-US" sz="2400" kern="100" dirty="0">
                 <a:solidFill>
                   <a:srgbClr val="000000"/>
                 </a:solidFill>
-                <a:latin typeface="Calibri"/>
-                <a:cs typeface="Times New Roman"/>
+                <a:effectLst/>
+                <a:latin typeface="Calibri" panose="020F0502020204030204" pitchFamily="34" charset="0"/>
+                <a:ea typeface="Calibri" panose="020F0502020204030204" pitchFamily="34" charset="0"/>
+                <a:cs typeface="Calibri" panose="020F0502020204030204" pitchFamily="34" charset="0"/>
               </a:rPr>
-              <a:t> class. In addition, </a:t>
-            </a:r>
-            <a:r>
-              <a:rPr lang="en-US" sz="2400" i="1" err="1">
+              <a:t> class to get the basic structure of the virus (acid nucleic, capsid).</a:t>
+            </a:r>
+            <a:endParaRPr lang="en-US" sz="2400" kern="100" dirty="0">
+              <a:solidFill>
+                <a:srgbClr val="000000"/>
+              </a:solidFill>
+              <a:latin typeface="Calibri" panose="020F0502020204030204" pitchFamily="34" charset="0"/>
+              <a:ea typeface="Calibri" panose="020F0502020204030204" pitchFamily="34" charset="0"/>
+              <a:cs typeface="Calibri" panose="020F0502020204030204" pitchFamily="34" charset="0"/>
+            </a:endParaRPr>
+          </a:p>
+          <a:p>
+            <a:endParaRPr lang="en-US" sz="2400" kern="100" dirty="0">
+              <a:solidFill>
+                <a:srgbClr val="000000"/>
+              </a:solidFill>
+              <a:effectLst/>
+              <a:latin typeface="Calibri" panose="020F0502020204030204" pitchFamily="34" charset="0"/>
+              <a:ea typeface="Calibri" panose="020F0502020204030204" pitchFamily="34" charset="0"/>
+              <a:cs typeface="Calibri" panose="020F0502020204030204" pitchFamily="34" charset="0"/>
+            </a:endParaRPr>
+          </a:p>
+          <a:p>
+            <a:r>
+              <a:rPr lang="en-US" sz="2400" kern="100" dirty="0">
                 <a:solidFill>
                   <a:srgbClr val="000000"/>
                 </a:solidFill>
-                <a:latin typeface="Calibri"/>
-                <a:cs typeface="Times New Roman"/>
+                <a:effectLst/>
+                <a:latin typeface="Calibri" panose="020F0502020204030204" pitchFamily="34" charset="0"/>
+                <a:ea typeface="Calibri" panose="020F0502020204030204" pitchFamily="34" charset="0"/>
+                <a:cs typeface="Calibri" panose="020F0502020204030204" pitchFamily="34" charset="0"/>
+              </a:rPr>
+              <a:t>In addition, </a:t>
+            </a:r>
+            <a:r>
+              <a:rPr lang="en-US" sz="2400" i="1" kern="100" dirty="0" err="1">
+                <a:solidFill>
+                  <a:srgbClr val="000000"/>
+                </a:solidFill>
+                <a:effectLst/>
+                <a:latin typeface="Calibri" panose="020F0502020204030204" pitchFamily="34" charset="0"/>
+                <a:ea typeface="Calibri" panose="020F0502020204030204" pitchFamily="34" charset="0"/>
+                <a:cs typeface="Calibri" panose="020F0502020204030204" pitchFamily="34" charset="0"/>
               </a:rPr>
               <a:t>AttackController</a:t>
             </a:r>
             <a:r>
-              <a:rPr lang="en-US" sz="2400">
+              <a:rPr lang="en-US" sz="2400" kern="100" dirty="0">
                 <a:solidFill>
                   <a:srgbClr val="000000"/>
                 </a:solidFill>
-                <a:latin typeface="Calibri"/>
-                <a:cs typeface="Times New Roman"/>
+                <a:effectLst/>
+                <a:latin typeface="Calibri" panose="020F0502020204030204" pitchFamily="34" charset="0"/>
+                <a:ea typeface="Calibri" panose="020F0502020204030204" pitchFamily="34" charset="0"/>
+                <a:cs typeface="Calibri" panose="020F0502020204030204" pitchFamily="34" charset="0"/>
               </a:rPr>
               <a:t> is inherited by each virus attack controller class to get some general point in attack process.</a:t>
             </a:r>
-            <a:endParaRPr lang="en-US" sz="2400">
+          </a:p>
+          <a:p>
+            <a:endParaRPr lang="en-US" sz="2400" dirty="0">
               <a:latin typeface="Calibri"/>
               <a:cs typeface="Calibri"/>
             </a:endParaRPr>
           </a:p>
           <a:p>
             <a:br>
-              <a:rPr lang="en-US"/>
+              <a:rPr lang="en-US" dirty="0"/>
             </a:br>
             <a:br>
-              <a:rPr lang="en-US"/>
+              <a:rPr lang="en-US" dirty="0"/>
             </a:br>
-            <a:endParaRPr lang="en-US"/>
+            <a:endParaRPr lang="en-US" dirty="0"/>
           </a:p>
         </p:txBody>
       </p:sp>
@@ -8146,13 +8300,13 @@
   <p:clrMapOvr>
     <a:masterClrMapping/>
   </p:clrMapOvr>
-  <mc:AlternateContent xmlns:mc="http://schemas.openxmlformats.org/markup-compatibility/2006">
-    <mc:Choice xmlns:p159="http://schemas.microsoft.com/office/powerpoint/2015/09/main" Requires="p159">
+  <mc:AlternateContent xmlns:mc="http://schemas.openxmlformats.org/markup-compatibility/2006" xmlns:p159="http://schemas.microsoft.com/office/powerpoint/2015/09/main">
+    <mc:Choice Requires="p159">
       <p:transition xmlns:p14="http://schemas.microsoft.com/office/powerpoint/2010/main" spd="slow" p14:dur="2000">
         <p159:morph option="byObject"/>
       </p:transition>
     </mc:Choice>
-    <mc:Fallback>
+    <mc:Fallback xmlns="">
       <p:transition spd="slow">
         <p:fade/>
       </p:transition>
@@ -8225,7 +8379,7 @@
         <p:spPr>
           <a:xfrm>
             <a:off x="836341" y="1085280"/>
-            <a:ext cx="10515546" cy="4893647"/>
+            <a:ext cx="10515546" cy="6278642"/>
           </a:xfrm>
           <a:prstGeom prst="rect">
             <a:avLst/>
@@ -8243,7 +8397,7 @@
           <a:p>
             <a:pPr algn="just"/>
             <a:r>
-              <a:rPr lang="en-US" sz="2400" b="1">
+              <a:rPr lang="en-US" sz="2400" b="1" dirty="0">
                 <a:solidFill>
                   <a:srgbClr val="000000"/>
                 </a:solidFill>
@@ -8252,14 +8406,7 @@
               </a:rPr>
               <a:t>3. Abstraction:</a:t>
             </a:r>
-            <a:endParaRPr lang="vi-VN" sz="2400">
-              <a:latin typeface="Calibri"/>
-              <a:cs typeface="Calibri"/>
-            </a:endParaRPr>
-          </a:p>
-          <a:p>
-            <a:pPr algn="just"/>
-            <a:endParaRPr lang="en-US" sz="2400">
+            <a:endParaRPr lang="en-US" sz="2400" dirty="0">
               <a:solidFill>
                 <a:srgbClr val="000000"/>
               </a:solidFill>
@@ -8270,63 +8417,306 @@
           <a:p>
             <a:pPr algn="just"/>
             <a:r>
-              <a:rPr lang="en-US" sz="2400">
+              <a:rPr lang="en-US" sz="2000" dirty="0">
                 <a:solidFill>
                   <a:srgbClr val="000000"/>
                 </a:solidFill>
-                <a:latin typeface="Calibri"/>
-                <a:cs typeface="Times New Roman"/>
+                <a:effectLst/>
+                <a:latin typeface="Calibri" panose="020F0502020204030204" pitchFamily="34" charset="0"/>
+                <a:ea typeface="Calibri" panose="020F0502020204030204" pitchFamily="34" charset="0"/>
+                <a:cs typeface="Calibri" panose="020F0502020204030204" pitchFamily="34" charset="0"/>
               </a:rPr>
-              <a:t>Abstract class </a:t>
-            </a:r>
-            <a:r>
-              <a:rPr lang="en-US" sz="2400" i="1">
+              <a:t>The abstract class Virus is used as a blueprint for representing different types of viruses. By making Virus an abstract class, we prevent users from directly creating instances of Virus objects, as it serves as a generalization for all viruses and lacks concrete implementation details for specific virus types. Instead, it focuses on defining the essential characteristics shared by all viruses, such as image, name, capsid, and acid nucleic. This abstraction allows us to optimize the method structure and create a common interface for working with various virus types.</a:t>
+            </a:r>
+          </a:p>
+          <a:p>
+            <a:pPr algn="just"/>
+            <a:endParaRPr lang="en-US" sz="2000" dirty="0">
+              <a:solidFill>
+                <a:srgbClr val="000000"/>
+              </a:solidFill>
+              <a:latin typeface="Calibri" panose="020F0502020204030204" pitchFamily="34" charset="0"/>
+              <a:ea typeface="Calibri" panose="020F0502020204030204" pitchFamily="34" charset="0"/>
+              <a:cs typeface="Calibri" panose="020F0502020204030204" pitchFamily="34" charset="0"/>
+            </a:endParaRPr>
+          </a:p>
+          <a:p>
+            <a:pPr algn="just"/>
+            <a:r>
+              <a:rPr lang="en-US" sz="2000" kern="100" dirty="0">
                 <a:solidFill>
                   <a:srgbClr val="000000"/>
                 </a:solidFill>
-                <a:latin typeface="Calibri"/>
-                <a:cs typeface="Times New Roman"/>
+                <a:effectLst/>
+                <a:latin typeface="Calibri" panose="020F0502020204030204" pitchFamily="34" charset="0"/>
+                <a:ea typeface="Calibri" panose="020F0502020204030204" pitchFamily="34" charset="0"/>
+                <a:cs typeface="Calibri" panose="020F0502020204030204" pitchFamily="34" charset="0"/>
               </a:rPr>
-              <a:t>Virus</a:t>
-            </a:r>
-            <a:r>
-              <a:rPr lang="en-US" sz="2400">
+              <a:t>In addition, </a:t>
+            </a:r>
+            <a:r>
+              <a:rPr lang="en-US" sz="2000" i="1" kern="100" dirty="0" err="1">
                 <a:solidFill>
                   <a:srgbClr val="000000"/>
                 </a:solidFill>
-                <a:latin typeface="Calibri"/>
-                <a:cs typeface="Times New Roman"/>
+                <a:effectLst/>
+                <a:latin typeface="Calibri" panose="020F0502020204030204" pitchFamily="34" charset="0"/>
+                <a:ea typeface="Calibri" panose="020F0502020204030204" pitchFamily="34" charset="0"/>
+                <a:cs typeface="Calibri" panose="020F0502020204030204" pitchFamily="34" charset="0"/>
               </a:rPr>
-              <a:t> is used to prevent creating any Object instance and optimize method structure and reduce the object to its essence so that only the necessary characteristics are exposed to the users. For example, </a:t>
-            </a:r>
-            <a:r>
-              <a:rPr lang="en-US" sz="2400" i="1">
+              <a:t>NonEnvelopeVirus</a:t>
+            </a:r>
+            <a:r>
+              <a:rPr lang="en-US" sz="2000" kern="100" dirty="0">
                 <a:solidFill>
                   <a:srgbClr val="000000"/>
                 </a:solidFill>
-                <a:latin typeface="Calibri"/>
-                <a:cs typeface="Times New Roman"/>
+                <a:effectLst/>
+                <a:latin typeface="Calibri" panose="020F0502020204030204" pitchFamily="34" charset="0"/>
+                <a:ea typeface="Calibri" panose="020F0502020204030204" pitchFamily="34" charset="0"/>
+                <a:cs typeface="Calibri" panose="020F0502020204030204" pitchFamily="34" charset="0"/>
               </a:rPr>
-              <a:t>Virus</a:t>
-            </a:r>
-            <a:r>
-              <a:rPr lang="en-US" sz="2400">
+              <a:t> and </a:t>
+            </a:r>
+            <a:r>
+              <a:rPr lang="en-US" sz="2000" i="1" kern="100" dirty="0" err="1">
                 <a:solidFill>
                   <a:srgbClr val="000000"/>
                 </a:solidFill>
-                <a:latin typeface="Calibri"/>
-                <a:cs typeface="Times New Roman"/>
+                <a:effectLst/>
+                <a:latin typeface="Calibri" panose="020F0502020204030204" pitchFamily="34" charset="0"/>
+                <a:ea typeface="Calibri" panose="020F0502020204030204" pitchFamily="34" charset="0"/>
+                <a:cs typeface="Calibri" panose="020F0502020204030204" pitchFamily="34" charset="0"/>
               </a:rPr>
-              <a:t> class generalize the general structure: image, name, capsid and acid nucleic.</a:t>
-            </a:r>
-            <a:endParaRPr lang="en-US" sz="2400">
-              <a:latin typeface="Calibri"/>
-              <a:cs typeface="Calibri"/>
+              <a:t>EnvelopeVirus</a:t>
+            </a:r>
+            <a:r>
+              <a:rPr lang="en-US" sz="2000" kern="100" dirty="0">
+                <a:solidFill>
+                  <a:srgbClr val="000000"/>
+                </a:solidFill>
+                <a:effectLst/>
+                <a:latin typeface="Calibri" panose="020F0502020204030204" pitchFamily="34" charset="0"/>
+                <a:ea typeface="Calibri" panose="020F0502020204030204" pitchFamily="34" charset="0"/>
+                <a:cs typeface="Calibri" panose="020F0502020204030204" pitchFamily="34" charset="0"/>
+              </a:rPr>
+              <a:t> class are also abstract classes for more or specialized implementations. </a:t>
+            </a:r>
+            <a:endParaRPr lang="en-US" sz="2000" kern="100" dirty="0">
+              <a:latin typeface="Calibri" panose="020F0502020204030204" pitchFamily="34" charset="0"/>
+              <a:ea typeface="Calibri" panose="020F0502020204030204" pitchFamily="34" charset="0"/>
+              <a:cs typeface="Calibri" panose="020F0502020204030204" pitchFamily="34" charset="0"/>
             </a:endParaRPr>
           </a:p>
           <a:p>
-            <a:pPr algn="just"/>
-            <a:endParaRPr lang="en-US" sz="2400">
+            <a:pPr marL="342900" indent="-342900" algn="just">
+              <a:buFont typeface="Wingdings" panose="05000000000000000000" pitchFamily="2" charset="2"/>
+              <a:buChar char="§"/>
+            </a:pPr>
+            <a:r>
+              <a:rPr lang="en-US" sz="2000" i="1" kern="100" dirty="0">
+                <a:solidFill>
+                  <a:srgbClr val="000000"/>
+                </a:solidFill>
+                <a:effectLst/>
+                <a:latin typeface="Calibri" panose="020F0502020204030204" pitchFamily="34" charset="0"/>
+                <a:ea typeface="Calibri" panose="020F0502020204030204" pitchFamily="34" charset="0"/>
+                <a:cs typeface="Calibri" panose="020F0502020204030204" pitchFamily="34" charset="0"/>
+              </a:rPr>
+              <a:t>	</a:t>
+            </a:r>
+            <a:r>
+              <a:rPr lang="en-US" sz="2000" i="1" kern="100" dirty="0" err="1">
+                <a:solidFill>
+                  <a:srgbClr val="000000"/>
+                </a:solidFill>
+                <a:effectLst/>
+                <a:latin typeface="Calibri" panose="020F0502020204030204" pitchFamily="34" charset="0"/>
+                <a:ea typeface="Calibri" panose="020F0502020204030204" pitchFamily="34" charset="0"/>
+                <a:cs typeface="Calibri" panose="020F0502020204030204" pitchFamily="34" charset="0"/>
+              </a:rPr>
+              <a:t>NonEnvelopeVirus</a:t>
+            </a:r>
+            <a:r>
+              <a:rPr lang="en-US" sz="2000" kern="100" dirty="0">
+                <a:solidFill>
+                  <a:srgbClr val="000000"/>
+                </a:solidFill>
+                <a:effectLst/>
+                <a:latin typeface="Calibri" panose="020F0502020204030204" pitchFamily="34" charset="0"/>
+                <a:ea typeface="Calibri" panose="020F0502020204030204" pitchFamily="34" charset="0"/>
+                <a:cs typeface="Calibri" panose="020F0502020204030204" pitchFamily="34" charset="0"/>
+              </a:rPr>
+              <a:t> is an abstract class that extends the Virus class, providing a more specialized implementation for viruses that do not have an envelope. </a:t>
+            </a:r>
+            <a:r>
+              <a:rPr lang="en-US" sz="2000" kern="100" dirty="0" err="1">
+                <a:solidFill>
+                  <a:srgbClr val="000000"/>
+                </a:solidFill>
+                <a:effectLst/>
+                <a:latin typeface="Calibri" panose="020F0502020204030204" pitchFamily="34" charset="0"/>
+                <a:ea typeface="Calibri" panose="020F0502020204030204" pitchFamily="34" charset="0"/>
+                <a:cs typeface="Calibri" panose="020F0502020204030204" pitchFamily="34" charset="0"/>
+              </a:rPr>
+              <a:t>EnvelopeVirus</a:t>
+            </a:r>
+            <a:r>
+              <a:rPr lang="en-US" sz="2000" kern="100" dirty="0">
+                <a:solidFill>
+                  <a:srgbClr val="000000"/>
+                </a:solidFill>
+                <a:effectLst/>
+                <a:latin typeface="Calibri" panose="020F0502020204030204" pitchFamily="34" charset="0"/>
+                <a:ea typeface="Calibri" panose="020F0502020204030204" pitchFamily="34" charset="0"/>
+                <a:cs typeface="Calibri" panose="020F0502020204030204" pitchFamily="34" charset="0"/>
+              </a:rPr>
+              <a:t> is another abstract class that extends the Virus class, specializing in viruses that possess an envelope.</a:t>
+            </a:r>
+            <a:endParaRPr lang="en-US" sz="2000" kern="100" dirty="0">
+              <a:effectLst/>
+              <a:latin typeface="Calibri" panose="020F0502020204030204" pitchFamily="34" charset="0"/>
+              <a:ea typeface="Calibri" panose="020F0502020204030204" pitchFamily="34" charset="0"/>
+              <a:cs typeface="Calibri" panose="020F0502020204030204" pitchFamily="34" charset="0"/>
+            </a:endParaRPr>
+          </a:p>
+          <a:p>
+            <a:pPr marL="342900" indent="-342900">
+              <a:buFont typeface="Wingdings" panose="05000000000000000000" pitchFamily="2" charset="2"/>
+              <a:buChar char="§"/>
+            </a:pPr>
+            <a:r>
+              <a:rPr lang="en-US" sz="2000" kern="100" dirty="0">
+                <a:solidFill>
+                  <a:srgbClr val="000000"/>
+                </a:solidFill>
+                <a:effectLst/>
+                <a:latin typeface="Calibri" panose="020F0502020204030204" pitchFamily="34" charset="0"/>
+                <a:ea typeface="Calibri" panose="020F0502020204030204" pitchFamily="34" charset="0"/>
+                <a:cs typeface="Calibri" panose="020F0502020204030204" pitchFamily="34" charset="0"/>
+              </a:rPr>
+              <a:t>	Like </a:t>
+            </a:r>
+            <a:r>
+              <a:rPr lang="en-US" sz="2000" i="1" kern="100" dirty="0" err="1">
+                <a:solidFill>
+                  <a:srgbClr val="000000"/>
+                </a:solidFill>
+                <a:effectLst/>
+                <a:latin typeface="Calibri" panose="020F0502020204030204" pitchFamily="34" charset="0"/>
+                <a:ea typeface="Calibri" panose="020F0502020204030204" pitchFamily="34" charset="0"/>
+                <a:cs typeface="Calibri" panose="020F0502020204030204" pitchFamily="34" charset="0"/>
+              </a:rPr>
+              <a:t>NonEnvelopeVirus</a:t>
+            </a:r>
+            <a:r>
+              <a:rPr lang="en-US" sz="2000" i="1" kern="100" dirty="0">
+                <a:solidFill>
+                  <a:srgbClr val="000000"/>
+                </a:solidFill>
+                <a:effectLst/>
+                <a:latin typeface="Calibri" panose="020F0502020204030204" pitchFamily="34" charset="0"/>
+                <a:ea typeface="Calibri" panose="020F0502020204030204" pitchFamily="34" charset="0"/>
+                <a:cs typeface="Calibri" panose="020F0502020204030204" pitchFamily="34" charset="0"/>
+              </a:rPr>
+              <a:t>, </a:t>
+            </a:r>
+            <a:r>
+              <a:rPr lang="en-US" sz="2000" i="1" kern="100" dirty="0" err="1">
+                <a:solidFill>
+                  <a:srgbClr val="000000"/>
+                </a:solidFill>
+                <a:effectLst/>
+                <a:latin typeface="Calibri" panose="020F0502020204030204" pitchFamily="34" charset="0"/>
+                <a:ea typeface="Calibri" panose="020F0502020204030204" pitchFamily="34" charset="0"/>
+                <a:cs typeface="Calibri" panose="020F0502020204030204" pitchFamily="34" charset="0"/>
+              </a:rPr>
+              <a:t>EnvelopeViru</a:t>
+            </a:r>
+            <a:r>
+              <a:rPr lang="en-US" sz="2000" kern="100" dirty="0" err="1">
+                <a:solidFill>
+                  <a:srgbClr val="000000"/>
+                </a:solidFill>
+                <a:effectLst/>
+                <a:latin typeface="Calibri" panose="020F0502020204030204" pitchFamily="34" charset="0"/>
+                <a:ea typeface="Calibri" panose="020F0502020204030204" pitchFamily="34" charset="0"/>
+                <a:cs typeface="Calibri" panose="020F0502020204030204" pitchFamily="34" charset="0"/>
+              </a:rPr>
+              <a:t>s</a:t>
+            </a:r>
+            <a:r>
+              <a:rPr lang="en-US" sz="2000" kern="100" dirty="0">
+                <a:solidFill>
+                  <a:srgbClr val="000000"/>
+                </a:solidFill>
+                <a:effectLst/>
+                <a:latin typeface="Calibri" panose="020F0502020204030204" pitchFamily="34" charset="0"/>
+                <a:ea typeface="Calibri" panose="020F0502020204030204" pitchFamily="34" charset="0"/>
+                <a:cs typeface="Calibri" panose="020F0502020204030204" pitchFamily="34" charset="0"/>
+              </a:rPr>
+              <a:t> abstracts the common features (</a:t>
+            </a:r>
+            <a:r>
+              <a:rPr lang="en-US" sz="2000" i="1" kern="100" dirty="0" err="1">
+                <a:solidFill>
+                  <a:srgbClr val="000000"/>
+                </a:solidFill>
+                <a:effectLst/>
+                <a:latin typeface="Calibri" panose="020F0502020204030204" pitchFamily="34" charset="0"/>
+                <a:ea typeface="Calibri" panose="020F0502020204030204" pitchFamily="34" charset="0"/>
+                <a:cs typeface="Calibri" panose="020F0502020204030204" pitchFamily="34" charset="0"/>
+              </a:rPr>
+              <a:t>lipidBiLayer</a:t>
+            </a:r>
+            <a:r>
+              <a:rPr lang="en-US" sz="2000" kern="100" dirty="0">
+                <a:solidFill>
+                  <a:srgbClr val="000000"/>
+                </a:solidFill>
+                <a:effectLst/>
+                <a:latin typeface="Calibri" panose="020F0502020204030204" pitchFamily="34" charset="0"/>
+                <a:ea typeface="Calibri" panose="020F0502020204030204" pitchFamily="34" charset="0"/>
+                <a:cs typeface="Calibri" panose="020F0502020204030204" pitchFamily="34" charset="0"/>
+              </a:rPr>
+              <a:t> and </a:t>
+            </a:r>
+            <a:r>
+              <a:rPr lang="en-US" sz="2000" i="1" kern="100" dirty="0" err="1">
+                <a:solidFill>
+                  <a:srgbClr val="000000"/>
+                </a:solidFill>
+                <a:effectLst/>
+                <a:latin typeface="Calibri" panose="020F0502020204030204" pitchFamily="34" charset="0"/>
+                <a:ea typeface="Calibri" panose="020F0502020204030204" pitchFamily="34" charset="0"/>
+                <a:cs typeface="Calibri" panose="020F0502020204030204" pitchFamily="34" charset="0"/>
+              </a:rPr>
+              <a:t>glycoProtein</a:t>
+            </a:r>
+            <a:r>
+              <a:rPr lang="en-US" sz="2000" kern="100" dirty="0">
+                <a:solidFill>
+                  <a:srgbClr val="000000"/>
+                </a:solidFill>
+                <a:effectLst/>
+                <a:latin typeface="Calibri" panose="020F0502020204030204" pitchFamily="34" charset="0"/>
+                <a:ea typeface="Calibri" panose="020F0502020204030204" pitchFamily="34" charset="0"/>
+                <a:cs typeface="Calibri" panose="020F0502020204030204" pitchFamily="34" charset="0"/>
+              </a:rPr>
+              <a:t>) and functionalities of viruses with envelopes, allowing concrete subclasses to implement specific details for each type of enveloped virus. </a:t>
+            </a:r>
+            <a:endParaRPr lang="en-US" sz="2000" kern="100" dirty="0">
+              <a:effectLst/>
+              <a:latin typeface="Calibri" panose="020F0502020204030204" pitchFamily="34" charset="0"/>
+              <a:ea typeface="Calibri" panose="020F0502020204030204" pitchFamily="34" charset="0"/>
+              <a:cs typeface="Calibri" panose="020F0502020204030204" pitchFamily="34" charset="0"/>
+            </a:endParaRPr>
+          </a:p>
+          <a:p>
+            <a:br>
+              <a:rPr lang="en-US" dirty="0"/>
+            </a:br>
+            <a:endParaRPr lang="vi-VN" sz="2400" b="1" dirty="0">
               <a:solidFill>
                 <a:srgbClr val="000000"/>
               </a:solidFill>
@@ -8335,82 +8725,10 @@
             </a:endParaRPr>
           </a:p>
           <a:p>
-            <a:pPr algn="just"/>
-            <a:r>
-              <a:rPr lang="en-US" sz="2400">
-                <a:solidFill>
-                  <a:srgbClr val="000000"/>
-                </a:solidFill>
-                <a:latin typeface="Calibri"/>
-                <a:cs typeface="Times New Roman"/>
-              </a:rPr>
-              <a:t> In addition, </a:t>
-            </a:r>
-            <a:r>
-              <a:rPr lang="en-US" sz="2400" i="1" err="1">
-                <a:solidFill>
-                  <a:srgbClr val="000000"/>
-                </a:solidFill>
-                <a:latin typeface="Calibri"/>
-                <a:cs typeface="Times New Roman"/>
-              </a:rPr>
-              <a:t>NonEnvelopeVirus</a:t>
-            </a:r>
-            <a:r>
-              <a:rPr lang="en-US" sz="2400">
-                <a:solidFill>
-                  <a:srgbClr val="000000"/>
-                </a:solidFill>
-                <a:latin typeface="Calibri"/>
-                <a:cs typeface="Times New Roman"/>
-              </a:rPr>
-              <a:t> and </a:t>
-            </a:r>
-            <a:r>
-              <a:rPr lang="en-US" sz="2400" i="1" err="1">
-                <a:solidFill>
-                  <a:srgbClr val="000000"/>
-                </a:solidFill>
-                <a:latin typeface="Calibri"/>
-                <a:cs typeface="Times New Roman"/>
-              </a:rPr>
-              <a:t>EnvelopeVirus</a:t>
-            </a:r>
-            <a:r>
-              <a:rPr lang="en-US" sz="2400">
-                <a:solidFill>
-                  <a:srgbClr val="000000"/>
-                </a:solidFill>
-                <a:latin typeface="Calibri"/>
-                <a:cs typeface="Times New Roman"/>
-              </a:rPr>
-              <a:t> class are also abstract classes for more or specialized implementations.</a:t>
-            </a:r>
-            <a:endParaRPr lang="en-US" sz="2400">
-              <a:latin typeface="Calibri"/>
-              <a:cs typeface="Calibri"/>
-            </a:endParaRPr>
-          </a:p>
-          <a:p>
             <a:br>
-              <a:rPr lang="en-US"/>
+              <a:rPr lang="en-US" dirty="0"/>
             </a:br>
-            <a:br>
-              <a:rPr lang="en-US"/>
-            </a:br>
-            <a:endParaRPr lang="vi-VN" sz="2400" b="1">
-              <a:solidFill>
-                <a:srgbClr val="000000"/>
-              </a:solidFill>
-              <a:latin typeface="Calibri"/>
-              <a:cs typeface="Times New Roman"/>
-            </a:endParaRPr>
-          </a:p>
-          <a:p>
-            <a:br>
-              <a:rPr lang="en-US"/>
-            </a:br>
-            <a:endParaRPr lang="en-US"/>
+            <a:endParaRPr lang="en-US" dirty="0"/>
           </a:p>
         </p:txBody>
       </p:sp>
@@ -8424,13 +8742,13 @@
   <p:clrMapOvr>
     <a:masterClrMapping/>
   </p:clrMapOvr>
-  <mc:AlternateContent xmlns:mc="http://schemas.openxmlformats.org/markup-compatibility/2006">
-    <mc:Choice xmlns:p159="http://schemas.microsoft.com/office/powerpoint/2015/09/main" Requires="p159">
+  <mc:AlternateContent xmlns:mc="http://schemas.openxmlformats.org/markup-compatibility/2006" xmlns:p159="http://schemas.microsoft.com/office/powerpoint/2015/09/main">
+    <mc:Choice Requires="p159">
       <p:transition xmlns:p14="http://schemas.microsoft.com/office/powerpoint/2010/main" spd="slow" p14:dur="2000">
         <p159:morph option="byObject"/>
       </p:transition>
     </mc:Choice>
-    <mc:Fallback>
+    <mc:Fallback xmlns="">
       <p:transition spd="slow">
         <p:fade/>
       </p:transition>
@@ -8478,13 +8796,13 @@
           <a:lstStyle/>
           <a:p>
             <a:r>
-              <a:rPr lang="en-US" b="1"/>
+              <a:rPr lang="en-US" b="1" dirty="0"/>
               <a:t>5. Methods</a:t>
             </a:r>
             <a:br>
-              <a:rPr lang="en-US" b="1"/>
+              <a:rPr lang="en-US" b="1" dirty="0"/>
             </a:br>
-            <a:endParaRPr lang="en-US" b="1"/>
+            <a:endParaRPr lang="en-US" b="1" dirty="0"/>
           </a:p>
         </p:txBody>
       </p:sp>
@@ -8503,7 +8821,7 @@
         <p:spPr>
           <a:xfrm>
             <a:off x="836341" y="1031618"/>
-            <a:ext cx="10515546" cy="4062651"/>
+            <a:ext cx="10515546" cy="5262979"/>
           </a:xfrm>
           <a:prstGeom prst="rect">
             <a:avLst/>
@@ -8521,10 +8839,10 @@
           <a:p>
             <a:pPr algn="just"/>
             <a:br>
-              <a:rPr lang="en-US"/>
+              <a:rPr lang="en-US" dirty="0"/>
             </a:br>
             <a:r>
-              <a:rPr lang="en-US" sz="2400" b="1">
+              <a:rPr lang="en-US" sz="2400" b="1" dirty="0">
                 <a:solidFill>
                   <a:srgbClr val="000000"/>
                 </a:solidFill>
@@ -8533,7 +8851,7 @@
               </a:rPr>
               <a:t>4. Polymorphism:</a:t>
             </a:r>
-            <a:endParaRPr lang="vi-VN" sz="2400" b="1">
+            <a:endParaRPr lang="vi-VN" sz="2400" b="1" dirty="0">
               <a:solidFill>
                 <a:srgbClr val="000000"/>
               </a:solidFill>
@@ -8543,7 +8861,7 @@
           </a:p>
           <a:p>
             <a:pPr algn="just"/>
-            <a:endParaRPr lang="en-US" sz="2400" b="1">
+            <a:endParaRPr lang="en-US" sz="2400" b="1" dirty="0">
               <a:solidFill>
                 <a:srgbClr val="000000"/>
               </a:solidFill>
@@ -8554,158 +8872,118 @@
           <a:p>
             <a:pPr algn="just"/>
             <a:r>
-              <a:rPr lang="en-US" sz="2400">
+              <a:rPr lang="en-US" sz="2400" kern="100" dirty="0">
                 <a:solidFill>
                   <a:srgbClr val="000000"/>
                 </a:solidFill>
-                <a:latin typeface="Calibri"/>
-                <a:cs typeface="Times New Roman"/>
+                <a:effectLst/>
+                <a:latin typeface="Calibri" panose="020F0502020204030204" pitchFamily="34" charset="0"/>
+                <a:ea typeface="Calibri" panose="020F0502020204030204" pitchFamily="34" charset="0"/>
+                <a:cs typeface="Calibri" panose="020F0502020204030204" pitchFamily="34" charset="0"/>
               </a:rPr>
-              <a:t>It is expressed when each virus classes implements the interface </a:t>
-            </a:r>
-            <a:r>
-              <a:rPr lang="en-US" sz="2400" i="1" err="1">
+              <a:t>By having each virus class implement the interfaces </a:t>
+            </a:r>
+            <a:r>
+              <a:rPr lang="en-US" sz="2400" kern="100" dirty="0" err="1">
                 <a:solidFill>
                   <a:srgbClr val="000000"/>
                 </a:solidFill>
-                <a:latin typeface="Calibri"/>
-                <a:cs typeface="Times New Roman"/>
+                <a:effectLst/>
+                <a:latin typeface="Calibri" panose="020F0502020204030204" pitchFamily="34" charset="0"/>
+                <a:ea typeface="Calibri" panose="020F0502020204030204" pitchFamily="34" charset="0"/>
+                <a:cs typeface="Calibri" panose="020F0502020204030204" pitchFamily="34" charset="0"/>
               </a:rPr>
               <a:t>GetField</a:t>
             </a:r>
             <a:r>
-              <a:rPr lang="en-US" sz="2400">
+              <a:rPr lang="en-US" sz="2400" kern="100" dirty="0">
                 <a:solidFill>
                   <a:srgbClr val="000000"/>
                 </a:solidFill>
-                <a:latin typeface="Calibri"/>
-                <a:cs typeface="Times New Roman"/>
+                <a:effectLst/>
+                <a:latin typeface="Calibri" panose="020F0502020204030204" pitchFamily="34" charset="0"/>
+                <a:ea typeface="Calibri" panose="020F0502020204030204" pitchFamily="34" charset="0"/>
+                <a:cs typeface="Calibri" panose="020F0502020204030204" pitchFamily="34" charset="0"/>
               </a:rPr>
-              <a:t>, </a:t>
-            </a:r>
-            <a:r>
-              <a:rPr lang="en-US" sz="2400" i="1">
+              <a:t>, Vesicle, and Attack, we enable polymorphism in our code. Polymorphism allows us to treat objects of different virus types uniformly through their common interfaces, facilitating code modularity and reusability. For example with method overriding in the interface </a:t>
+            </a:r>
+            <a:r>
+              <a:rPr lang="en-US" sz="2400" kern="100" dirty="0" err="1">
                 <a:solidFill>
                   <a:srgbClr val="000000"/>
                 </a:solidFill>
-                <a:latin typeface="Calibri"/>
-                <a:cs typeface="Times New Roman"/>
+                <a:effectLst/>
+                <a:latin typeface="Calibri" panose="020F0502020204030204" pitchFamily="34" charset="0"/>
+                <a:ea typeface="Calibri" panose="020F0502020204030204" pitchFamily="34" charset="0"/>
+                <a:cs typeface="Calibri" panose="020F0502020204030204" pitchFamily="34" charset="0"/>
               </a:rPr>
-              <a:t>Vesicle</a:t>
-            </a:r>
-            <a:r>
-              <a:rPr lang="en-US" sz="2400">
+              <a:t>GetField</a:t>
+            </a:r>
+            <a:r>
+              <a:rPr lang="en-US" sz="2400" kern="100" dirty="0">
                 <a:solidFill>
                   <a:srgbClr val="000000"/>
                 </a:solidFill>
-                <a:latin typeface="Calibri"/>
-                <a:cs typeface="Times New Roman"/>
+                <a:effectLst/>
+                <a:latin typeface="Calibri" panose="020F0502020204030204" pitchFamily="34" charset="0"/>
+                <a:ea typeface="Calibri" panose="020F0502020204030204" pitchFamily="34" charset="0"/>
+                <a:cs typeface="Calibri" panose="020F0502020204030204" pitchFamily="34" charset="0"/>
               </a:rPr>
-              <a:t> and </a:t>
-            </a:r>
-            <a:r>
-              <a:rPr lang="en-US" sz="2400" i="1">
+              <a:t>, each virus class can provide its specific implementation for retrieving fields, making the code more flexible and adaptable to different virus behaviors.</a:t>
+            </a:r>
+            <a:endParaRPr lang="en-US" sz="2400" kern="100" dirty="0">
+              <a:effectLst/>
+              <a:latin typeface="Calibri" panose="020F0502020204030204" pitchFamily="34" charset="0"/>
+              <a:ea typeface="Calibri" panose="020F0502020204030204" pitchFamily="34" charset="0"/>
+              <a:cs typeface="Calibri" panose="020F0502020204030204" pitchFamily="34" charset="0"/>
+            </a:endParaRPr>
+          </a:p>
+          <a:p>
+            <a:pPr algn="just"/>
+            <a:r>
+              <a:rPr lang="en-US" sz="2400" dirty="0">
+                <a:effectLst/>
+                <a:latin typeface="Calibri" panose="020F0502020204030204" pitchFamily="34" charset="0"/>
+                <a:ea typeface="Calibri" panose="020F0502020204030204" pitchFamily="34" charset="0"/>
+                <a:cs typeface="Calibri" panose="020F0502020204030204" pitchFamily="34" charset="0"/>
+              </a:rPr>
+              <a:t>.</a:t>
+            </a:r>
+            <a:br>
+              <a:rPr lang="en-US" sz="2400" dirty="0">
+                <a:latin typeface="Calibri" panose="020F0502020204030204" pitchFamily="34" charset="0"/>
+                <a:ea typeface="Calibri" panose="020F0502020204030204" pitchFamily="34" charset="0"/>
+                <a:cs typeface="Calibri" panose="020F0502020204030204" pitchFamily="34" charset="0"/>
+              </a:rPr>
+            </a:br>
+            <a:r>
+              <a:rPr lang="en-US" sz="2400" kern="100" dirty="0">
                 <a:solidFill>
                   <a:srgbClr val="000000"/>
                 </a:solidFill>
-                <a:latin typeface="Calibri"/>
-                <a:cs typeface="Times New Roman"/>
+                <a:effectLst/>
+                <a:latin typeface="Calibri" panose="020F0502020204030204" pitchFamily="34" charset="0"/>
+                <a:ea typeface="Calibri" panose="020F0502020204030204" pitchFamily="34" charset="0"/>
+                <a:cs typeface="Calibri" panose="020F0502020204030204" pitchFamily="34" charset="0"/>
               </a:rPr>
-              <a:t>Attack</a:t>
-            </a:r>
-            <a:r>
-              <a:rPr lang="en-US" sz="2400">
-                <a:solidFill>
-                  <a:srgbClr val="000000"/>
-                </a:solidFill>
-                <a:latin typeface="Calibri"/>
-                <a:cs typeface="Times New Roman"/>
-              </a:rPr>
-              <a:t>, then </a:t>
-            </a:r>
-            <a:r>
-              <a:rPr lang="en-US" sz="2400" err="1">
-                <a:solidFill>
-                  <a:srgbClr val="000000"/>
-                </a:solidFill>
-                <a:latin typeface="Calibri"/>
-                <a:cs typeface="Times New Roman"/>
-              </a:rPr>
-              <a:t>overide</a:t>
-            </a:r>
-            <a:r>
-              <a:rPr lang="en-US" sz="2400">
-                <a:solidFill>
-                  <a:srgbClr val="000000"/>
-                </a:solidFill>
-                <a:latin typeface="Calibri"/>
-                <a:cs typeface="Times New Roman"/>
-              </a:rPr>
-              <a:t> each method in the interfaces.</a:t>
-            </a:r>
-            <a:endParaRPr lang="vi-VN" sz="2400">
-              <a:latin typeface="Calibri"/>
-              <a:cs typeface="Calibri"/>
+              <a:t> The way of applying polymorphism is that it enhances code modularity, reusability, and facilitates dependency injection and inversion of control principles.</a:t>
+            </a:r>
+            <a:endParaRPr lang="en-US" sz="2400" kern="100" dirty="0">
+              <a:effectLst/>
+              <a:latin typeface="Calibri" panose="020F0502020204030204" pitchFamily="34" charset="0"/>
+              <a:ea typeface="Calibri" panose="020F0502020204030204" pitchFamily="34" charset="0"/>
+              <a:cs typeface="Calibri" panose="020F0502020204030204" pitchFamily="34" charset="0"/>
             </a:endParaRPr>
           </a:p>
           <a:p>
             <a:pPr algn="just"/>
-            <a:endParaRPr lang="en-US" sz="2400">
-              <a:solidFill>
-                <a:srgbClr val="000000"/>
-              </a:solidFill>
-              <a:latin typeface="Calibri"/>
-              <a:cs typeface="Times New Roman"/>
-            </a:endParaRPr>
-          </a:p>
-          <a:p>
-            <a:pPr algn="just"/>
-            <a:r>
-              <a:rPr lang="en-US" sz="2400">
-                <a:solidFill>
-                  <a:srgbClr val="000000"/>
-                </a:solidFill>
-                <a:latin typeface="Calibri"/>
-                <a:cs typeface="Times New Roman"/>
-              </a:rPr>
-              <a:t>The way of applying </a:t>
-            </a:r>
-            <a:r>
-              <a:rPr lang="en-US" sz="2400" err="1">
-                <a:solidFill>
-                  <a:srgbClr val="000000"/>
-                </a:solidFill>
-                <a:latin typeface="Calibri"/>
-                <a:cs typeface="Times New Roman"/>
-              </a:rPr>
-              <a:t>polymorohism</a:t>
-            </a:r>
-            <a:r>
-              <a:rPr lang="en-US" sz="2400">
-                <a:solidFill>
-                  <a:srgbClr val="000000"/>
-                </a:solidFill>
-                <a:latin typeface="Calibri"/>
-                <a:cs typeface="Times New Roman"/>
-              </a:rPr>
-              <a:t> is that it enhances code modularity, reusability, and facilitates dependency injection and inversion of control principles.</a:t>
-            </a:r>
-            <a:endParaRPr lang="vi-VN" sz="2400">
-              <a:latin typeface="Calibri"/>
-              <a:cs typeface="Calibri"/>
-            </a:endParaRPr>
+            <a:endParaRPr lang="en-US" dirty="0"/>
           </a:p>
           <a:p>
             <a:br>
-              <a:rPr lang="en-US"/>
+              <a:rPr lang="en-US" dirty="0"/>
             </a:br>
-            <a:endParaRPr lang="en-US"/>
-          </a:p>
-          <a:p>
-            <a:br>
-              <a:rPr lang="en-US"/>
-            </a:br>
-            <a:endParaRPr lang="en-US"/>
+            <a:endParaRPr lang="en-US" dirty="0"/>
           </a:p>
         </p:txBody>
       </p:sp>
@@ -8719,13 +8997,13 @@
   <p:clrMapOvr>
     <a:masterClrMapping/>
   </p:clrMapOvr>
-  <mc:AlternateContent xmlns:mc="http://schemas.openxmlformats.org/markup-compatibility/2006">
-    <mc:Choice xmlns:p159="http://schemas.microsoft.com/office/powerpoint/2015/09/main" Requires="p159">
+  <mc:AlternateContent xmlns:mc="http://schemas.openxmlformats.org/markup-compatibility/2006" xmlns:p159="http://schemas.microsoft.com/office/powerpoint/2015/09/main">
+    <mc:Choice Requires="p159">
       <p:transition xmlns:p14="http://schemas.microsoft.com/office/powerpoint/2010/main" spd="slow" p14:dur="2000">
         <p159:morph option="byObject"/>
       </p:transition>
     </mc:Choice>
-    <mc:Fallback>
+    <mc:Fallback xmlns="">
       <p:transition spd="slow">
         <p:fade/>
       </p:transition>
@@ -8836,13 +9114,13 @@
   <p:clrMapOvr>
     <a:masterClrMapping/>
   </p:clrMapOvr>
-  <mc:AlternateContent xmlns:mc="http://schemas.openxmlformats.org/markup-compatibility/2006">
-    <mc:Choice xmlns:p159="http://schemas.microsoft.com/office/powerpoint/2015/09/main" Requires="p159">
+  <mc:AlternateContent xmlns:mc="http://schemas.openxmlformats.org/markup-compatibility/2006" xmlns:p159="http://schemas.microsoft.com/office/powerpoint/2015/09/main">
+    <mc:Choice Requires="p159">
       <p:transition xmlns:p14="http://schemas.microsoft.com/office/powerpoint/2010/main" spd="slow" p14:dur="2000">
         <p159:morph option="byObject"/>
       </p:transition>
     </mc:Choice>
-    <mc:Fallback>
+    <mc:Fallback xmlns="">
       <p:transition spd="slow">
         <p:fade/>
       </p:transition>
@@ -9020,13 +9298,13 @@
   <p:clrMapOvr>
     <a:masterClrMapping/>
   </p:clrMapOvr>
-  <mc:AlternateContent xmlns:mc="http://schemas.openxmlformats.org/markup-compatibility/2006">
-    <mc:Choice xmlns:p159="http://schemas.microsoft.com/office/powerpoint/2015/09/main" Requires="p159">
+  <mc:AlternateContent xmlns:mc="http://schemas.openxmlformats.org/markup-compatibility/2006" xmlns:p159="http://schemas.microsoft.com/office/powerpoint/2015/09/main">
+    <mc:Choice Requires="p159">
       <p:transition xmlns:p14="http://schemas.microsoft.com/office/powerpoint/2010/main" spd="slow" p14:dur="2000">
         <p159:morph option="byObject"/>
       </p:transition>
     </mc:Choice>
-    <mc:Fallback>
+    <mc:Fallback xmlns="">
       <p:transition spd="slow">
         <p:fade/>
       </p:transition>
@@ -9217,13 +9495,13 @@
   <p:clrMapOvr>
     <a:masterClrMapping/>
   </p:clrMapOvr>
-  <mc:AlternateContent xmlns:mc="http://schemas.openxmlformats.org/markup-compatibility/2006">
-    <mc:Choice xmlns:p159="http://schemas.microsoft.com/office/powerpoint/2015/09/main" Requires="p159">
+  <mc:AlternateContent xmlns:mc="http://schemas.openxmlformats.org/markup-compatibility/2006" xmlns:p159="http://schemas.microsoft.com/office/powerpoint/2015/09/main">
+    <mc:Choice Requires="p159">
       <p:transition xmlns:p14="http://schemas.microsoft.com/office/powerpoint/2010/main" spd="slow" p14:dur="2000">
         <p159:morph option="byObject"/>
       </p:transition>
     </mc:Choice>
-    <mc:Fallback>
+    <mc:Fallback xmlns="">
       <p:transition spd="slow">
         <p:fade/>
       </p:transition>
@@ -9251,60 +9529,1243 @@
       </p:grpSpPr>
       <p:sp>
         <p:nvSpPr>
-          <p:cNvPr id="2" name="Title 1">
-            <a:extLst>
-              <a:ext uri="{FF2B5EF4-FFF2-40B4-BE49-F238E27FC236}">
-                <a16:creationId xmlns:a16="http://schemas.microsoft.com/office/drawing/2014/main" id="{A819DF96-BB6D-DD42-9D58-6E8CA741B798}"/>
-              </a:ext>
-            </a:extLst>
-          </p:cNvPr>
-          <p:cNvSpPr>
-            <a:spLocks noGrp="1"/>
-          </p:cNvSpPr>
-          <p:nvPr>
-            <p:ph type="title"/>
-          </p:nvPr>
-        </p:nvSpPr>
-        <p:spPr/>
-        <p:txBody>
-          <a:bodyPr/>
-          <a:lstStyle/>
-          <a:p>
-            <a:r>
-              <a:rPr lang="en-US"/>
-              <a:t>Group Member</a:t>
-            </a:r>
-          </a:p>
-        </p:txBody>
-      </p:sp>
-      <p:sp>
-        <p:nvSpPr>
-          <p:cNvPr id="4" name="Title 1">
-            <a:extLst>
-              <a:ext uri="{FF2B5EF4-FFF2-40B4-BE49-F238E27FC236}">
-                <a16:creationId xmlns:a16="http://schemas.microsoft.com/office/drawing/2014/main" id="{67036B95-1BFA-4439-25FA-6E35D29058BA}"/>
-              </a:ext>
-            </a:extLst>
-          </p:cNvPr>
-          <p:cNvSpPr txBox="1">
-            <a:spLocks noGrp="1"/>
-          </p:cNvSpPr>
-          <p:nvPr>
-            <p:ph idx="1"/>
+          <p:cNvPr id="3" name="Subtitle 2">
+            <a:extLst>
+              <a:ext uri="{FF2B5EF4-FFF2-40B4-BE49-F238E27FC236}">
+                <a16:creationId xmlns:a16="http://schemas.microsoft.com/office/drawing/2014/main" id="{CC08AAD4-2ABF-06B8-46CC-889364805063}"/>
+              </a:ext>
+            </a:extLst>
+          </p:cNvPr>
+          <p:cNvSpPr>
+            <a:spLocks noGrp="1"/>
+          </p:cNvSpPr>
+          <p:nvPr>
+            <p:ph type="subTitle" idx="1"/>
           </p:nvPr>
         </p:nvSpPr>
         <p:spPr>
           <a:xfrm>
-            <a:off x="838200" y="1690688"/>
-            <a:ext cx="10515600" cy="4351338"/>
+            <a:off x="936523" y="745920"/>
+            <a:ext cx="9144000" cy="4874342"/>
+          </a:xfrm>
+        </p:spPr>
+        <p:txBody>
+          <a:bodyPr>
+            <a:noAutofit/>
+          </a:bodyPr>
+          <a:lstStyle/>
+          <a:p>
+            <a:pPr marL="0" marR="0">
+              <a:lnSpc>
+                <a:spcPct val="107000"/>
+              </a:lnSpc>
+              <a:spcBef>
+                <a:spcPts val="0"/>
+              </a:spcBef>
+              <a:spcAft>
+                <a:spcPts val="600"/>
+              </a:spcAft>
+            </a:pPr>
+            <a:r>
+              <a:rPr lang="en-US" sz="1350" kern="100" dirty="0">
+                <a:solidFill>
+                  <a:srgbClr val="000000"/>
+                </a:solidFill>
+                <a:effectLst/>
+                <a:latin typeface="Times New Roman" panose="02020603050405020304" pitchFamily="18" charset="0"/>
+                <a:ea typeface="Calibri" panose="020F0502020204030204" pitchFamily="34" charset="0"/>
+                <a:cs typeface="Times New Roman" panose="02020603050405020304" pitchFamily="18" charset="0"/>
+              </a:rPr>
+              <a:t>Initial logic: Virus, </a:t>
+            </a:r>
+            <a:r>
+              <a:rPr lang="en-US" sz="1350" kern="100" dirty="0" err="1">
+                <a:solidFill>
+                  <a:srgbClr val="000000"/>
+                </a:solidFill>
+                <a:effectLst/>
+                <a:latin typeface="Times New Roman" panose="02020603050405020304" pitchFamily="18" charset="0"/>
+                <a:ea typeface="Calibri" panose="020F0502020204030204" pitchFamily="34" charset="0"/>
+                <a:cs typeface="Times New Roman" panose="02020603050405020304" pitchFamily="18" charset="0"/>
+              </a:rPr>
+              <a:t>EnvelopeVirus</a:t>
+            </a:r>
+            <a:r>
+              <a:rPr lang="en-US" sz="1350" kern="100" dirty="0">
+                <a:solidFill>
+                  <a:srgbClr val="000000"/>
+                </a:solidFill>
+                <a:effectLst/>
+                <a:latin typeface="Times New Roman" panose="02020603050405020304" pitchFamily="18" charset="0"/>
+                <a:ea typeface="Calibri" panose="020F0502020204030204" pitchFamily="34" charset="0"/>
+                <a:cs typeface="Times New Roman" panose="02020603050405020304" pitchFamily="18" charset="0"/>
+              </a:rPr>
+              <a:t>, </a:t>
+            </a:r>
+            <a:r>
+              <a:rPr lang="en-US" sz="1350" kern="100" dirty="0" err="1">
+                <a:solidFill>
+                  <a:srgbClr val="000000"/>
+                </a:solidFill>
+                <a:effectLst/>
+                <a:latin typeface="Times New Roman" panose="02020603050405020304" pitchFamily="18" charset="0"/>
+                <a:ea typeface="Calibri" panose="020F0502020204030204" pitchFamily="34" charset="0"/>
+                <a:cs typeface="Times New Roman" panose="02020603050405020304" pitchFamily="18" charset="0"/>
+              </a:rPr>
+              <a:t>NonEnvelopeVirus</a:t>
+            </a:r>
+            <a:r>
+              <a:rPr lang="en-US" sz="1350" kern="100" dirty="0">
+                <a:solidFill>
+                  <a:srgbClr val="000000"/>
+                </a:solidFill>
+                <a:effectLst/>
+                <a:latin typeface="Times New Roman" panose="02020603050405020304" pitchFamily="18" charset="0"/>
+                <a:ea typeface="Calibri" panose="020F0502020204030204" pitchFamily="34" charset="0"/>
+                <a:cs typeface="Times New Roman" panose="02020603050405020304" pitchFamily="18" charset="0"/>
+              </a:rPr>
+              <a:t>, </a:t>
+            </a:r>
+            <a:r>
+              <a:rPr lang="en-US" sz="1350" kern="100" dirty="0" err="1">
+                <a:solidFill>
+                  <a:srgbClr val="000000"/>
+                </a:solidFill>
+                <a:effectLst/>
+                <a:latin typeface="Times New Roman" panose="02020603050405020304" pitchFamily="18" charset="0"/>
+                <a:ea typeface="Calibri" panose="020F0502020204030204" pitchFamily="34" charset="0"/>
+                <a:cs typeface="Times New Roman" panose="02020603050405020304" pitchFamily="18" charset="0"/>
+              </a:rPr>
+              <a:t>VirusComponent</a:t>
+            </a:r>
+            <a:r>
+              <a:rPr lang="en-US" sz="1350" kern="100" dirty="0">
+                <a:solidFill>
+                  <a:srgbClr val="000000"/>
+                </a:solidFill>
+                <a:effectLst/>
+                <a:latin typeface="Times New Roman" panose="02020603050405020304" pitchFamily="18" charset="0"/>
+                <a:ea typeface="Calibri" panose="020F0502020204030204" pitchFamily="34" charset="0"/>
+                <a:cs typeface="Times New Roman" panose="02020603050405020304" pitchFamily="18" charset="0"/>
+              </a:rPr>
+              <a:t>, </a:t>
+            </a:r>
+            <a:r>
+              <a:rPr lang="en-US" sz="1350" kern="100" dirty="0" err="1">
+                <a:solidFill>
+                  <a:srgbClr val="000000"/>
+                </a:solidFill>
+                <a:effectLst/>
+                <a:latin typeface="Times New Roman" panose="02020603050405020304" pitchFamily="18" charset="0"/>
+                <a:ea typeface="Calibri" panose="020F0502020204030204" pitchFamily="34" charset="0"/>
+                <a:cs typeface="Times New Roman" panose="02020603050405020304" pitchFamily="18" charset="0"/>
+              </a:rPr>
+              <a:t>GetField</a:t>
+            </a:r>
+            <a:r>
+              <a:rPr lang="en-US" sz="1350" kern="100" dirty="0">
+                <a:solidFill>
+                  <a:srgbClr val="000000"/>
+                </a:solidFill>
+                <a:effectLst/>
+                <a:latin typeface="Times New Roman" panose="02020603050405020304" pitchFamily="18" charset="0"/>
+                <a:ea typeface="Calibri" panose="020F0502020204030204" pitchFamily="34" charset="0"/>
+                <a:cs typeface="Times New Roman" panose="02020603050405020304" pitchFamily="18" charset="0"/>
+              </a:rPr>
+              <a:t>, Screen class : </a:t>
+            </a:r>
+            <a:r>
+              <a:rPr lang="en-US" sz="1350" kern="100" dirty="0" err="1">
+                <a:solidFill>
+                  <a:srgbClr val="000000"/>
+                </a:solidFill>
+                <a:effectLst/>
+                <a:latin typeface="Times New Roman" panose="02020603050405020304" pitchFamily="18" charset="0"/>
+                <a:ea typeface="Calibri" panose="020F0502020204030204" pitchFamily="34" charset="0"/>
+                <a:cs typeface="Times New Roman" panose="02020603050405020304" pitchFamily="18" charset="0"/>
+              </a:rPr>
+              <a:t>Việt</a:t>
+            </a:r>
+            <a:r>
+              <a:rPr lang="en-US" sz="1350" kern="100" dirty="0">
+                <a:solidFill>
+                  <a:srgbClr val="000000"/>
+                </a:solidFill>
+                <a:effectLst/>
+                <a:latin typeface="Times New Roman" panose="02020603050405020304" pitchFamily="18" charset="0"/>
+                <a:ea typeface="Calibri" panose="020F0502020204030204" pitchFamily="34" charset="0"/>
+                <a:cs typeface="Times New Roman" panose="02020603050405020304" pitchFamily="18" charset="0"/>
+              </a:rPr>
+              <a:t> Dũng (20% idea), </a:t>
+            </a:r>
+            <a:r>
+              <a:rPr lang="en-US" sz="1350" kern="100" dirty="0" err="1">
+                <a:solidFill>
+                  <a:srgbClr val="000000"/>
+                </a:solidFill>
+                <a:effectLst/>
+                <a:latin typeface="Times New Roman" panose="02020603050405020304" pitchFamily="18" charset="0"/>
+                <a:ea typeface="Calibri" panose="020F0502020204030204" pitchFamily="34" charset="0"/>
+                <a:cs typeface="Times New Roman" panose="02020603050405020304" pitchFamily="18" charset="0"/>
+              </a:rPr>
+              <a:t>Đức</a:t>
+            </a:r>
+            <a:r>
+              <a:rPr lang="en-US" sz="1350" kern="100" dirty="0">
+                <a:solidFill>
+                  <a:srgbClr val="000000"/>
+                </a:solidFill>
+                <a:effectLst/>
+                <a:latin typeface="Times New Roman" panose="02020603050405020304" pitchFamily="18" charset="0"/>
+                <a:ea typeface="Calibri" panose="020F0502020204030204" pitchFamily="34" charset="0"/>
+                <a:cs typeface="Times New Roman" panose="02020603050405020304" pitchFamily="18" charset="0"/>
+              </a:rPr>
+              <a:t> (20% idea), </a:t>
+            </a:r>
+            <a:r>
+              <a:rPr lang="en-US" sz="1350" kern="100" dirty="0" err="1">
+                <a:solidFill>
+                  <a:srgbClr val="000000"/>
+                </a:solidFill>
+                <a:effectLst/>
+                <a:latin typeface="Times New Roman" panose="02020603050405020304" pitchFamily="18" charset="0"/>
+                <a:ea typeface="Calibri" panose="020F0502020204030204" pitchFamily="34" charset="0"/>
+                <a:cs typeface="Times New Roman" panose="02020603050405020304" pitchFamily="18" charset="0"/>
+              </a:rPr>
+              <a:t>Đình</a:t>
+            </a:r>
+            <a:r>
+              <a:rPr lang="en-US" sz="1350" kern="100" dirty="0">
+                <a:solidFill>
+                  <a:srgbClr val="000000"/>
+                </a:solidFill>
+                <a:effectLst/>
+                <a:latin typeface="Times New Roman" panose="02020603050405020304" pitchFamily="18" charset="0"/>
+                <a:ea typeface="Calibri" panose="020F0502020204030204" pitchFamily="34" charset="0"/>
+                <a:cs typeface="Times New Roman" panose="02020603050405020304" pitchFamily="18" charset="0"/>
+              </a:rPr>
+              <a:t> Dũng (20% idea), Doanh (40% : idea + implement).</a:t>
+            </a:r>
+            <a:endParaRPr lang="en-US" sz="1350" kern="100" dirty="0">
+              <a:solidFill>
+                <a:srgbClr val="000000"/>
+              </a:solidFill>
+              <a:effectLst/>
+              <a:latin typeface="Calibri" panose="020F0502020204030204" pitchFamily="34" charset="0"/>
+              <a:ea typeface="Calibri" panose="020F0502020204030204" pitchFamily="34" charset="0"/>
+              <a:cs typeface="Times New Roman" panose="02020603050405020304" pitchFamily="18" charset="0"/>
+            </a:endParaRPr>
+          </a:p>
+          <a:p>
+            <a:pPr marL="0" marR="0">
+              <a:lnSpc>
+                <a:spcPct val="107000"/>
+              </a:lnSpc>
+              <a:spcBef>
+                <a:spcPts val="0"/>
+              </a:spcBef>
+              <a:spcAft>
+                <a:spcPts val="600"/>
+              </a:spcAft>
+            </a:pPr>
+            <a:r>
+              <a:rPr lang="en-US" sz="1350" b="1" kern="100" dirty="0">
+                <a:solidFill>
+                  <a:srgbClr val="000000"/>
+                </a:solidFill>
+                <a:effectLst/>
+                <a:latin typeface="Calibri" panose="020F0502020204030204" pitchFamily="34" charset="0"/>
+                <a:ea typeface="Calibri" panose="020F0502020204030204" pitchFamily="34" charset="0"/>
+                <a:cs typeface="Times New Roman" panose="02020603050405020304" pitchFamily="18" charset="0"/>
+              </a:rPr>
+              <a:t>Hoàng </a:t>
+            </a:r>
+            <a:r>
+              <a:rPr lang="en-US" sz="1350" b="1" kern="100" dirty="0" err="1">
+                <a:solidFill>
+                  <a:srgbClr val="000000"/>
+                </a:solidFill>
+                <a:effectLst/>
+                <a:latin typeface="Calibri" panose="020F0502020204030204" pitchFamily="34" charset="0"/>
+                <a:ea typeface="Calibri" panose="020F0502020204030204" pitchFamily="34" charset="0"/>
+                <a:cs typeface="Times New Roman" panose="02020603050405020304" pitchFamily="18" charset="0"/>
+              </a:rPr>
+              <a:t>Đình</a:t>
+            </a:r>
+            <a:r>
+              <a:rPr lang="en-US" sz="1350" b="1" kern="100" dirty="0">
+                <a:solidFill>
+                  <a:srgbClr val="000000"/>
+                </a:solidFill>
+                <a:effectLst/>
+                <a:latin typeface="Calibri" panose="020F0502020204030204" pitchFamily="34" charset="0"/>
+                <a:ea typeface="Calibri" panose="020F0502020204030204" pitchFamily="34" charset="0"/>
+                <a:cs typeface="Times New Roman" panose="02020603050405020304" pitchFamily="18" charset="0"/>
+              </a:rPr>
+              <a:t> Dũng – 20214882</a:t>
+            </a:r>
+            <a:endParaRPr lang="en-US" sz="1350" kern="100" dirty="0">
+              <a:solidFill>
+                <a:srgbClr val="000000"/>
+              </a:solidFill>
+              <a:effectLst/>
+              <a:latin typeface="Calibri" panose="020F0502020204030204" pitchFamily="34" charset="0"/>
+              <a:ea typeface="Calibri" panose="020F0502020204030204" pitchFamily="34" charset="0"/>
+              <a:cs typeface="Times New Roman" panose="02020603050405020304" pitchFamily="18" charset="0"/>
+            </a:endParaRPr>
+          </a:p>
+          <a:p>
+            <a:pPr marL="342900" marR="0" lvl="0" indent="-342900">
+              <a:lnSpc>
+                <a:spcPct val="107000"/>
+              </a:lnSpc>
+              <a:spcBef>
+                <a:spcPts val="0"/>
+              </a:spcBef>
+              <a:spcAft>
+                <a:spcPts val="600"/>
+              </a:spcAft>
+              <a:buFont typeface="Arial" panose="020B0604020202020204" pitchFamily="34" charset="0"/>
+              <a:buChar char="•"/>
+              <a:tabLst>
+                <a:tab pos="457200" algn="l"/>
+              </a:tabLst>
+            </a:pPr>
+            <a:r>
+              <a:rPr lang="en-US" sz="1350" kern="100" dirty="0">
+                <a:solidFill>
+                  <a:srgbClr val="000000"/>
+                </a:solidFill>
+                <a:effectLst/>
+                <a:latin typeface="Times New Roman" panose="02020603050405020304" pitchFamily="18" charset="0"/>
+                <a:ea typeface="Calibri" panose="020F0502020204030204" pitchFamily="34" charset="0"/>
+                <a:cs typeface="Times New Roman" panose="02020603050405020304" pitchFamily="18" charset="0"/>
+              </a:rPr>
+              <a:t>Core class : </a:t>
+            </a:r>
+            <a:r>
+              <a:rPr lang="en-US" sz="1350" kern="100" dirty="0" err="1">
+                <a:solidFill>
+                  <a:srgbClr val="000000"/>
+                </a:solidFill>
+                <a:effectLst/>
+                <a:latin typeface="Times New Roman" panose="02020603050405020304" pitchFamily="18" charset="0"/>
+                <a:ea typeface="Calibri" panose="020F0502020204030204" pitchFamily="34" charset="0"/>
+                <a:cs typeface="Times New Roman" panose="02020603050405020304" pitchFamily="18" charset="0"/>
+              </a:rPr>
+              <a:t>Hav</a:t>
+            </a:r>
+            <a:r>
+              <a:rPr lang="en-US" sz="1350" kern="100" dirty="0">
+                <a:solidFill>
+                  <a:srgbClr val="000000"/>
+                </a:solidFill>
+                <a:effectLst/>
+                <a:latin typeface="Times New Roman" panose="02020603050405020304" pitchFamily="18" charset="0"/>
+                <a:ea typeface="Calibri" panose="020F0502020204030204" pitchFamily="34" charset="0"/>
+                <a:cs typeface="Times New Roman" panose="02020603050405020304" pitchFamily="18" charset="0"/>
+              </a:rPr>
+              <a:t> class (100%), Vesicle class (100%), Attack class (100%), </a:t>
+            </a:r>
+            <a:r>
+              <a:rPr lang="en-US" sz="1350" kern="100" dirty="0" err="1">
+                <a:solidFill>
+                  <a:srgbClr val="000000"/>
+                </a:solidFill>
+                <a:effectLst/>
+                <a:latin typeface="Times New Roman" panose="02020603050405020304" pitchFamily="18" charset="0"/>
+                <a:ea typeface="Calibri" panose="020F0502020204030204" pitchFamily="34" charset="0"/>
+                <a:cs typeface="Times New Roman" panose="02020603050405020304" pitchFamily="18" charset="0"/>
+              </a:rPr>
+              <a:t>HostCell</a:t>
+            </a:r>
+            <a:r>
+              <a:rPr lang="en-US" sz="1350" kern="100" dirty="0">
+                <a:solidFill>
+                  <a:srgbClr val="000000"/>
+                </a:solidFill>
+                <a:effectLst/>
+                <a:latin typeface="Times New Roman" panose="02020603050405020304" pitchFamily="18" charset="0"/>
+                <a:ea typeface="Calibri" panose="020F0502020204030204" pitchFamily="34" charset="0"/>
+                <a:cs typeface="Times New Roman" panose="02020603050405020304" pitchFamily="18" charset="0"/>
+              </a:rPr>
+              <a:t> class (50%), </a:t>
+            </a:r>
+            <a:r>
+              <a:rPr lang="en-US" sz="1350" kern="100" dirty="0" err="1">
+                <a:solidFill>
+                  <a:srgbClr val="000000"/>
+                </a:solidFill>
+                <a:effectLst/>
+                <a:latin typeface="Times New Roman" panose="02020603050405020304" pitchFamily="18" charset="0"/>
+                <a:ea typeface="Calibri" panose="020F0502020204030204" pitchFamily="34" charset="0"/>
+                <a:cs typeface="Times New Roman" panose="02020603050405020304" pitchFamily="18" charset="0"/>
+              </a:rPr>
+              <a:t>CellComponent</a:t>
+            </a:r>
+            <a:r>
+              <a:rPr lang="en-US" sz="1350" kern="100" dirty="0">
+                <a:solidFill>
+                  <a:srgbClr val="000000"/>
+                </a:solidFill>
+                <a:effectLst/>
+                <a:latin typeface="Times New Roman" panose="02020603050405020304" pitchFamily="18" charset="0"/>
+                <a:ea typeface="Calibri" panose="020F0502020204030204" pitchFamily="34" charset="0"/>
+                <a:cs typeface="Times New Roman" panose="02020603050405020304" pitchFamily="18" charset="0"/>
+              </a:rPr>
+              <a:t> class(50%)</a:t>
+            </a:r>
+            <a:endParaRPr lang="en-US" sz="1350" kern="100" dirty="0">
+              <a:solidFill>
+                <a:srgbClr val="000000"/>
+              </a:solidFill>
+              <a:effectLst/>
+              <a:latin typeface="Calibri" panose="020F0502020204030204" pitchFamily="34" charset="0"/>
+              <a:ea typeface="Calibri" panose="020F0502020204030204" pitchFamily="34" charset="0"/>
+              <a:cs typeface="Times New Roman" panose="02020603050405020304" pitchFamily="18" charset="0"/>
+            </a:endParaRPr>
+          </a:p>
+          <a:p>
+            <a:pPr marL="342900" marR="0" lvl="0" indent="-342900">
+              <a:lnSpc>
+                <a:spcPct val="107000"/>
+              </a:lnSpc>
+              <a:spcBef>
+                <a:spcPts val="0"/>
+              </a:spcBef>
+              <a:spcAft>
+                <a:spcPts val="600"/>
+              </a:spcAft>
+              <a:buFont typeface="Arial" panose="020B0604020202020204" pitchFamily="34" charset="0"/>
+              <a:buChar char="•"/>
+              <a:tabLst>
+                <a:tab pos="457200" algn="l"/>
+              </a:tabLst>
+            </a:pPr>
+            <a:r>
+              <a:rPr lang="en-US" sz="1350" kern="100" dirty="0">
+                <a:solidFill>
+                  <a:srgbClr val="000000"/>
+                </a:solidFill>
+                <a:effectLst/>
+                <a:latin typeface="Times New Roman" panose="02020603050405020304" pitchFamily="18" charset="0"/>
+                <a:ea typeface="Calibri" panose="020F0502020204030204" pitchFamily="34" charset="0"/>
+                <a:cs typeface="Times New Roman" panose="02020603050405020304" pitchFamily="18" charset="0"/>
+              </a:rPr>
+              <a:t>GUI: 7 class Controller for Attack (each virus) (90%) , Fix code for </a:t>
+            </a:r>
+            <a:r>
+              <a:rPr lang="en-US" sz="1350" kern="100" dirty="0" err="1">
+                <a:solidFill>
+                  <a:srgbClr val="000000"/>
+                </a:solidFill>
+                <a:effectLst/>
+                <a:latin typeface="Times New Roman" panose="02020603050405020304" pitchFamily="18" charset="0"/>
+                <a:ea typeface="Calibri" panose="020F0502020204030204" pitchFamily="34" charset="0"/>
+                <a:cs typeface="Times New Roman" panose="02020603050405020304" pitchFamily="18" charset="0"/>
+              </a:rPr>
+              <a:t>StructureController</a:t>
+            </a:r>
+            <a:r>
+              <a:rPr lang="en-US" sz="1350" kern="100" dirty="0">
+                <a:solidFill>
+                  <a:srgbClr val="000000"/>
+                </a:solidFill>
+                <a:effectLst/>
+                <a:latin typeface="Times New Roman" panose="02020603050405020304" pitchFamily="18" charset="0"/>
+                <a:ea typeface="Calibri" panose="020F0502020204030204" pitchFamily="34" charset="0"/>
+                <a:cs typeface="Times New Roman" panose="02020603050405020304" pitchFamily="18" charset="0"/>
+              </a:rPr>
+              <a:t> class (10%)</a:t>
+            </a:r>
+            <a:endParaRPr lang="en-US" sz="1350" kern="100" dirty="0">
+              <a:solidFill>
+                <a:srgbClr val="000000"/>
+              </a:solidFill>
+              <a:effectLst/>
+              <a:latin typeface="Calibri" panose="020F0502020204030204" pitchFamily="34" charset="0"/>
+              <a:ea typeface="Calibri" panose="020F0502020204030204" pitchFamily="34" charset="0"/>
+              <a:cs typeface="Times New Roman" panose="02020603050405020304" pitchFamily="18" charset="0"/>
+            </a:endParaRPr>
+          </a:p>
+          <a:p>
+            <a:pPr marL="342900" marR="0" lvl="0" indent="-342900">
+              <a:lnSpc>
+                <a:spcPct val="107000"/>
+              </a:lnSpc>
+              <a:spcBef>
+                <a:spcPts val="0"/>
+              </a:spcBef>
+              <a:spcAft>
+                <a:spcPts val="600"/>
+              </a:spcAft>
+              <a:buFont typeface="Arial" panose="020B0604020202020204" pitchFamily="34" charset="0"/>
+              <a:buChar char="•"/>
+              <a:tabLst>
+                <a:tab pos="457200" algn="l"/>
+              </a:tabLst>
+            </a:pPr>
+            <a:r>
+              <a:rPr lang="en-US" sz="1350" kern="100" dirty="0">
+                <a:solidFill>
+                  <a:srgbClr val="000000"/>
+                </a:solidFill>
+                <a:effectLst/>
+                <a:latin typeface="Times New Roman" panose="02020603050405020304" pitchFamily="18" charset="0"/>
+                <a:ea typeface="Calibri" panose="020F0502020204030204" pitchFamily="34" charset="0"/>
+                <a:cs typeface="Times New Roman" panose="02020603050405020304" pitchFamily="18" charset="0"/>
+              </a:rPr>
+              <a:t>Diagram: Controller class diagram</a:t>
+            </a:r>
+            <a:endParaRPr lang="en-US" sz="1350" kern="100" dirty="0">
+              <a:solidFill>
+                <a:srgbClr val="000000"/>
+              </a:solidFill>
+              <a:effectLst/>
+              <a:latin typeface="Calibri" panose="020F0502020204030204" pitchFamily="34" charset="0"/>
+              <a:ea typeface="Calibri" panose="020F0502020204030204" pitchFamily="34" charset="0"/>
+              <a:cs typeface="Times New Roman" panose="02020603050405020304" pitchFamily="18" charset="0"/>
+            </a:endParaRPr>
+          </a:p>
+          <a:p>
+            <a:pPr marL="342900" marR="0" lvl="0" indent="-342900">
+              <a:lnSpc>
+                <a:spcPct val="107000"/>
+              </a:lnSpc>
+              <a:spcBef>
+                <a:spcPts val="0"/>
+              </a:spcBef>
+              <a:spcAft>
+                <a:spcPts val="600"/>
+              </a:spcAft>
+              <a:buFont typeface="Arial" panose="020B0604020202020204" pitchFamily="34" charset="0"/>
+              <a:buChar char="•"/>
+              <a:tabLst>
+                <a:tab pos="457200" algn="l"/>
+              </a:tabLst>
+            </a:pPr>
+            <a:r>
+              <a:rPr lang="en-US" sz="1350" kern="100" dirty="0">
+                <a:solidFill>
+                  <a:srgbClr val="000000"/>
+                </a:solidFill>
+                <a:effectLst/>
+                <a:latin typeface="Times New Roman" panose="02020603050405020304" pitchFamily="18" charset="0"/>
+                <a:ea typeface="Calibri" panose="020F0502020204030204" pitchFamily="34" charset="0"/>
+                <a:cs typeface="Times New Roman" panose="02020603050405020304" pitchFamily="18" charset="0"/>
+              </a:rPr>
+              <a:t>Report (writing, summarizing, and formatting)</a:t>
+            </a:r>
+            <a:endParaRPr lang="en-US" sz="1350" kern="100" dirty="0">
+              <a:solidFill>
+                <a:srgbClr val="000000"/>
+              </a:solidFill>
+              <a:effectLst/>
+              <a:latin typeface="Calibri" panose="020F0502020204030204" pitchFamily="34" charset="0"/>
+              <a:ea typeface="Calibri" panose="020F0502020204030204" pitchFamily="34" charset="0"/>
+              <a:cs typeface="Times New Roman" panose="02020603050405020304" pitchFamily="18" charset="0"/>
+            </a:endParaRPr>
+          </a:p>
+          <a:p>
+            <a:pPr marL="0" marR="0">
+              <a:lnSpc>
+                <a:spcPct val="107000"/>
+              </a:lnSpc>
+              <a:spcBef>
+                <a:spcPts val="0"/>
+              </a:spcBef>
+              <a:spcAft>
+                <a:spcPts val="600"/>
+              </a:spcAft>
+            </a:pPr>
+            <a:r>
+              <a:rPr lang="en-US" sz="1350" b="1" kern="100" dirty="0">
+                <a:solidFill>
+                  <a:srgbClr val="000000"/>
+                </a:solidFill>
+                <a:effectLst/>
+                <a:latin typeface="Times New Roman" panose="02020603050405020304" pitchFamily="18" charset="0"/>
+                <a:ea typeface="Calibri" panose="020F0502020204030204" pitchFamily="34" charset="0"/>
+                <a:cs typeface="Times New Roman" panose="02020603050405020304" pitchFamily="18" charset="0"/>
+              </a:rPr>
+              <a:t>Nguyễn Tiến Doanh – 20214881</a:t>
+            </a:r>
+            <a:endParaRPr lang="en-US" sz="1350" kern="100" dirty="0">
+              <a:solidFill>
+                <a:srgbClr val="000000"/>
+              </a:solidFill>
+              <a:effectLst/>
+              <a:latin typeface="Calibri" panose="020F0502020204030204" pitchFamily="34" charset="0"/>
+              <a:ea typeface="Calibri" panose="020F0502020204030204" pitchFamily="34" charset="0"/>
+              <a:cs typeface="Times New Roman" panose="02020603050405020304" pitchFamily="18" charset="0"/>
+            </a:endParaRPr>
+          </a:p>
+          <a:p>
+            <a:pPr marL="342900" marR="0" lvl="0" indent="-342900">
+              <a:lnSpc>
+                <a:spcPct val="107000"/>
+              </a:lnSpc>
+              <a:spcBef>
+                <a:spcPts val="0"/>
+              </a:spcBef>
+              <a:spcAft>
+                <a:spcPts val="600"/>
+              </a:spcAft>
+              <a:buFont typeface="Arial" panose="020B0604020202020204" pitchFamily="34" charset="0"/>
+              <a:buChar char="•"/>
+              <a:tabLst>
+                <a:tab pos="457200" algn="l"/>
+              </a:tabLst>
+            </a:pPr>
+            <a:r>
+              <a:rPr lang="en-US" sz="1350" kern="100" dirty="0">
+                <a:solidFill>
+                  <a:srgbClr val="000000"/>
+                </a:solidFill>
+                <a:effectLst/>
+                <a:latin typeface="Times New Roman" panose="02020603050405020304" pitchFamily="18" charset="0"/>
+                <a:ea typeface="Calibri" panose="020F0502020204030204" pitchFamily="34" charset="0"/>
+                <a:cs typeface="Times New Roman" panose="02020603050405020304" pitchFamily="18" charset="0"/>
+              </a:rPr>
+              <a:t>Core Class: Covid class(100%), 2 Exception class (100%), </a:t>
+            </a:r>
+            <a:r>
+              <a:rPr lang="en-US" sz="1350" kern="100" dirty="0" err="1">
+                <a:solidFill>
+                  <a:srgbClr val="000000"/>
+                </a:solidFill>
+                <a:effectLst/>
+                <a:latin typeface="Times New Roman" panose="02020603050405020304" pitchFamily="18" charset="0"/>
+                <a:ea typeface="Calibri" panose="020F0502020204030204" pitchFamily="34" charset="0"/>
+                <a:cs typeface="Times New Roman" panose="02020603050405020304" pitchFamily="18" charset="0"/>
+              </a:rPr>
+              <a:t>HostCell</a:t>
+            </a:r>
+            <a:r>
+              <a:rPr lang="en-US" sz="1350" kern="100" dirty="0">
+                <a:solidFill>
+                  <a:srgbClr val="000000"/>
+                </a:solidFill>
+                <a:effectLst/>
+                <a:latin typeface="Times New Roman" panose="02020603050405020304" pitchFamily="18" charset="0"/>
+                <a:ea typeface="Calibri" panose="020F0502020204030204" pitchFamily="34" charset="0"/>
+                <a:cs typeface="Times New Roman" panose="02020603050405020304" pitchFamily="18" charset="0"/>
+              </a:rPr>
+              <a:t> class(50%), </a:t>
+            </a:r>
+            <a:r>
+              <a:rPr lang="en-US" sz="1350" kern="100" dirty="0" err="1">
+                <a:solidFill>
+                  <a:srgbClr val="000000"/>
+                </a:solidFill>
+                <a:effectLst/>
+                <a:latin typeface="Times New Roman" panose="02020603050405020304" pitchFamily="18" charset="0"/>
+                <a:ea typeface="Calibri" panose="020F0502020204030204" pitchFamily="34" charset="0"/>
+                <a:cs typeface="Times New Roman" panose="02020603050405020304" pitchFamily="18" charset="0"/>
+              </a:rPr>
+              <a:t>CellComponent</a:t>
+            </a:r>
+            <a:r>
+              <a:rPr lang="en-US" sz="1350" kern="100" dirty="0">
+                <a:solidFill>
+                  <a:srgbClr val="000000"/>
+                </a:solidFill>
+                <a:effectLst/>
+                <a:latin typeface="Times New Roman" panose="02020603050405020304" pitchFamily="18" charset="0"/>
+                <a:ea typeface="Calibri" panose="020F0502020204030204" pitchFamily="34" charset="0"/>
+                <a:cs typeface="Times New Roman" panose="02020603050405020304" pitchFamily="18" charset="0"/>
+              </a:rPr>
+              <a:t> class (50%)</a:t>
+            </a:r>
+            <a:endParaRPr lang="en-US" sz="1350" kern="100" dirty="0">
+              <a:solidFill>
+                <a:srgbClr val="000000"/>
+              </a:solidFill>
+              <a:effectLst/>
+              <a:latin typeface="Calibri" panose="020F0502020204030204" pitchFamily="34" charset="0"/>
+              <a:ea typeface="Calibri" panose="020F0502020204030204" pitchFamily="34" charset="0"/>
+              <a:cs typeface="Times New Roman" panose="02020603050405020304" pitchFamily="18" charset="0"/>
+            </a:endParaRPr>
+          </a:p>
+          <a:p>
+            <a:pPr marL="342900" marR="0" lvl="0" indent="-342900">
+              <a:lnSpc>
+                <a:spcPct val="107000"/>
+              </a:lnSpc>
+              <a:spcBef>
+                <a:spcPts val="0"/>
+              </a:spcBef>
+              <a:spcAft>
+                <a:spcPts val="600"/>
+              </a:spcAft>
+              <a:buFont typeface="Arial" panose="020B0604020202020204" pitchFamily="34" charset="0"/>
+              <a:buChar char="•"/>
+              <a:tabLst>
+                <a:tab pos="457200" algn="l"/>
+              </a:tabLst>
+            </a:pPr>
+            <a:r>
+              <a:rPr lang="en-US" sz="1350" kern="100" dirty="0">
+                <a:solidFill>
+                  <a:srgbClr val="000000"/>
+                </a:solidFill>
+                <a:effectLst/>
+                <a:latin typeface="Times New Roman" panose="02020603050405020304" pitchFamily="18" charset="0"/>
+                <a:ea typeface="Calibri" panose="020F0502020204030204" pitchFamily="34" charset="0"/>
+                <a:cs typeface="Times New Roman" panose="02020603050405020304" pitchFamily="18" charset="0"/>
+              </a:rPr>
+              <a:t>GUI: </a:t>
+            </a:r>
+            <a:r>
+              <a:rPr lang="en-US" sz="1350" kern="100" dirty="0" err="1">
+                <a:solidFill>
+                  <a:srgbClr val="000000"/>
+                </a:solidFill>
+                <a:effectLst/>
+                <a:latin typeface="Times New Roman" panose="02020603050405020304" pitchFamily="18" charset="0"/>
+                <a:ea typeface="Calibri" panose="020F0502020204030204" pitchFamily="34" charset="0"/>
+                <a:cs typeface="Times New Roman" panose="02020603050405020304" pitchFamily="18" charset="0"/>
+              </a:rPr>
+              <a:t>MainScreenController</a:t>
+            </a:r>
+            <a:r>
+              <a:rPr lang="en-US" sz="1350" kern="100" dirty="0">
+                <a:solidFill>
+                  <a:srgbClr val="000000"/>
+                </a:solidFill>
+                <a:effectLst/>
+                <a:latin typeface="Times New Roman" panose="02020603050405020304" pitchFamily="18" charset="0"/>
+                <a:ea typeface="Calibri" panose="020F0502020204030204" pitchFamily="34" charset="0"/>
+                <a:cs typeface="Times New Roman" panose="02020603050405020304" pitchFamily="18" charset="0"/>
+              </a:rPr>
+              <a:t>, </a:t>
+            </a:r>
+            <a:r>
+              <a:rPr lang="en-US" sz="1350" kern="100" dirty="0" err="1">
+                <a:solidFill>
+                  <a:srgbClr val="000000"/>
+                </a:solidFill>
+                <a:effectLst/>
+                <a:latin typeface="Times New Roman" panose="02020603050405020304" pitchFamily="18" charset="0"/>
+                <a:ea typeface="Calibri" panose="020F0502020204030204" pitchFamily="34" charset="0"/>
+                <a:cs typeface="Times New Roman" panose="02020603050405020304" pitchFamily="18" charset="0"/>
+              </a:rPr>
+              <a:t>StructureController</a:t>
+            </a:r>
+            <a:r>
+              <a:rPr lang="en-US" sz="1350" kern="100" dirty="0">
+                <a:solidFill>
+                  <a:srgbClr val="000000"/>
+                </a:solidFill>
+                <a:effectLst/>
+                <a:latin typeface="Times New Roman" panose="02020603050405020304" pitchFamily="18" charset="0"/>
+                <a:ea typeface="Calibri" panose="020F0502020204030204" pitchFamily="34" charset="0"/>
+                <a:cs typeface="Times New Roman" panose="02020603050405020304" pitchFamily="18" charset="0"/>
+              </a:rPr>
+              <a:t> class (100%), fix code for </a:t>
+            </a:r>
+            <a:r>
+              <a:rPr lang="en-US" sz="1350" kern="100" dirty="0" err="1">
+                <a:solidFill>
+                  <a:srgbClr val="000000"/>
+                </a:solidFill>
+                <a:effectLst/>
+                <a:latin typeface="Times New Roman" panose="02020603050405020304" pitchFamily="18" charset="0"/>
+                <a:ea typeface="Calibri" panose="020F0502020204030204" pitchFamily="34" charset="0"/>
+                <a:cs typeface="Times New Roman" panose="02020603050405020304" pitchFamily="18" charset="0"/>
+              </a:rPr>
+              <a:t>AttackController</a:t>
+            </a:r>
+            <a:r>
+              <a:rPr lang="en-US" sz="1350" kern="100" dirty="0">
+                <a:solidFill>
+                  <a:srgbClr val="000000"/>
+                </a:solidFill>
+                <a:effectLst/>
+                <a:latin typeface="Times New Roman" panose="02020603050405020304" pitchFamily="18" charset="0"/>
+                <a:ea typeface="Calibri" panose="020F0502020204030204" pitchFamily="34" charset="0"/>
+                <a:cs typeface="Times New Roman" panose="02020603050405020304" pitchFamily="18" charset="0"/>
+              </a:rPr>
+              <a:t> class (10%)</a:t>
+            </a:r>
+            <a:endParaRPr lang="en-US" sz="1350" kern="100" dirty="0">
+              <a:solidFill>
+                <a:srgbClr val="000000"/>
+              </a:solidFill>
+              <a:effectLst/>
+              <a:latin typeface="Calibri" panose="020F0502020204030204" pitchFamily="34" charset="0"/>
+              <a:ea typeface="Calibri" panose="020F0502020204030204" pitchFamily="34" charset="0"/>
+              <a:cs typeface="Times New Roman" panose="02020603050405020304" pitchFamily="18" charset="0"/>
+            </a:endParaRPr>
+          </a:p>
+          <a:p>
+            <a:pPr marL="342900" marR="0" lvl="0" indent="-342900">
+              <a:lnSpc>
+                <a:spcPct val="107000"/>
+              </a:lnSpc>
+              <a:spcBef>
+                <a:spcPts val="0"/>
+              </a:spcBef>
+              <a:spcAft>
+                <a:spcPts val="600"/>
+              </a:spcAft>
+              <a:buFont typeface="Arial" panose="020B0604020202020204" pitchFamily="34" charset="0"/>
+              <a:buChar char="•"/>
+              <a:tabLst>
+                <a:tab pos="457200" algn="l"/>
+              </a:tabLst>
+            </a:pPr>
+            <a:r>
+              <a:rPr lang="en-US" sz="1350" kern="100" dirty="0">
+                <a:solidFill>
+                  <a:srgbClr val="000000"/>
+                </a:solidFill>
+                <a:effectLst/>
+                <a:latin typeface="Times New Roman" panose="02020603050405020304" pitchFamily="18" charset="0"/>
+                <a:ea typeface="Calibri" panose="020F0502020204030204" pitchFamily="34" charset="0"/>
+                <a:cs typeface="Times New Roman" panose="02020603050405020304" pitchFamily="18" charset="0"/>
+              </a:rPr>
+              <a:t>Diagram: Use case diagram, (initial) general class diagram</a:t>
+            </a:r>
+            <a:endParaRPr lang="en-US" sz="1350" kern="100" dirty="0">
+              <a:solidFill>
+                <a:srgbClr val="000000"/>
+              </a:solidFill>
+              <a:effectLst/>
+              <a:latin typeface="Calibri" panose="020F0502020204030204" pitchFamily="34" charset="0"/>
+              <a:ea typeface="Calibri" panose="020F0502020204030204" pitchFamily="34" charset="0"/>
+              <a:cs typeface="Times New Roman" panose="02020603050405020304" pitchFamily="18" charset="0"/>
+            </a:endParaRPr>
+          </a:p>
+          <a:p>
+            <a:pPr marL="342900" marR="0" lvl="0" indent="-342900">
+              <a:lnSpc>
+                <a:spcPct val="107000"/>
+              </a:lnSpc>
+              <a:spcBef>
+                <a:spcPts val="0"/>
+              </a:spcBef>
+              <a:spcAft>
+                <a:spcPts val="600"/>
+              </a:spcAft>
+              <a:buFont typeface="Arial" panose="020B0604020202020204" pitchFamily="34" charset="0"/>
+              <a:buChar char="•"/>
+              <a:tabLst>
+                <a:tab pos="457200" algn="l"/>
+              </a:tabLst>
+            </a:pPr>
+            <a:r>
+              <a:rPr lang="en-US" sz="1350" kern="100" dirty="0">
+                <a:solidFill>
+                  <a:srgbClr val="000000"/>
+                </a:solidFill>
+                <a:effectLst/>
+                <a:latin typeface="Times New Roman" panose="02020603050405020304" pitchFamily="18" charset="0"/>
+                <a:ea typeface="Calibri" panose="020F0502020204030204" pitchFamily="34" charset="0"/>
+                <a:cs typeface="Times New Roman" panose="02020603050405020304" pitchFamily="18" charset="0"/>
+              </a:rPr>
+              <a:t>Fixing and cleaning all code, code merging.</a:t>
+            </a:r>
+            <a:endParaRPr lang="en-US" sz="1350" kern="100" dirty="0">
+              <a:solidFill>
+                <a:srgbClr val="000000"/>
+              </a:solidFill>
+              <a:effectLst/>
+              <a:latin typeface="Calibri" panose="020F0502020204030204" pitchFamily="34" charset="0"/>
+              <a:ea typeface="Calibri" panose="020F0502020204030204" pitchFamily="34" charset="0"/>
+              <a:cs typeface="Times New Roman" panose="02020603050405020304" pitchFamily="18" charset="0"/>
+            </a:endParaRPr>
+          </a:p>
+          <a:p>
+            <a:pPr marL="0" marR="0">
+              <a:lnSpc>
+                <a:spcPct val="107000"/>
+              </a:lnSpc>
+              <a:spcBef>
+                <a:spcPts val="0"/>
+              </a:spcBef>
+              <a:spcAft>
+                <a:spcPts val="600"/>
+              </a:spcAft>
+            </a:pPr>
+            <a:r>
+              <a:rPr lang="en-US" sz="1350" b="1" kern="100" dirty="0">
+                <a:solidFill>
+                  <a:srgbClr val="000000"/>
+                </a:solidFill>
+                <a:effectLst/>
+                <a:latin typeface="Times New Roman" panose="02020603050405020304" pitchFamily="18" charset="0"/>
+                <a:ea typeface="Calibri" panose="020F0502020204030204" pitchFamily="34" charset="0"/>
+                <a:cs typeface="Times New Roman" panose="02020603050405020304" pitchFamily="18" charset="0"/>
+              </a:rPr>
+              <a:t>Nguyễn </a:t>
+            </a:r>
+            <a:r>
+              <a:rPr lang="en-US" sz="1350" b="1" kern="100" dirty="0" err="1">
+                <a:solidFill>
+                  <a:srgbClr val="000000"/>
+                </a:solidFill>
+                <a:effectLst/>
+                <a:latin typeface="Times New Roman" panose="02020603050405020304" pitchFamily="18" charset="0"/>
+                <a:ea typeface="Calibri" panose="020F0502020204030204" pitchFamily="34" charset="0"/>
+                <a:cs typeface="Times New Roman" panose="02020603050405020304" pitchFamily="18" charset="0"/>
+              </a:rPr>
+              <a:t>Việt</a:t>
+            </a:r>
+            <a:r>
+              <a:rPr lang="en-US" sz="1350" b="1" kern="100" dirty="0">
+                <a:solidFill>
+                  <a:srgbClr val="000000"/>
+                </a:solidFill>
+                <a:effectLst/>
+                <a:latin typeface="Times New Roman" panose="02020603050405020304" pitchFamily="18" charset="0"/>
+                <a:ea typeface="Calibri" panose="020F0502020204030204" pitchFamily="34" charset="0"/>
+                <a:cs typeface="Times New Roman" panose="02020603050405020304" pitchFamily="18" charset="0"/>
+              </a:rPr>
+              <a:t> Dũng – 20214883</a:t>
+            </a:r>
+            <a:endParaRPr lang="en-US" sz="1350" kern="100" dirty="0">
+              <a:solidFill>
+                <a:srgbClr val="000000"/>
+              </a:solidFill>
+              <a:effectLst/>
+              <a:latin typeface="Calibri" panose="020F0502020204030204" pitchFamily="34" charset="0"/>
+              <a:ea typeface="Calibri" panose="020F0502020204030204" pitchFamily="34" charset="0"/>
+              <a:cs typeface="Times New Roman" panose="02020603050405020304" pitchFamily="18" charset="0"/>
+            </a:endParaRPr>
+          </a:p>
+          <a:p>
+            <a:pPr marL="342900" marR="0" lvl="0" indent="-342900">
+              <a:lnSpc>
+                <a:spcPct val="107000"/>
+              </a:lnSpc>
+              <a:spcBef>
+                <a:spcPts val="0"/>
+              </a:spcBef>
+              <a:spcAft>
+                <a:spcPts val="600"/>
+              </a:spcAft>
+              <a:buFont typeface="Arial" panose="020B0604020202020204" pitchFamily="34" charset="0"/>
+              <a:buChar char="•"/>
+              <a:tabLst>
+                <a:tab pos="457200" algn="l"/>
+              </a:tabLst>
+            </a:pPr>
+            <a:r>
+              <a:rPr lang="en-US" sz="1350" kern="100" dirty="0">
+                <a:solidFill>
+                  <a:srgbClr val="000000"/>
+                </a:solidFill>
+                <a:effectLst/>
+                <a:latin typeface="Times New Roman" panose="02020603050405020304" pitchFamily="18" charset="0"/>
+                <a:ea typeface="Calibri" panose="020F0502020204030204" pitchFamily="34" charset="0"/>
+                <a:cs typeface="Times New Roman" panose="02020603050405020304" pitchFamily="18" charset="0"/>
+              </a:rPr>
+              <a:t>Core class : Papilloma class (100%), Adeno class (100%)</a:t>
+            </a:r>
+            <a:endParaRPr lang="en-US" sz="1350" kern="100" dirty="0">
+              <a:solidFill>
+                <a:srgbClr val="000000"/>
+              </a:solidFill>
+              <a:effectLst/>
+              <a:latin typeface="Calibri" panose="020F0502020204030204" pitchFamily="34" charset="0"/>
+              <a:ea typeface="Calibri" panose="020F0502020204030204" pitchFamily="34" charset="0"/>
+              <a:cs typeface="Times New Roman" panose="02020603050405020304" pitchFamily="18" charset="0"/>
+            </a:endParaRPr>
+          </a:p>
+          <a:p>
+            <a:pPr marL="342900" marR="0" lvl="0" indent="-342900">
+              <a:lnSpc>
+                <a:spcPct val="107000"/>
+              </a:lnSpc>
+              <a:spcBef>
+                <a:spcPts val="0"/>
+              </a:spcBef>
+              <a:spcAft>
+                <a:spcPts val="600"/>
+              </a:spcAft>
+              <a:buFont typeface="Arial" panose="020B0604020202020204" pitchFamily="34" charset="0"/>
+              <a:buChar char="•"/>
+              <a:tabLst>
+                <a:tab pos="457200" algn="l"/>
+              </a:tabLst>
+            </a:pPr>
+            <a:r>
+              <a:rPr lang="en-US" sz="1350" kern="100" dirty="0">
+                <a:solidFill>
+                  <a:srgbClr val="000000"/>
+                </a:solidFill>
+                <a:effectLst/>
+                <a:latin typeface="Times New Roman" panose="02020603050405020304" pitchFamily="18" charset="0"/>
+                <a:ea typeface="Calibri" panose="020F0502020204030204" pitchFamily="34" charset="0"/>
+                <a:cs typeface="Times New Roman" panose="02020603050405020304" pitchFamily="18" charset="0"/>
+              </a:rPr>
+              <a:t>Diagram: (final) general class diagram, detailed core class diagram</a:t>
+            </a:r>
+            <a:endParaRPr lang="en-US" sz="1350" kern="100" dirty="0">
+              <a:solidFill>
+                <a:srgbClr val="000000"/>
+              </a:solidFill>
+              <a:effectLst/>
+              <a:latin typeface="Calibri" panose="020F0502020204030204" pitchFamily="34" charset="0"/>
+              <a:ea typeface="Calibri" panose="020F0502020204030204" pitchFamily="34" charset="0"/>
+              <a:cs typeface="Times New Roman" panose="02020603050405020304" pitchFamily="18" charset="0"/>
+            </a:endParaRPr>
+          </a:p>
+          <a:p>
+            <a:pPr marL="342900" marR="0" lvl="0" indent="-342900">
+              <a:lnSpc>
+                <a:spcPct val="107000"/>
+              </a:lnSpc>
+              <a:spcBef>
+                <a:spcPts val="0"/>
+              </a:spcBef>
+              <a:spcAft>
+                <a:spcPts val="600"/>
+              </a:spcAft>
+              <a:buFont typeface="Arial" panose="020B0604020202020204" pitchFamily="34" charset="0"/>
+              <a:buChar char="•"/>
+              <a:tabLst>
+                <a:tab pos="457200" algn="l"/>
+              </a:tabLst>
+            </a:pPr>
+            <a:r>
+              <a:rPr lang="en-US" sz="1350" kern="100" dirty="0">
+                <a:solidFill>
+                  <a:srgbClr val="000000"/>
+                </a:solidFill>
+                <a:effectLst/>
+                <a:latin typeface="Times New Roman" panose="02020603050405020304" pitchFamily="18" charset="0"/>
+                <a:ea typeface="Calibri" panose="020F0502020204030204" pitchFamily="34" charset="0"/>
+                <a:cs typeface="Times New Roman" panose="02020603050405020304" pitchFamily="18" charset="0"/>
+              </a:rPr>
+              <a:t>Report, slides</a:t>
+            </a:r>
+            <a:endParaRPr lang="en-US" sz="1350" kern="100" dirty="0">
+              <a:solidFill>
+                <a:srgbClr val="000000"/>
+              </a:solidFill>
+              <a:effectLst/>
+              <a:latin typeface="Calibri" panose="020F0502020204030204" pitchFamily="34" charset="0"/>
+              <a:ea typeface="Calibri" panose="020F0502020204030204" pitchFamily="34" charset="0"/>
+              <a:cs typeface="Times New Roman" panose="02020603050405020304" pitchFamily="18" charset="0"/>
+            </a:endParaRPr>
+          </a:p>
+          <a:p>
+            <a:pPr marL="0" marR="0">
+              <a:lnSpc>
+                <a:spcPct val="107000"/>
+              </a:lnSpc>
+              <a:spcBef>
+                <a:spcPts val="0"/>
+              </a:spcBef>
+              <a:spcAft>
+                <a:spcPts val="600"/>
+              </a:spcAft>
+            </a:pPr>
+            <a:r>
+              <a:rPr lang="en-US" sz="1350" b="1" kern="100" dirty="0" err="1">
+                <a:solidFill>
+                  <a:srgbClr val="000000"/>
+                </a:solidFill>
+                <a:effectLst/>
+                <a:latin typeface="Times New Roman" panose="02020603050405020304" pitchFamily="18" charset="0"/>
+                <a:ea typeface="Calibri" panose="020F0502020204030204" pitchFamily="34" charset="0"/>
+                <a:cs typeface="Times New Roman" panose="02020603050405020304" pitchFamily="18" charset="0"/>
+              </a:rPr>
+              <a:t>Đỗ</a:t>
+            </a:r>
+            <a:r>
+              <a:rPr lang="en-US" sz="1350" b="1" kern="100" dirty="0">
+                <a:solidFill>
+                  <a:srgbClr val="000000"/>
+                </a:solidFill>
+                <a:effectLst/>
+                <a:latin typeface="Times New Roman" panose="02020603050405020304" pitchFamily="18" charset="0"/>
+                <a:ea typeface="Calibri" panose="020F0502020204030204" pitchFamily="34" charset="0"/>
+                <a:cs typeface="Times New Roman" panose="02020603050405020304" pitchFamily="18" charset="0"/>
+              </a:rPr>
+              <a:t> Nghiêm </a:t>
+            </a:r>
+            <a:r>
+              <a:rPr lang="en-US" sz="1350" b="1" kern="100" dirty="0" err="1">
+                <a:solidFill>
+                  <a:srgbClr val="000000"/>
+                </a:solidFill>
+                <a:effectLst/>
+                <a:latin typeface="Times New Roman" panose="02020603050405020304" pitchFamily="18" charset="0"/>
+                <a:ea typeface="Calibri" panose="020F0502020204030204" pitchFamily="34" charset="0"/>
+                <a:cs typeface="Times New Roman" panose="02020603050405020304" pitchFamily="18" charset="0"/>
+              </a:rPr>
+              <a:t>Đức</a:t>
+            </a:r>
+            <a:r>
+              <a:rPr lang="en-US" sz="1350" b="1" kern="100" dirty="0">
+                <a:solidFill>
+                  <a:srgbClr val="000000"/>
+                </a:solidFill>
+                <a:effectLst/>
+                <a:latin typeface="Times New Roman" panose="02020603050405020304" pitchFamily="18" charset="0"/>
+                <a:ea typeface="Calibri" panose="020F0502020204030204" pitchFamily="34" charset="0"/>
+                <a:cs typeface="Times New Roman" panose="02020603050405020304" pitchFamily="18" charset="0"/>
+              </a:rPr>
+              <a:t> – 20214892</a:t>
+            </a:r>
+            <a:endParaRPr lang="en-US" sz="1350" kern="100" dirty="0">
+              <a:solidFill>
+                <a:srgbClr val="000000"/>
+              </a:solidFill>
+              <a:effectLst/>
+              <a:latin typeface="Calibri" panose="020F0502020204030204" pitchFamily="34" charset="0"/>
+              <a:ea typeface="Calibri" panose="020F0502020204030204" pitchFamily="34" charset="0"/>
+              <a:cs typeface="Times New Roman" panose="02020603050405020304" pitchFamily="18" charset="0"/>
+            </a:endParaRPr>
+          </a:p>
+          <a:p>
+            <a:pPr marL="342900" marR="0" lvl="0" indent="-342900">
+              <a:lnSpc>
+                <a:spcPct val="107000"/>
+              </a:lnSpc>
+              <a:spcBef>
+                <a:spcPts val="0"/>
+              </a:spcBef>
+              <a:spcAft>
+                <a:spcPts val="600"/>
+              </a:spcAft>
+              <a:buFont typeface="Arial" panose="020B0604020202020204" pitchFamily="34" charset="0"/>
+              <a:buChar char="•"/>
+              <a:tabLst>
+                <a:tab pos="457200" algn="l"/>
+              </a:tabLst>
+            </a:pPr>
+            <a:r>
+              <a:rPr lang="en-US" sz="1350" kern="100" dirty="0">
+                <a:solidFill>
+                  <a:srgbClr val="000000"/>
+                </a:solidFill>
+                <a:effectLst/>
+                <a:latin typeface="Times New Roman" panose="02020603050405020304" pitchFamily="18" charset="0"/>
+                <a:ea typeface="Calibri" panose="020F0502020204030204" pitchFamily="34" charset="0"/>
+                <a:cs typeface="Times New Roman" panose="02020603050405020304" pitchFamily="18" charset="0"/>
+              </a:rPr>
+              <a:t>Core class : Influenza class (100%), Chikungunya class (100%)</a:t>
+            </a:r>
+            <a:endParaRPr lang="en-US" sz="1350" kern="100" dirty="0">
+              <a:solidFill>
+                <a:srgbClr val="000000"/>
+              </a:solidFill>
+              <a:effectLst/>
+              <a:latin typeface="Calibri" panose="020F0502020204030204" pitchFamily="34" charset="0"/>
+              <a:ea typeface="Calibri" panose="020F0502020204030204" pitchFamily="34" charset="0"/>
+              <a:cs typeface="Times New Roman" panose="02020603050405020304" pitchFamily="18" charset="0"/>
+            </a:endParaRPr>
+          </a:p>
+          <a:p>
+            <a:pPr marL="342900" marR="0" lvl="0" indent="-342900">
+              <a:lnSpc>
+                <a:spcPct val="107000"/>
+              </a:lnSpc>
+              <a:spcBef>
+                <a:spcPts val="0"/>
+              </a:spcBef>
+              <a:spcAft>
+                <a:spcPts val="600"/>
+              </a:spcAft>
+              <a:buFont typeface="Arial" panose="020B0604020202020204" pitchFamily="34" charset="0"/>
+              <a:buChar char="•"/>
+              <a:tabLst>
+                <a:tab pos="457200" algn="l"/>
+              </a:tabLst>
+            </a:pPr>
+            <a:r>
+              <a:rPr lang="en-US" sz="1350" kern="100" dirty="0">
+                <a:solidFill>
+                  <a:srgbClr val="000000"/>
+                </a:solidFill>
+                <a:effectLst/>
+                <a:latin typeface="Times New Roman" panose="02020603050405020304" pitchFamily="18" charset="0"/>
+                <a:ea typeface="Calibri" panose="020F0502020204030204" pitchFamily="34" charset="0"/>
+                <a:cs typeface="Times New Roman" panose="02020603050405020304" pitchFamily="18" charset="0"/>
+              </a:rPr>
+              <a:t>Diagram: (final) general class diagram, detailed core class diagram</a:t>
+            </a:r>
+            <a:endParaRPr lang="en-US" sz="1350" kern="100" dirty="0">
+              <a:solidFill>
+                <a:srgbClr val="000000"/>
+              </a:solidFill>
+              <a:effectLst/>
+              <a:latin typeface="Calibri" panose="020F0502020204030204" pitchFamily="34" charset="0"/>
+              <a:ea typeface="Calibri" panose="020F0502020204030204" pitchFamily="34" charset="0"/>
+              <a:cs typeface="Times New Roman" panose="02020603050405020304" pitchFamily="18" charset="0"/>
+            </a:endParaRPr>
+          </a:p>
+          <a:p>
+            <a:pPr marL="342900" marR="0" lvl="0" indent="-342900">
+              <a:lnSpc>
+                <a:spcPct val="107000"/>
+              </a:lnSpc>
+              <a:spcBef>
+                <a:spcPts val="0"/>
+              </a:spcBef>
+              <a:spcAft>
+                <a:spcPts val="600"/>
+              </a:spcAft>
+              <a:buFont typeface="Arial" panose="020B0604020202020204" pitchFamily="34" charset="0"/>
+              <a:buChar char="•"/>
+              <a:tabLst>
+                <a:tab pos="457200" algn="l"/>
+              </a:tabLst>
+            </a:pPr>
+            <a:r>
+              <a:rPr lang="en-US" sz="1350" kern="100" dirty="0">
+                <a:solidFill>
+                  <a:srgbClr val="000000"/>
+                </a:solidFill>
+                <a:effectLst/>
+                <a:latin typeface="Times New Roman" panose="02020603050405020304" pitchFamily="18" charset="0"/>
+                <a:ea typeface="Calibri" panose="020F0502020204030204" pitchFamily="34" charset="0"/>
+                <a:cs typeface="Times New Roman" panose="02020603050405020304" pitchFamily="18" charset="0"/>
+              </a:rPr>
+              <a:t>Report, slides</a:t>
+            </a:r>
+            <a:endParaRPr lang="en-US" sz="1350" kern="100" dirty="0">
+              <a:solidFill>
+                <a:srgbClr val="000000"/>
+              </a:solidFill>
+              <a:effectLst/>
+              <a:latin typeface="Calibri" panose="020F0502020204030204" pitchFamily="34" charset="0"/>
+              <a:ea typeface="Calibri" panose="020F0502020204030204" pitchFamily="34" charset="0"/>
+              <a:cs typeface="Times New Roman" panose="02020603050405020304" pitchFamily="18" charset="0"/>
+            </a:endParaRPr>
+          </a:p>
+        </p:txBody>
+      </p:sp>
+      <p:sp>
+        <p:nvSpPr>
+          <p:cNvPr id="4" name="Title 1">
+            <a:extLst>
+              <a:ext uri="{FF2B5EF4-FFF2-40B4-BE49-F238E27FC236}">
+                <a16:creationId xmlns:a16="http://schemas.microsoft.com/office/drawing/2014/main" id="{F14BFE73-507F-6666-581B-E0D0E790BBDC}"/>
+              </a:ext>
+            </a:extLst>
+          </p:cNvPr>
+          <p:cNvSpPr txBox="1">
+            <a:spLocks/>
+          </p:cNvSpPr>
+          <p:nvPr/>
+        </p:nvSpPr>
+        <p:spPr>
+          <a:xfrm>
+            <a:off x="789039" y="-19665"/>
+            <a:ext cx="9928123" cy="765585"/>
           </a:xfrm>
           <a:prstGeom prst="rect">
             <a:avLst/>
           </a:prstGeom>
         </p:spPr>
         <p:txBody>
-          <a:bodyPr vert="horz" lIns="91440" tIns="45720" rIns="91440" bIns="45720" rtlCol="0" anchor="t">
-            <a:normAutofit/>
+          <a:bodyPr vert="horz" lIns="91440" tIns="45720" rIns="91440" bIns="45720" rtlCol="0" anchor="b">
+            <a:normAutofit fontScale="92500" lnSpcReduction="20000"/>
           </a:bodyPr>
           <a:lstStyle>
             <a:lvl1pPr algn="l" defTabSz="914400" rtl="0" eaLnBrk="1" latinLnBrk="0" hangingPunct="1">
@@ -9315,7 +10776,7 @@
                 <a:spcPct val="0"/>
               </a:spcBef>
               <a:buNone/>
-              <a:defRPr sz="4400" kern="1200">
+              <a:defRPr sz="6000" kern="1200">
                 <a:solidFill>
                   <a:schemeClr val="tx1"/>
                 </a:solidFill>
@@ -9326,139 +10787,34 @@
             </a:lvl1pPr>
           </a:lstStyle>
           <a:p>
-            <a:pPr marL="342900" indent="-342900">
-              <a:lnSpc>
-                <a:spcPct val="200000"/>
-              </a:lnSpc>
-              <a:buFont typeface="Arial" panose="020B0604020202020204" pitchFamily="34" charset="0"/>
-              <a:buChar char="•"/>
-              <a:defRPr/>
-            </a:pPr>
-            <a:r>
-              <a:rPr lang="en-US" sz="3400" i="0">
-                <a:effectLst/>
-                <a:latin typeface="+mn-lt"/>
-              </a:rPr>
-              <a:t>Nguyen Tien </a:t>
-            </a:r>
-            <a:r>
-              <a:rPr lang="en-US" sz="3400" i="0" err="1">
-                <a:effectLst/>
-                <a:latin typeface="+mn-lt"/>
-              </a:rPr>
-              <a:t>Doanh</a:t>
-            </a:r>
-            <a:r>
-              <a:rPr lang="en-US" sz="3400" i="0">
-                <a:effectLst/>
-                <a:latin typeface="+mn-lt"/>
-              </a:rPr>
-              <a:t> 20214881</a:t>
-            </a:r>
-          </a:p>
-          <a:p>
-            <a:pPr marL="342900" indent="-342900">
-              <a:lnSpc>
-                <a:spcPct val="200000"/>
-              </a:lnSpc>
-              <a:buFont typeface="Arial" panose="020B0604020202020204" pitchFamily="34" charset="0"/>
-              <a:buChar char="•"/>
-              <a:defRPr/>
-            </a:pPr>
-            <a:r>
-              <a:rPr lang="en-US" sz="3400" i="0">
-                <a:effectLst/>
-                <a:latin typeface="+mn-lt"/>
-              </a:rPr>
-              <a:t>Do Nghiem Duc 20214892</a:t>
-            </a:r>
-          </a:p>
-          <a:p>
-            <a:pPr marL="342900" indent="-342900">
-              <a:lnSpc>
-                <a:spcPct val="200000"/>
-              </a:lnSpc>
-              <a:buFont typeface="Arial" panose="020B0604020202020204" pitchFamily="34" charset="0"/>
-              <a:buChar char="•"/>
-              <a:defRPr/>
-            </a:pPr>
-            <a:r>
-              <a:rPr lang="en-US" sz="3400" i="0">
-                <a:effectLst/>
-                <a:latin typeface="+mn-lt"/>
-              </a:rPr>
-              <a:t>Hoang Dinh Dung 20214882</a:t>
-            </a:r>
-          </a:p>
-          <a:p>
-            <a:pPr marL="342900" indent="-342900">
-              <a:lnSpc>
-                <a:spcPct val="200000"/>
-              </a:lnSpc>
-              <a:buFont typeface="Arial" panose="020B0604020202020204" pitchFamily="34" charset="0"/>
-              <a:buChar char="•"/>
-              <a:defRPr/>
-            </a:pPr>
-            <a:r>
-              <a:rPr lang="en-US" sz="3400" i="0">
-                <a:effectLst/>
-                <a:latin typeface="+mn-lt"/>
-              </a:rPr>
-              <a:t>Nguyen Viet Dung 20214883</a:t>
-            </a:r>
-          </a:p>
-          <a:p>
-            <a:pPr marL="0" marR="0" lvl="0" indent="0" algn="l" defTabSz="914400" rtl="0" eaLnBrk="1" fontAlgn="auto" latinLnBrk="0" hangingPunct="1">
-              <a:lnSpc>
-                <a:spcPct val="90000"/>
-              </a:lnSpc>
-              <a:spcBef>
-                <a:spcPct val="0"/>
-              </a:spcBef>
-              <a:spcAft>
-                <a:spcPts val="0"/>
-              </a:spcAft>
-              <a:buClrTx/>
-              <a:buSzTx/>
-              <a:buFontTx/>
-              <a:buNone/>
-              <a:tabLst/>
-              <a:defRPr/>
-            </a:pPr>
-            <a:endParaRPr kumimoji="0" lang="en-US" sz="3200" b="1" i="0" u="none" strike="noStrike" kern="1200" cap="none" spc="0" normalizeH="0" baseline="0" noProof="0">
-              <a:ln>
-                <a:noFill/>
-              </a:ln>
-              <a:solidFill>
-                <a:srgbClr val="800000"/>
-              </a:solidFill>
-              <a:effectLst/>
-              <a:uLnTx/>
-              <a:uFillTx/>
-              <a:latin typeface="Helvetica Neue"/>
-              <a:ea typeface="+mj-ea"/>
-              <a:cs typeface="+mj-cs"/>
-            </a:endParaRPr>
+            <a:r>
+              <a:rPr lang="en-US" dirty="0"/>
+              <a:t>Group </a:t>
+            </a:r>
+            <a:r>
+              <a:rPr lang="en-US" sz="5800" dirty="0"/>
+              <a:t>Member</a:t>
+            </a:r>
           </a:p>
         </p:txBody>
       </p:sp>
     </p:spTree>
     <p:extLst>
       <p:ext uri="{BB962C8B-B14F-4D97-AF65-F5344CB8AC3E}">
-        <p14:creationId xmlns:p14="http://schemas.microsoft.com/office/powerpoint/2010/main" val="840387639"/>
+        <p14:creationId xmlns:p14="http://schemas.microsoft.com/office/powerpoint/2010/main" val="2866093496"/>
       </p:ext>
     </p:extLst>
   </p:cSld>
   <p:clrMapOvr>
     <a:masterClrMapping/>
   </p:clrMapOvr>
-  <mc:AlternateContent xmlns:mc="http://schemas.openxmlformats.org/markup-compatibility/2006">
-    <mc:Choice xmlns:p159="http://schemas.microsoft.com/office/powerpoint/2015/09/main" Requires="p159">
+  <mc:AlternateContent xmlns:mc="http://schemas.openxmlformats.org/markup-compatibility/2006" xmlns:p159="http://schemas.microsoft.com/office/powerpoint/2015/09/main">
+    <mc:Choice Requires="p159">
       <p:transition xmlns:p14="http://schemas.microsoft.com/office/powerpoint/2010/main" spd="slow" p14:dur="2000">
         <p159:morph option="byObject"/>
       </p:transition>
     </mc:Choice>
-    <mc:Fallback>
+    <mc:Fallback xmlns="">
       <p:transition spd="slow">
         <p:fade/>
       </p:transition>
@@ -10229,22 +11585,22 @@
               </a:spcAft>
             </a:pPr>
             <a:r>
-              <a:rPr lang="en-US" sz="2800" u="sng"/>
+              <a:rPr lang="en-US" sz="2800" u="sng" dirty="0"/>
               <a:t>Problem:</a:t>
             </a:r>
-            <a:endParaRPr lang="vi-VN" sz="2800" u="sng">
+            <a:endParaRPr lang="vi-VN" sz="2800" u="sng" dirty="0">
               <a:cs typeface="Calibri"/>
             </a:endParaRPr>
           </a:p>
           <a:p>
             <a:r>
-              <a:rPr lang="en-US" sz="2400">
+              <a:rPr lang="en-US" sz="2400" dirty="0">
                 <a:latin typeface="Calibri"/>
                 <a:cs typeface="Times New Roman"/>
               </a:rPr>
               <a:t>The rapid global spread of COVID-19 has underscored the critical importance of understanding viruses and their modes of infection. As the world faces the ongoing challenges of this pandemic, it becomes increasingly vital to grasp the basic knowledge of different types of viruses and their mechanisms of infection in order to develop effective prevention strategies. This report aims to provide an overview of the fundamental aspects of viruses, focusing on their basic structure and the methods by which they infect host cells. In this project, Java programming and JavaFX with GUI are the way we applied to create the virus application.</a:t>
             </a:r>
-            <a:endParaRPr lang="en-US" sz="2400">
+            <a:endParaRPr lang="en-US" sz="2400" dirty="0">
               <a:latin typeface="Calibri"/>
               <a:cs typeface="Calibri"/>
             </a:endParaRPr>
@@ -10259,9 +11615,9 @@
               </a:spcAft>
             </a:pPr>
             <a:br>
-              <a:rPr lang="en-US"/>
+              <a:rPr lang="en-US" dirty="0"/>
             </a:br>
-            <a:endParaRPr lang="en-US"/>
+            <a:endParaRPr lang="en-US" dirty="0"/>
           </a:p>
         </p:txBody>
       </p:sp>
@@ -10404,13 +11760,13 @@
   <p:clrMapOvr>
     <a:masterClrMapping/>
   </p:clrMapOvr>
-  <mc:AlternateContent xmlns:mc="http://schemas.openxmlformats.org/markup-compatibility/2006">
-    <mc:Choice xmlns:p159="http://schemas.microsoft.com/office/powerpoint/2015/09/main" Requires="p159">
+  <mc:AlternateContent xmlns:mc="http://schemas.openxmlformats.org/markup-compatibility/2006" xmlns:p159="http://schemas.microsoft.com/office/powerpoint/2015/09/main">
+    <mc:Choice Requires="p159">
       <p:transition xmlns:p14="http://schemas.microsoft.com/office/powerpoint/2010/main" spd="slow" p14:dur="2000">
         <p159:morph option="byObject"/>
       </p:transition>
     </mc:Choice>
-    <mc:Fallback>
+    <mc:Fallback xmlns="">
       <p:transition spd="slow">
         <p:fade/>
       </p:transition>
@@ -10508,13 +11864,13 @@
   <p:clrMapOvr>
     <a:masterClrMapping/>
   </p:clrMapOvr>
-  <mc:AlternateContent xmlns:mc="http://schemas.openxmlformats.org/markup-compatibility/2006">
-    <mc:Choice xmlns:p159="http://schemas.microsoft.com/office/powerpoint/2015/09/main" Requires="p159">
+  <mc:AlternateContent xmlns:mc="http://schemas.openxmlformats.org/markup-compatibility/2006" xmlns:p159="http://schemas.microsoft.com/office/powerpoint/2015/09/main">
+    <mc:Choice Requires="p159">
       <p:transition xmlns:p14="http://schemas.microsoft.com/office/powerpoint/2010/main" spd="slow" p14:dur="2000">
         <p159:morph option="byObject"/>
       </p:transition>
     </mc:Choice>
-    <mc:Fallback>
+    <mc:Fallback xmlns="">
       <p:transition spd="slow">
         <p:fade/>
       </p:transition>
@@ -10587,13 +11943,13 @@
   <p:clrMapOvr>
     <a:masterClrMapping/>
   </p:clrMapOvr>
-  <mc:AlternateContent xmlns:mc="http://schemas.openxmlformats.org/markup-compatibility/2006">
-    <mc:Choice xmlns:p159="http://schemas.microsoft.com/office/powerpoint/2015/09/main" Requires="p159">
+  <mc:AlternateContent xmlns:mc="http://schemas.openxmlformats.org/markup-compatibility/2006" xmlns:p159="http://schemas.microsoft.com/office/powerpoint/2015/09/main">
+    <mc:Choice Requires="p159">
       <p:transition xmlns:p14="http://schemas.microsoft.com/office/powerpoint/2010/main" spd="slow" p14:dur="2000">
         <p159:morph option="byObject"/>
       </p:transition>
     </mc:Choice>
-    <mc:Fallback>
+    <mc:Fallback xmlns="">
       <p:transition spd="slow">
         <p:fade/>
       </p:transition>
@@ -10653,10 +12009,10 @@
       </p:sp>
       <p:pic>
         <p:nvPicPr>
-          <p:cNvPr id="4" name="Hình ảnh 4" descr="Ảnh có chứa văn bản, biểu đồ, Kế hoạch, bản đồ&#10;&#10;Mô tả được tự động tạo">
-            <a:extLst>
-              <a:ext uri="{FF2B5EF4-FFF2-40B4-BE49-F238E27FC236}">
-                <a16:creationId xmlns:a16="http://schemas.microsoft.com/office/drawing/2014/main" id="{54321811-6185-E7D0-4FA9-748CB6F359A4}"/>
+          <p:cNvPr id="5" name="Picture 4" descr="A screenshot of a computer screen">
+            <a:extLst>
+              <a:ext uri="{FF2B5EF4-FFF2-40B4-BE49-F238E27FC236}">
+                <a16:creationId xmlns:a16="http://schemas.microsoft.com/office/drawing/2014/main" id="{121F292C-C684-6B69-CDCF-50809678B1EB}"/>
               </a:ext>
             </a:extLst>
           </p:cNvPr>
@@ -10666,15 +12022,21 @@
           <p:nvPr/>
         </p:nvPicPr>
         <p:blipFill>
-          <a:blip r:embed="rId2"/>
+          <a:blip r:embed="rId2">
+            <a:extLst>
+              <a:ext uri="{28A0092B-C50C-407E-A947-70E740481C1C}">
+                <a14:useLocalDpi xmlns:a14="http://schemas.microsoft.com/office/drawing/2010/main" val="0"/>
+              </a:ext>
+            </a:extLst>
+          </a:blip>
           <a:stretch>
             <a:fillRect/>
           </a:stretch>
         </p:blipFill>
         <p:spPr>
           <a:xfrm>
-            <a:off x="839274" y="1027385"/>
-            <a:ext cx="10513452" cy="5221793"/>
+            <a:off x="961486" y="1027906"/>
+            <a:ext cx="9765508" cy="5789964"/>
           </a:xfrm>
           <a:prstGeom prst="rect">
             <a:avLst/>
@@ -10691,13 +12053,13 @@
   <p:clrMapOvr>
     <a:masterClrMapping/>
   </p:clrMapOvr>
-  <mc:AlternateContent xmlns:mc="http://schemas.openxmlformats.org/markup-compatibility/2006">
-    <mc:Choice xmlns:p159="http://schemas.microsoft.com/office/powerpoint/2015/09/main" Requires="p159">
+  <mc:AlternateContent xmlns:mc="http://schemas.openxmlformats.org/markup-compatibility/2006" xmlns:p159="http://schemas.microsoft.com/office/powerpoint/2015/09/main">
+    <mc:Choice Requires="p159">
       <p:transition xmlns:p14="http://schemas.microsoft.com/office/powerpoint/2010/main" spd="slow" p14:dur="2000">
         <p159:morph option="byObject"/>
       </p:transition>
     </mc:Choice>
-    <mc:Fallback>
+    <mc:Fallback xmlns="">
       <p:transition spd="slow">
         <p:fade/>
       </p:transition>
@@ -10795,13 +12157,13 @@
   <p:clrMapOvr>
     <a:masterClrMapping/>
   </p:clrMapOvr>
-  <mc:AlternateContent xmlns:mc="http://schemas.openxmlformats.org/markup-compatibility/2006">
-    <mc:Choice xmlns:p159="http://schemas.microsoft.com/office/powerpoint/2015/09/main" Requires="p159">
+  <mc:AlternateContent xmlns:mc="http://schemas.openxmlformats.org/markup-compatibility/2006" xmlns:p159="http://schemas.microsoft.com/office/powerpoint/2015/09/main">
+    <mc:Choice Requires="p159">
       <p:transition xmlns:p14="http://schemas.microsoft.com/office/powerpoint/2010/main" spd="slow" p14:dur="2000">
         <p159:morph option="byObject"/>
       </p:transition>
     </mc:Choice>
-    <mc:Fallback>
+    <mc:Fallback xmlns="">
       <p:transition spd="slow">
         <p:fade/>
       </p:transition>
@@ -10891,195 +12253,25 @@
           <a:lstStyle/>
           <a:p>
             <a:br>
-              <a:rPr lang="en-US"/>
+              <a:rPr lang="en-US" dirty="0"/>
             </a:br>
             <a:r>
-              <a:rPr lang="vi-VN" sz="2400" b="1" err="1">
+              <a:rPr lang="vi-VN" sz="2400" b="1" dirty="0">
                 <a:solidFill>
                   <a:srgbClr val="000000"/>
                 </a:solidFill>
                 <a:latin typeface="Calibri"/>
                 <a:cs typeface="Times New Roman"/>
               </a:rPr>
-              <a:t>There</a:t>
-            </a:r>
-            <a:r>
-              <a:rPr lang="vi-VN" sz="2400" b="1">
-                <a:solidFill>
-                  <a:srgbClr val="000000"/>
-                </a:solidFill>
-                <a:latin typeface="Calibri"/>
-                <a:cs typeface="Times New Roman"/>
-              </a:rPr>
-              <a:t> </a:t>
-            </a:r>
-            <a:r>
-              <a:rPr lang="vi-VN" sz="2400" b="1" err="1">
-                <a:solidFill>
-                  <a:srgbClr val="000000"/>
-                </a:solidFill>
-                <a:latin typeface="Calibri"/>
-                <a:cs typeface="Times New Roman"/>
-              </a:rPr>
-              <a:t>are</a:t>
-            </a:r>
-            <a:r>
-              <a:rPr lang="vi-VN" sz="2400" b="1">
-                <a:solidFill>
-                  <a:srgbClr val="000000"/>
-                </a:solidFill>
-                <a:latin typeface="Calibri"/>
-                <a:cs typeface="Times New Roman"/>
-              </a:rPr>
-              <a:t> 4 </a:t>
-            </a:r>
-            <a:r>
-              <a:rPr lang="vi-VN" sz="2400" b="1" err="1">
-                <a:solidFill>
-                  <a:srgbClr val="000000"/>
-                </a:solidFill>
-                <a:latin typeface="Calibri"/>
-                <a:cs typeface="Times New Roman"/>
-              </a:rPr>
-              <a:t>techniques</a:t>
-            </a:r>
-            <a:r>
-              <a:rPr lang="vi-VN" sz="2400" b="1">
-                <a:solidFill>
-                  <a:srgbClr val="000000"/>
-                </a:solidFill>
-                <a:latin typeface="Calibri"/>
-                <a:cs typeface="Times New Roman"/>
-              </a:rPr>
-              <a:t> </a:t>
-            </a:r>
-            <a:r>
-              <a:rPr lang="vi-VN" sz="2400" b="1" err="1">
-                <a:solidFill>
-                  <a:srgbClr val="000000"/>
-                </a:solidFill>
-                <a:latin typeface="Calibri"/>
-                <a:cs typeface="Times New Roman"/>
-              </a:rPr>
-              <a:t>of</a:t>
-            </a:r>
-            <a:r>
-              <a:rPr lang="vi-VN" sz="2400" b="1">
-                <a:solidFill>
-                  <a:srgbClr val="000000"/>
-                </a:solidFill>
-                <a:latin typeface="Calibri"/>
-                <a:cs typeface="Times New Roman"/>
-              </a:rPr>
-              <a:t> OOP </a:t>
-            </a:r>
-            <a:r>
-              <a:rPr lang="vi-VN" sz="2400" b="1" err="1">
-                <a:solidFill>
-                  <a:srgbClr val="000000"/>
-                </a:solidFill>
-                <a:latin typeface="Calibri"/>
-                <a:cs typeface="Times New Roman"/>
-              </a:rPr>
-              <a:t>which</a:t>
-            </a:r>
-            <a:r>
-              <a:rPr lang="vi-VN" sz="2400" b="1">
-                <a:solidFill>
-                  <a:srgbClr val="000000"/>
-                </a:solidFill>
-                <a:latin typeface="Calibri"/>
-                <a:cs typeface="Times New Roman"/>
-              </a:rPr>
-              <a:t> </a:t>
-            </a:r>
-            <a:r>
-              <a:rPr lang="vi-VN" sz="2400" b="1" err="1">
-                <a:solidFill>
-                  <a:srgbClr val="000000"/>
-                </a:solidFill>
-                <a:latin typeface="Calibri"/>
-                <a:cs typeface="Times New Roman"/>
-              </a:rPr>
-              <a:t>are</a:t>
-            </a:r>
-            <a:r>
-              <a:rPr lang="vi-VN" sz="2400" b="1">
-                <a:solidFill>
-                  <a:srgbClr val="000000"/>
-                </a:solidFill>
-                <a:latin typeface="Calibri"/>
-                <a:cs typeface="Times New Roman"/>
-              </a:rPr>
-              <a:t> </a:t>
-            </a:r>
-            <a:r>
-              <a:rPr lang="vi-VN" sz="2400" b="1" err="1">
-                <a:solidFill>
-                  <a:srgbClr val="000000"/>
-                </a:solidFill>
-                <a:latin typeface="Calibri"/>
-                <a:cs typeface="Times New Roman"/>
-              </a:rPr>
-              <a:t>used</a:t>
-            </a:r>
-            <a:r>
-              <a:rPr lang="vi-VN" sz="2400" b="1">
-                <a:solidFill>
-                  <a:srgbClr val="000000"/>
-                </a:solidFill>
-                <a:latin typeface="Calibri"/>
-                <a:cs typeface="Times New Roman"/>
-              </a:rPr>
-              <a:t> in </a:t>
-            </a:r>
-            <a:r>
-              <a:rPr lang="vi-VN" sz="2400" b="1" err="1">
-                <a:solidFill>
-                  <a:srgbClr val="000000"/>
-                </a:solidFill>
-                <a:latin typeface="Calibri"/>
-                <a:cs typeface="Times New Roman"/>
-              </a:rPr>
-              <a:t>this</a:t>
-            </a:r>
-            <a:r>
-              <a:rPr lang="vi-VN" sz="2400" b="1">
-                <a:solidFill>
-                  <a:srgbClr val="000000"/>
-                </a:solidFill>
-                <a:latin typeface="Calibri"/>
-                <a:cs typeface="Times New Roman"/>
-              </a:rPr>
-              <a:t> </a:t>
-            </a:r>
-            <a:r>
-              <a:rPr lang="vi-VN" sz="2400" b="1" err="1">
-                <a:solidFill>
-                  <a:srgbClr val="000000"/>
-                </a:solidFill>
-                <a:latin typeface="Calibri"/>
-                <a:cs typeface="Times New Roman"/>
-              </a:rPr>
-              <a:t>model</a:t>
-            </a:r>
-            <a:r>
-              <a:rPr lang="vi-VN" sz="2400" b="1">
-                <a:solidFill>
-                  <a:srgbClr val="000000"/>
-                </a:solidFill>
-                <a:latin typeface="Calibri"/>
-                <a:cs typeface="Times New Roman"/>
-              </a:rPr>
-              <a:t> :</a:t>
-            </a:r>
-            <a:endParaRPr lang="vi-VN" sz="2400">
+              <a:t>There are 4 techniques of OOP which are used in this model :</a:t>
+            </a:r>
+            <a:endParaRPr lang="vi-VN" sz="2400" dirty="0">
               <a:latin typeface="Calibri"/>
               <a:cs typeface="Calibri"/>
             </a:endParaRPr>
           </a:p>
           <a:p>
-            <a:endParaRPr lang="vi-VN" sz="2400" b="1">
+            <a:endParaRPr lang="vi-VN" sz="2400" b="1" dirty="0">
               <a:solidFill>
                 <a:srgbClr val="000000"/>
               </a:solidFill>
@@ -11092,7 +12284,7 @@
               <a:buAutoNum type="arabicPeriod"/>
             </a:pPr>
             <a:r>
-              <a:rPr lang="vi-VN" sz="2400" b="1" err="1">
+              <a:rPr lang="vi-VN" sz="2400" b="1" dirty="0">
                 <a:solidFill>
                   <a:srgbClr val="000000"/>
                 </a:solidFill>
@@ -11101,1269 +12293,29 @@
               </a:rPr>
               <a:t>Encapsulation</a:t>
             </a:r>
-            <a:endParaRPr lang="vi-VN" sz="2400">
+            <a:endParaRPr lang="vi-VN" sz="2400" dirty="0">
               <a:latin typeface="Calibri"/>
               <a:cs typeface="Calibri"/>
             </a:endParaRPr>
           </a:p>
           <a:p>
             <a:r>
-              <a:rPr lang="vi-VN" sz="2400">
+              <a:rPr lang="vi-VN" sz="2400" dirty="0">
                 <a:solidFill>
                   <a:srgbClr val="000000"/>
                 </a:solidFill>
                 <a:latin typeface="Calibri"/>
                 <a:cs typeface="Times New Roman"/>
               </a:rPr>
-              <a:t> </a:t>
-            </a:r>
-            <a:r>
-              <a:rPr lang="vi-VN" sz="2400" err="1">
-                <a:solidFill>
-                  <a:srgbClr val="000000"/>
-                </a:solidFill>
-                <a:latin typeface="Calibri"/>
-                <a:cs typeface="Times New Roman"/>
-              </a:rPr>
-              <a:t>Private</a:t>
-            </a:r>
-            <a:r>
-              <a:rPr lang="vi-VN" sz="2400">
-                <a:solidFill>
-                  <a:srgbClr val="000000"/>
-                </a:solidFill>
-                <a:latin typeface="Calibri"/>
-                <a:cs typeface="Times New Roman"/>
-              </a:rPr>
-              <a:t> </a:t>
-            </a:r>
-            <a:r>
-              <a:rPr lang="vi-VN" sz="2400" err="1">
-                <a:solidFill>
-                  <a:srgbClr val="000000"/>
-                </a:solidFill>
-                <a:latin typeface="Calibri"/>
-                <a:cs typeface="Times New Roman"/>
-              </a:rPr>
-              <a:t>access</a:t>
-            </a:r>
-            <a:r>
-              <a:rPr lang="vi-VN" sz="2400">
-                <a:solidFill>
-                  <a:srgbClr val="000000"/>
-                </a:solidFill>
-                <a:latin typeface="Calibri"/>
-                <a:cs typeface="Times New Roman"/>
-              </a:rPr>
-              <a:t> </a:t>
-            </a:r>
-            <a:r>
-              <a:rPr lang="vi-VN" sz="2400" err="1">
-                <a:solidFill>
-                  <a:srgbClr val="000000"/>
-                </a:solidFill>
-                <a:latin typeface="Calibri"/>
-                <a:cs typeface="Times New Roman"/>
-              </a:rPr>
-              <a:t>modifiers</a:t>
-            </a:r>
-            <a:r>
-              <a:rPr lang="vi-VN" sz="2400">
-                <a:solidFill>
-                  <a:srgbClr val="000000"/>
-                </a:solidFill>
-                <a:latin typeface="Calibri"/>
-                <a:cs typeface="Times New Roman"/>
-              </a:rPr>
-              <a:t> </a:t>
-            </a:r>
-            <a:r>
-              <a:rPr lang="vi-VN" sz="2400" err="1">
-                <a:solidFill>
-                  <a:srgbClr val="000000"/>
-                </a:solidFill>
-                <a:latin typeface="Calibri"/>
-                <a:cs typeface="Times New Roman"/>
-              </a:rPr>
-              <a:t>protect</a:t>
-            </a:r>
-            <a:r>
-              <a:rPr lang="vi-VN" sz="2400">
-                <a:solidFill>
-                  <a:srgbClr val="000000"/>
-                </a:solidFill>
-                <a:latin typeface="Calibri"/>
-                <a:cs typeface="Times New Roman"/>
-              </a:rPr>
-              <a:t> </a:t>
-            </a:r>
-            <a:r>
-              <a:rPr lang="vi-VN" sz="2400" err="1">
-                <a:solidFill>
-                  <a:srgbClr val="000000"/>
-                </a:solidFill>
-                <a:latin typeface="Calibri"/>
-                <a:cs typeface="Times New Roman"/>
-              </a:rPr>
-              <a:t>sensitive</a:t>
-            </a:r>
-            <a:r>
-              <a:rPr lang="vi-VN" sz="2400">
-                <a:solidFill>
-                  <a:srgbClr val="000000"/>
-                </a:solidFill>
-                <a:latin typeface="Calibri"/>
-                <a:cs typeface="Times New Roman"/>
-              </a:rPr>
-              <a:t> </a:t>
-            </a:r>
-            <a:r>
-              <a:rPr lang="vi-VN" sz="2400" err="1">
-                <a:solidFill>
-                  <a:srgbClr val="000000"/>
-                </a:solidFill>
-                <a:latin typeface="Calibri"/>
-                <a:cs typeface="Times New Roman"/>
-              </a:rPr>
-              <a:t>information</a:t>
-            </a:r>
-            <a:r>
-              <a:rPr lang="vi-VN" sz="2400">
-                <a:solidFill>
-                  <a:srgbClr val="000000"/>
-                </a:solidFill>
-                <a:latin typeface="Calibri"/>
-                <a:cs typeface="Times New Roman"/>
-              </a:rPr>
-              <a:t> </a:t>
-            </a:r>
-            <a:r>
-              <a:rPr lang="vi-VN" sz="2400" err="1">
-                <a:solidFill>
-                  <a:srgbClr val="000000"/>
-                </a:solidFill>
-                <a:latin typeface="Calibri"/>
-                <a:cs typeface="Times New Roman"/>
-              </a:rPr>
-              <a:t>by</a:t>
-            </a:r>
-            <a:r>
-              <a:rPr lang="vi-VN" sz="2400">
-                <a:solidFill>
-                  <a:srgbClr val="000000"/>
-                </a:solidFill>
-                <a:latin typeface="Calibri"/>
-                <a:cs typeface="Times New Roman"/>
-              </a:rPr>
-              <a:t> </a:t>
-            </a:r>
-            <a:r>
-              <a:rPr lang="vi-VN" sz="2400" err="1">
-                <a:solidFill>
-                  <a:srgbClr val="000000"/>
-                </a:solidFill>
-                <a:latin typeface="Calibri"/>
-                <a:cs typeface="Times New Roman"/>
-              </a:rPr>
-              <a:t>restricting</a:t>
-            </a:r>
-            <a:r>
-              <a:rPr lang="vi-VN" sz="2400">
-                <a:solidFill>
-                  <a:srgbClr val="000000"/>
-                </a:solidFill>
-                <a:latin typeface="Calibri"/>
-                <a:cs typeface="Times New Roman"/>
-              </a:rPr>
-              <a:t> </a:t>
-            </a:r>
-            <a:r>
-              <a:rPr lang="vi-VN" sz="2400" err="1">
-                <a:solidFill>
-                  <a:srgbClr val="000000"/>
-                </a:solidFill>
-                <a:latin typeface="Calibri"/>
-                <a:cs typeface="Times New Roman"/>
-              </a:rPr>
-              <a:t>direct</a:t>
-            </a:r>
-            <a:r>
-              <a:rPr lang="vi-VN" sz="2400">
-                <a:solidFill>
-                  <a:srgbClr val="000000"/>
-                </a:solidFill>
-                <a:latin typeface="Calibri"/>
-                <a:cs typeface="Times New Roman"/>
-              </a:rPr>
-              <a:t> </a:t>
-            </a:r>
-            <a:r>
-              <a:rPr lang="vi-VN" sz="2400" err="1">
-                <a:solidFill>
-                  <a:srgbClr val="000000"/>
-                </a:solidFill>
-                <a:latin typeface="Calibri"/>
-                <a:cs typeface="Times New Roman"/>
-              </a:rPr>
-              <a:t>access</a:t>
-            </a:r>
-            <a:r>
-              <a:rPr lang="vi-VN" sz="2400">
-                <a:solidFill>
-                  <a:srgbClr val="000000"/>
-                </a:solidFill>
-                <a:latin typeface="Calibri"/>
-                <a:cs typeface="Times New Roman"/>
-              </a:rPr>
-              <a:t> </a:t>
-            </a:r>
-            <a:r>
-              <a:rPr lang="vi-VN" sz="2400" err="1">
-                <a:solidFill>
-                  <a:srgbClr val="000000"/>
-                </a:solidFill>
-                <a:latin typeface="Calibri"/>
-                <a:cs typeface="Times New Roman"/>
-              </a:rPr>
-              <a:t>from</a:t>
-            </a:r>
-            <a:r>
-              <a:rPr lang="vi-VN" sz="2400">
-                <a:solidFill>
-                  <a:srgbClr val="000000"/>
-                </a:solidFill>
-                <a:latin typeface="Calibri"/>
-                <a:cs typeface="Times New Roman"/>
-              </a:rPr>
-              <a:t> </a:t>
-            </a:r>
-            <a:r>
-              <a:rPr lang="vi-VN" sz="2400" err="1">
-                <a:solidFill>
-                  <a:srgbClr val="000000"/>
-                </a:solidFill>
-                <a:latin typeface="Calibri"/>
-                <a:cs typeface="Times New Roman"/>
-              </a:rPr>
-              <a:t>external</a:t>
-            </a:r>
-            <a:r>
-              <a:rPr lang="vi-VN" sz="2400">
-                <a:solidFill>
-                  <a:srgbClr val="000000"/>
-                </a:solidFill>
-                <a:latin typeface="Calibri"/>
-                <a:cs typeface="Times New Roman"/>
-              </a:rPr>
-              <a:t> </a:t>
-            </a:r>
-            <a:r>
-              <a:rPr lang="vi-VN" sz="2400" err="1">
-                <a:solidFill>
-                  <a:srgbClr val="000000"/>
-                </a:solidFill>
-                <a:latin typeface="Calibri"/>
-                <a:cs typeface="Times New Roman"/>
-              </a:rPr>
-              <a:t>sources</a:t>
-            </a:r>
-            <a:r>
-              <a:rPr lang="vi-VN" sz="2400">
-                <a:solidFill>
-                  <a:srgbClr val="000000"/>
-                </a:solidFill>
-                <a:latin typeface="Calibri"/>
-                <a:cs typeface="Times New Roman"/>
-              </a:rPr>
-              <a:t>. </a:t>
-            </a:r>
-            <a:r>
-              <a:rPr lang="vi-VN" sz="2400" err="1">
-                <a:solidFill>
-                  <a:srgbClr val="000000"/>
-                </a:solidFill>
-                <a:latin typeface="Calibri"/>
-                <a:cs typeface="Times New Roman"/>
-              </a:rPr>
-              <a:t>They</a:t>
-            </a:r>
-            <a:r>
-              <a:rPr lang="vi-VN" sz="2400">
-                <a:solidFill>
-                  <a:srgbClr val="000000"/>
-                </a:solidFill>
-                <a:latin typeface="Calibri"/>
-                <a:cs typeface="Times New Roman"/>
-              </a:rPr>
-              <a:t> </a:t>
-            </a:r>
-            <a:r>
-              <a:rPr lang="vi-VN" sz="2400" err="1">
-                <a:solidFill>
-                  <a:srgbClr val="000000"/>
-                </a:solidFill>
-                <a:latin typeface="Calibri"/>
-                <a:cs typeface="Times New Roman"/>
-              </a:rPr>
-              <a:t>encapsulate</a:t>
-            </a:r>
-            <a:r>
-              <a:rPr lang="vi-VN" sz="2400">
-                <a:solidFill>
-                  <a:srgbClr val="000000"/>
-                </a:solidFill>
-                <a:latin typeface="Calibri"/>
-                <a:cs typeface="Times New Roman"/>
-              </a:rPr>
-              <a:t> the </a:t>
-            </a:r>
-            <a:r>
-              <a:rPr lang="vi-VN" sz="2400" err="1">
-                <a:solidFill>
-                  <a:srgbClr val="000000"/>
-                </a:solidFill>
-                <a:latin typeface="Calibri"/>
-                <a:cs typeface="Times New Roman"/>
-              </a:rPr>
-              <a:t>data</a:t>
-            </a:r>
-            <a:r>
-              <a:rPr lang="vi-VN" sz="2400">
-                <a:solidFill>
-                  <a:srgbClr val="000000"/>
-                </a:solidFill>
-                <a:latin typeface="Calibri"/>
-                <a:cs typeface="Times New Roman"/>
-              </a:rPr>
-              <a:t> </a:t>
-            </a:r>
-            <a:r>
-              <a:rPr lang="vi-VN" sz="2400" err="1">
-                <a:solidFill>
-                  <a:srgbClr val="000000"/>
-                </a:solidFill>
-                <a:latin typeface="Calibri"/>
-                <a:cs typeface="Times New Roman"/>
-              </a:rPr>
-              <a:t>members</a:t>
-            </a:r>
-            <a:r>
-              <a:rPr lang="vi-VN" sz="2400">
-                <a:solidFill>
-                  <a:srgbClr val="000000"/>
-                </a:solidFill>
-                <a:latin typeface="Calibri"/>
-                <a:cs typeface="Times New Roman"/>
-              </a:rPr>
-              <a:t> </a:t>
-            </a:r>
-            <a:r>
-              <a:rPr lang="vi-VN" sz="2400" err="1">
-                <a:solidFill>
-                  <a:srgbClr val="000000"/>
-                </a:solidFill>
-                <a:latin typeface="Calibri"/>
-                <a:cs typeface="Times New Roman"/>
-              </a:rPr>
-              <a:t>and</a:t>
-            </a:r>
-            <a:r>
-              <a:rPr lang="vi-VN" sz="2400">
-                <a:solidFill>
-                  <a:srgbClr val="000000"/>
-                </a:solidFill>
-                <a:latin typeface="Calibri"/>
-                <a:cs typeface="Times New Roman"/>
-              </a:rPr>
-              <a:t> </a:t>
-            </a:r>
-            <a:r>
-              <a:rPr lang="vi-VN" sz="2400" err="1">
-                <a:solidFill>
-                  <a:srgbClr val="000000"/>
-                </a:solidFill>
-                <a:latin typeface="Calibri"/>
-                <a:cs typeface="Times New Roman"/>
-              </a:rPr>
-              <a:t>data</a:t>
-            </a:r>
-            <a:r>
-              <a:rPr lang="vi-VN" sz="2400">
-                <a:solidFill>
-                  <a:srgbClr val="000000"/>
-                </a:solidFill>
-                <a:latin typeface="Calibri"/>
-                <a:cs typeface="Times New Roman"/>
-              </a:rPr>
-              <a:t> </a:t>
-            </a:r>
-            <a:r>
-              <a:rPr lang="vi-VN" sz="2400" err="1">
-                <a:solidFill>
-                  <a:srgbClr val="000000"/>
-                </a:solidFill>
-                <a:latin typeface="Calibri"/>
-                <a:cs typeface="Times New Roman"/>
-              </a:rPr>
-              <a:t>methods</a:t>
-            </a:r>
-            <a:r>
-              <a:rPr lang="vi-VN" sz="2400">
-                <a:solidFill>
-                  <a:srgbClr val="000000"/>
-                </a:solidFill>
-                <a:latin typeface="Calibri"/>
-                <a:cs typeface="Times New Roman"/>
-              </a:rPr>
-              <a:t> </a:t>
-            </a:r>
-            <a:r>
-              <a:rPr lang="vi-VN" sz="2400" err="1">
-                <a:solidFill>
-                  <a:srgbClr val="000000"/>
-                </a:solidFill>
-                <a:latin typeface="Calibri"/>
-                <a:cs typeface="Times New Roman"/>
-              </a:rPr>
-              <a:t>of</a:t>
-            </a:r>
-            <a:r>
-              <a:rPr lang="vi-VN" sz="2400">
-                <a:solidFill>
-                  <a:srgbClr val="000000"/>
-                </a:solidFill>
-                <a:latin typeface="Calibri"/>
-                <a:cs typeface="Times New Roman"/>
-              </a:rPr>
-              <a:t> a </a:t>
-            </a:r>
-            <a:r>
-              <a:rPr lang="vi-VN" sz="2400" err="1">
-                <a:solidFill>
-                  <a:srgbClr val="000000"/>
-                </a:solidFill>
-                <a:latin typeface="Calibri"/>
-                <a:cs typeface="Times New Roman"/>
-              </a:rPr>
-              <a:t>class</a:t>
-            </a:r>
-            <a:r>
-              <a:rPr lang="vi-VN" sz="2400">
-                <a:solidFill>
-                  <a:srgbClr val="000000"/>
-                </a:solidFill>
-                <a:latin typeface="Calibri"/>
-                <a:cs typeface="Times New Roman"/>
-              </a:rPr>
-              <a:t>, </a:t>
-            </a:r>
-            <a:r>
-              <a:rPr lang="vi-VN" sz="2400" err="1">
-                <a:solidFill>
-                  <a:srgbClr val="000000"/>
-                </a:solidFill>
-                <a:latin typeface="Calibri"/>
-                <a:cs typeface="Times New Roman"/>
-              </a:rPr>
-              <a:t>ensuring</a:t>
-            </a:r>
-            <a:r>
-              <a:rPr lang="vi-VN" sz="2400">
-                <a:solidFill>
-                  <a:srgbClr val="000000"/>
-                </a:solidFill>
-                <a:latin typeface="Calibri"/>
-                <a:cs typeface="Times New Roman"/>
-              </a:rPr>
-              <a:t> </a:t>
-            </a:r>
-            <a:r>
-              <a:rPr lang="vi-VN" sz="2400" err="1">
-                <a:solidFill>
-                  <a:srgbClr val="000000"/>
-                </a:solidFill>
-                <a:latin typeface="Calibri"/>
-                <a:cs typeface="Times New Roman"/>
-              </a:rPr>
-              <a:t>they</a:t>
-            </a:r>
-            <a:r>
-              <a:rPr lang="vi-VN" sz="2400">
-                <a:solidFill>
-                  <a:srgbClr val="000000"/>
-                </a:solidFill>
-                <a:latin typeface="Calibri"/>
-                <a:cs typeface="Times New Roman"/>
-              </a:rPr>
-              <a:t> </a:t>
-            </a:r>
-            <a:r>
-              <a:rPr lang="vi-VN" sz="2400" err="1">
-                <a:solidFill>
-                  <a:srgbClr val="000000"/>
-                </a:solidFill>
-                <a:latin typeface="Calibri"/>
-                <a:cs typeface="Times New Roman"/>
-              </a:rPr>
-              <a:t>are</a:t>
-            </a:r>
-            <a:r>
-              <a:rPr lang="vi-VN" sz="2400">
-                <a:solidFill>
-                  <a:srgbClr val="000000"/>
-                </a:solidFill>
-                <a:latin typeface="Calibri"/>
-                <a:cs typeface="Times New Roman"/>
-              </a:rPr>
-              <a:t> </a:t>
-            </a:r>
-            <a:r>
-              <a:rPr lang="vi-VN" sz="2400" err="1">
-                <a:solidFill>
-                  <a:srgbClr val="000000"/>
-                </a:solidFill>
-                <a:latin typeface="Calibri"/>
-                <a:cs typeface="Times New Roman"/>
-              </a:rPr>
-              <a:t>kept</a:t>
-            </a:r>
-            <a:r>
-              <a:rPr lang="vi-VN" sz="2400">
-                <a:solidFill>
-                  <a:srgbClr val="000000"/>
-                </a:solidFill>
-                <a:latin typeface="Calibri"/>
-                <a:cs typeface="Times New Roman"/>
-              </a:rPr>
-              <a:t> </a:t>
-            </a:r>
-            <a:r>
-              <a:rPr lang="vi-VN" sz="2400" err="1">
-                <a:solidFill>
-                  <a:srgbClr val="000000"/>
-                </a:solidFill>
-                <a:latin typeface="Calibri"/>
-                <a:cs typeface="Times New Roman"/>
-              </a:rPr>
-              <a:t>together</a:t>
-            </a:r>
-            <a:r>
-              <a:rPr lang="vi-VN" sz="2400">
-                <a:solidFill>
-                  <a:srgbClr val="000000"/>
-                </a:solidFill>
-                <a:latin typeface="Calibri"/>
-                <a:cs typeface="Times New Roman"/>
-              </a:rPr>
-              <a:t> </a:t>
-            </a:r>
-            <a:r>
-              <a:rPr lang="vi-VN" sz="2400" err="1">
-                <a:solidFill>
-                  <a:srgbClr val="000000"/>
-                </a:solidFill>
-                <a:latin typeface="Calibri"/>
-                <a:cs typeface="Times New Roman"/>
-              </a:rPr>
-              <a:t>and</a:t>
-            </a:r>
-            <a:r>
-              <a:rPr lang="vi-VN" sz="2400">
-                <a:solidFill>
-                  <a:srgbClr val="000000"/>
-                </a:solidFill>
-                <a:latin typeface="Calibri"/>
-                <a:cs typeface="Times New Roman"/>
-              </a:rPr>
-              <a:t> </a:t>
-            </a:r>
-            <a:r>
-              <a:rPr lang="vi-VN" sz="2400" err="1">
-                <a:solidFill>
-                  <a:srgbClr val="000000"/>
-                </a:solidFill>
-                <a:latin typeface="Calibri"/>
-                <a:cs typeface="Times New Roman"/>
-              </a:rPr>
-              <a:t>accessible</a:t>
-            </a:r>
-            <a:r>
-              <a:rPr lang="vi-VN" sz="2400">
-                <a:solidFill>
-                  <a:srgbClr val="000000"/>
-                </a:solidFill>
-                <a:latin typeface="Calibri"/>
-                <a:cs typeface="Times New Roman"/>
-              </a:rPr>
-              <a:t> </a:t>
-            </a:r>
-            <a:r>
-              <a:rPr lang="vi-VN" sz="2400" err="1">
-                <a:solidFill>
-                  <a:srgbClr val="000000"/>
-                </a:solidFill>
-                <a:latin typeface="Calibri"/>
-                <a:cs typeface="Times New Roman"/>
-              </a:rPr>
-              <a:t>only</a:t>
-            </a:r>
-            <a:r>
-              <a:rPr lang="vi-VN" sz="2400">
-                <a:solidFill>
-                  <a:srgbClr val="000000"/>
-                </a:solidFill>
-                <a:latin typeface="Calibri"/>
-                <a:cs typeface="Times New Roman"/>
-              </a:rPr>
-              <a:t> </a:t>
-            </a:r>
-            <a:r>
-              <a:rPr lang="vi-VN" sz="2400" err="1">
-                <a:solidFill>
-                  <a:srgbClr val="000000"/>
-                </a:solidFill>
-                <a:latin typeface="Calibri"/>
-                <a:cs typeface="Times New Roman"/>
-              </a:rPr>
-              <a:t>within</a:t>
-            </a:r>
-            <a:r>
-              <a:rPr lang="vi-VN" sz="2400">
-                <a:solidFill>
-                  <a:srgbClr val="000000"/>
-                </a:solidFill>
-                <a:latin typeface="Calibri"/>
-                <a:cs typeface="Times New Roman"/>
-              </a:rPr>
-              <a:t> the </a:t>
-            </a:r>
-            <a:r>
-              <a:rPr lang="vi-VN" sz="2400" err="1">
-                <a:solidFill>
-                  <a:srgbClr val="000000"/>
-                </a:solidFill>
-                <a:latin typeface="Calibri"/>
-                <a:cs typeface="Times New Roman"/>
-              </a:rPr>
-              <a:t>class</a:t>
-            </a:r>
-            <a:r>
-              <a:rPr lang="vi-VN" sz="2400">
-                <a:solidFill>
-                  <a:srgbClr val="000000"/>
-                </a:solidFill>
-                <a:latin typeface="Calibri"/>
-                <a:cs typeface="Times New Roman"/>
-              </a:rPr>
-              <a:t> </a:t>
-            </a:r>
-            <a:r>
-              <a:rPr lang="vi-VN" sz="2400" err="1">
-                <a:solidFill>
-                  <a:srgbClr val="000000"/>
-                </a:solidFill>
-                <a:latin typeface="Calibri"/>
-                <a:cs typeface="Times New Roman"/>
-              </a:rPr>
-              <a:t>itself</a:t>
-            </a:r>
-            <a:r>
-              <a:rPr lang="vi-VN" sz="2400">
-                <a:solidFill>
-                  <a:srgbClr val="000000"/>
-                </a:solidFill>
-                <a:latin typeface="Calibri"/>
-                <a:cs typeface="Times New Roman"/>
-              </a:rPr>
-              <a:t>. </a:t>
-            </a:r>
-            <a:r>
-              <a:rPr lang="vi-VN" sz="2400" err="1">
-                <a:solidFill>
-                  <a:srgbClr val="000000"/>
-                </a:solidFill>
-                <a:latin typeface="Calibri"/>
-                <a:cs typeface="Times New Roman"/>
-              </a:rPr>
-              <a:t>By</a:t>
-            </a:r>
-            <a:r>
-              <a:rPr lang="vi-VN" sz="2400">
-                <a:solidFill>
-                  <a:srgbClr val="000000"/>
-                </a:solidFill>
-                <a:latin typeface="Calibri"/>
-                <a:cs typeface="Times New Roman"/>
-              </a:rPr>
-              <a:t> </a:t>
-            </a:r>
-            <a:r>
-              <a:rPr lang="vi-VN" sz="2400" err="1">
-                <a:solidFill>
-                  <a:srgbClr val="000000"/>
-                </a:solidFill>
-                <a:latin typeface="Calibri"/>
-                <a:cs typeface="Times New Roman"/>
-              </a:rPr>
-              <a:t>designating</a:t>
-            </a:r>
-            <a:r>
-              <a:rPr lang="vi-VN" sz="2400">
-                <a:solidFill>
-                  <a:srgbClr val="000000"/>
-                </a:solidFill>
-                <a:latin typeface="Calibri"/>
-                <a:cs typeface="Times New Roman"/>
-              </a:rPr>
-              <a:t> </a:t>
-            </a:r>
-            <a:r>
-              <a:rPr lang="vi-VN" sz="2400" err="1">
-                <a:solidFill>
-                  <a:srgbClr val="000000"/>
-                </a:solidFill>
-                <a:latin typeface="Calibri"/>
-                <a:cs typeface="Times New Roman"/>
-              </a:rPr>
-              <a:t>attributes</a:t>
-            </a:r>
-            <a:r>
-              <a:rPr lang="vi-VN" sz="2400">
-                <a:solidFill>
-                  <a:srgbClr val="000000"/>
-                </a:solidFill>
-                <a:latin typeface="Calibri"/>
-                <a:cs typeface="Times New Roman"/>
-              </a:rPr>
-              <a:t> </a:t>
-            </a:r>
-            <a:r>
-              <a:rPr lang="vi-VN" sz="2400" err="1">
-                <a:solidFill>
-                  <a:srgbClr val="000000"/>
-                </a:solidFill>
-                <a:latin typeface="Calibri"/>
-                <a:cs typeface="Times New Roman"/>
-              </a:rPr>
-              <a:t>as</a:t>
-            </a:r>
-            <a:r>
-              <a:rPr lang="vi-VN" sz="2400">
-                <a:solidFill>
-                  <a:srgbClr val="000000"/>
-                </a:solidFill>
-                <a:latin typeface="Calibri"/>
-                <a:cs typeface="Times New Roman"/>
-              </a:rPr>
-              <a:t> </a:t>
-            </a:r>
-            <a:r>
-              <a:rPr lang="vi-VN" sz="2400" err="1">
-                <a:solidFill>
-                  <a:srgbClr val="000000"/>
-                </a:solidFill>
-                <a:latin typeface="Calibri"/>
-                <a:cs typeface="Times New Roman"/>
-              </a:rPr>
-              <a:t>private</a:t>
-            </a:r>
-            <a:r>
-              <a:rPr lang="vi-VN" sz="2400">
-                <a:solidFill>
-                  <a:srgbClr val="000000"/>
-                </a:solidFill>
-                <a:latin typeface="Calibri"/>
-                <a:cs typeface="Times New Roman"/>
-              </a:rPr>
-              <a:t>, </a:t>
-            </a:r>
-            <a:r>
-              <a:rPr lang="vi-VN" sz="2400" err="1">
-                <a:solidFill>
-                  <a:srgbClr val="000000"/>
-                </a:solidFill>
-                <a:latin typeface="Calibri"/>
-                <a:cs typeface="Times New Roman"/>
-              </a:rPr>
-              <a:t>their</a:t>
-            </a:r>
-            <a:r>
-              <a:rPr lang="vi-VN" sz="2400">
-                <a:solidFill>
-                  <a:srgbClr val="000000"/>
-                </a:solidFill>
-                <a:latin typeface="Calibri"/>
-                <a:cs typeface="Times New Roman"/>
-              </a:rPr>
-              <a:t> </a:t>
-            </a:r>
-            <a:r>
-              <a:rPr lang="vi-VN" sz="2400" err="1">
-                <a:solidFill>
-                  <a:srgbClr val="000000"/>
-                </a:solidFill>
-                <a:latin typeface="Calibri"/>
-                <a:cs typeface="Times New Roman"/>
-              </a:rPr>
-              <a:t>visibility</a:t>
-            </a:r>
-            <a:r>
-              <a:rPr lang="vi-VN" sz="2400">
-                <a:solidFill>
-                  <a:srgbClr val="000000"/>
-                </a:solidFill>
-                <a:latin typeface="Calibri"/>
-                <a:cs typeface="Times New Roman"/>
-              </a:rPr>
-              <a:t> </a:t>
-            </a:r>
-            <a:r>
-              <a:rPr lang="vi-VN" sz="2400" err="1">
-                <a:solidFill>
-                  <a:srgbClr val="000000"/>
-                </a:solidFill>
-                <a:latin typeface="Calibri"/>
-                <a:cs typeface="Times New Roman"/>
-              </a:rPr>
-              <a:t>is</a:t>
-            </a:r>
-            <a:r>
-              <a:rPr lang="vi-VN" sz="2400">
-                <a:solidFill>
-                  <a:srgbClr val="000000"/>
-                </a:solidFill>
-                <a:latin typeface="Calibri"/>
-                <a:cs typeface="Times New Roman"/>
-              </a:rPr>
-              <a:t> </a:t>
-            </a:r>
-            <a:r>
-              <a:rPr lang="vi-VN" sz="2400" err="1">
-                <a:solidFill>
-                  <a:srgbClr val="000000"/>
-                </a:solidFill>
-                <a:latin typeface="Calibri"/>
-                <a:cs typeface="Times New Roman"/>
-              </a:rPr>
-              <a:t>limited</a:t>
-            </a:r>
-            <a:r>
-              <a:rPr lang="vi-VN" sz="2400">
-                <a:solidFill>
-                  <a:srgbClr val="000000"/>
-                </a:solidFill>
-                <a:latin typeface="Calibri"/>
-                <a:cs typeface="Times New Roman"/>
-              </a:rPr>
-              <a:t> to the </a:t>
-            </a:r>
-            <a:r>
-              <a:rPr lang="vi-VN" sz="2400" err="1">
-                <a:solidFill>
-                  <a:srgbClr val="000000"/>
-                </a:solidFill>
-                <a:latin typeface="Calibri"/>
-                <a:cs typeface="Times New Roman"/>
-              </a:rPr>
-              <a:t>class</a:t>
-            </a:r>
-            <a:r>
-              <a:rPr lang="vi-VN" sz="2400">
-                <a:solidFill>
-                  <a:srgbClr val="000000"/>
-                </a:solidFill>
-                <a:latin typeface="Calibri"/>
-                <a:cs typeface="Times New Roman"/>
-              </a:rPr>
-              <a:t>, </a:t>
-            </a:r>
-            <a:r>
-              <a:rPr lang="vi-VN" sz="2400" err="1">
-                <a:solidFill>
-                  <a:srgbClr val="000000"/>
-                </a:solidFill>
-                <a:latin typeface="Calibri"/>
-                <a:cs typeface="Times New Roman"/>
-              </a:rPr>
-              <a:t>promoting</a:t>
-            </a:r>
-            <a:r>
-              <a:rPr lang="vi-VN" sz="2400">
-                <a:solidFill>
-                  <a:srgbClr val="000000"/>
-                </a:solidFill>
-                <a:latin typeface="Calibri"/>
-                <a:cs typeface="Times New Roman"/>
-              </a:rPr>
-              <a:t> </a:t>
-            </a:r>
-            <a:r>
-              <a:rPr lang="vi-VN" sz="2400" err="1">
-                <a:solidFill>
-                  <a:srgbClr val="000000"/>
-                </a:solidFill>
-                <a:latin typeface="Calibri"/>
-                <a:cs typeface="Times New Roman"/>
-              </a:rPr>
-              <a:t>data</a:t>
-            </a:r>
-            <a:r>
-              <a:rPr lang="vi-VN" sz="2400">
-                <a:solidFill>
-                  <a:srgbClr val="000000"/>
-                </a:solidFill>
-                <a:latin typeface="Calibri"/>
-                <a:cs typeface="Times New Roman"/>
-              </a:rPr>
-              <a:t> </a:t>
-            </a:r>
-            <a:r>
-              <a:rPr lang="vi-VN" sz="2400" err="1">
-                <a:solidFill>
-                  <a:srgbClr val="000000"/>
-                </a:solidFill>
-                <a:latin typeface="Calibri"/>
-                <a:cs typeface="Times New Roman"/>
-              </a:rPr>
-              <a:t>encapsulation</a:t>
-            </a:r>
-            <a:r>
-              <a:rPr lang="vi-VN" sz="2400">
-                <a:solidFill>
-                  <a:srgbClr val="000000"/>
-                </a:solidFill>
-                <a:latin typeface="Calibri"/>
-                <a:cs typeface="Times New Roman"/>
-              </a:rPr>
-              <a:t> </a:t>
-            </a:r>
-            <a:r>
-              <a:rPr lang="vi-VN" sz="2400" err="1">
-                <a:solidFill>
-                  <a:srgbClr val="000000"/>
-                </a:solidFill>
-                <a:latin typeface="Calibri"/>
-                <a:cs typeface="Times New Roman"/>
-              </a:rPr>
-              <a:t>and</a:t>
-            </a:r>
-            <a:r>
-              <a:rPr lang="vi-VN" sz="2400">
-                <a:solidFill>
-                  <a:srgbClr val="000000"/>
-                </a:solidFill>
-                <a:latin typeface="Calibri"/>
-                <a:cs typeface="Times New Roman"/>
-              </a:rPr>
-              <a:t> </a:t>
-            </a:r>
-            <a:r>
-              <a:rPr lang="vi-VN" sz="2400" err="1">
-                <a:solidFill>
-                  <a:srgbClr val="000000"/>
-                </a:solidFill>
-                <a:latin typeface="Calibri"/>
-                <a:cs typeface="Times New Roman"/>
-              </a:rPr>
-              <a:t>preventing</a:t>
-            </a:r>
-            <a:r>
-              <a:rPr lang="vi-VN" sz="2400">
-                <a:solidFill>
-                  <a:srgbClr val="000000"/>
-                </a:solidFill>
-                <a:latin typeface="Calibri"/>
-                <a:cs typeface="Times New Roman"/>
-              </a:rPr>
-              <a:t> </a:t>
-            </a:r>
-            <a:r>
-              <a:rPr lang="vi-VN" sz="2400" err="1">
-                <a:solidFill>
-                  <a:srgbClr val="000000"/>
-                </a:solidFill>
-                <a:latin typeface="Calibri"/>
-                <a:cs typeface="Times New Roman"/>
-              </a:rPr>
-              <a:t>unauthorized</a:t>
-            </a:r>
-            <a:r>
-              <a:rPr lang="vi-VN" sz="2400">
-                <a:solidFill>
-                  <a:srgbClr val="000000"/>
-                </a:solidFill>
-                <a:latin typeface="Calibri"/>
-                <a:cs typeface="Times New Roman"/>
-              </a:rPr>
-              <a:t> </a:t>
-            </a:r>
-            <a:r>
-              <a:rPr lang="vi-VN" sz="2400" err="1">
-                <a:solidFill>
-                  <a:srgbClr val="000000"/>
-                </a:solidFill>
-                <a:latin typeface="Calibri"/>
-                <a:cs typeface="Times New Roman"/>
-              </a:rPr>
-              <a:t>access</a:t>
-            </a:r>
-            <a:r>
-              <a:rPr lang="vi-VN" sz="2400">
-                <a:solidFill>
-                  <a:srgbClr val="000000"/>
-                </a:solidFill>
-                <a:latin typeface="Calibri"/>
-                <a:cs typeface="Times New Roman"/>
-              </a:rPr>
-              <a:t> </a:t>
-            </a:r>
-            <a:r>
-              <a:rPr lang="vi-VN" sz="2400" err="1">
-                <a:solidFill>
-                  <a:srgbClr val="000000"/>
-                </a:solidFill>
-                <a:latin typeface="Calibri"/>
-                <a:cs typeface="Times New Roman"/>
-              </a:rPr>
-              <a:t>or</a:t>
-            </a:r>
-            <a:r>
-              <a:rPr lang="vi-VN" sz="2400">
-                <a:solidFill>
-                  <a:srgbClr val="000000"/>
-                </a:solidFill>
-                <a:latin typeface="Calibri"/>
-                <a:cs typeface="Times New Roman"/>
-              </a:rPr>
-              <a:t> </a:t>
-            </a:r>
-            <a:r>
-              <a:rPr lang="vi-VN" sz="2400" err="1">
-                <a:solidFill>
-                  <a:srgbClr val="000000"/>
-                </a:solidFill>
-                <a:latin typeface="Calibri"/>
-                <a:cs typeface="Times New Roman"/>
-              </a:rPr>
-              <a:t>modification</a:t>
-            </a:r>
-            <a:r>
-              <a:rPr lang="vi-VN" sz="2400">
-                <a:solidFill>
-                  <a:srgbClr val="000000"/>
-                </a:solidFill>
-                <a:latin typeface="Calibri"/>
-                <a:cs typeface="Times New Roman"/>
-              </a:rPr>
-              <a:t>. </a:t>
-            </a:r>
-            <a:r>
-              <a:rPr lang="vi-VN" sz="2400" err="1">
-                <a:solidFill>
-                  <a:srgbClr val="000000"/>
-                </a:solidFill>
-                <a:latin typeface="Calibri"/>
-                <a:cs typeface="Times New Roman"/>
-              </a:rPr>
-              <a:t>This</a:t>
-            </a:r>
-            <a:r>
-              <a:rPr lang="vi-VN" sz="2400">
-                <a:solidFill>
-                  <a:srgbClr val="000000"/>
-                </a:solidFill>
-                <a:latin typeface="Calibri"/>
-                <a:cs typeface="Times New Roman"/>
-              </a:rPr>
-              <a:t> </a:t>
-            </a:r>
-            <a:r>
-              <a:rPr lang="vi-VN" sz="2400" err="1">
-                <a:solidFill>
-                  <a:srgbClr val="000000"/>
-                </a:solidFill>
-                <a:latin typeface="Calibri"/>
-                <a:cs typeface="Times New Roman"/>
-              </a:rPr>
-              <a:t>enhances</a:t>
-            </a:r>
-            <a:r>
-              <a:rPr lang="vi-VN" sz="2400">
-                <a:solidFill>
-                  <a:srgbClr val="000000"/>
-                </a:solidFill>
-                <a:latin typeface="Calibri"/>
-                <a:cs typeface="Times New Roman"/>
-              </a:rPr>
-              <a:t> </a:t>
-            </a:r>
-            <a:r>
-              <a:rPr lang="vi-VN" sz="2400" err="1">
-                <a:solidFill>
-                  <a:srgbClr val="000000"/>
-                </a:solidFill>
-                <a:latin typeface="Calibri"/>
-                <a:cs typeface="Times New Roman"/>
-              </a:rPr>
-              <a:t>code</a:t>
-            </a:r>
-            <a:r>
-              <a:rPr lang="vi-VN" sz="2400">
-                <a:solidFill>
-                  <a:srgbClr val="000000"/>
-                </a:solidFill>
-                <a:latin typeface="Calibri"/>
-                <a:cs typeface="Times New Roman"/>
-              </a:rPr>
-              <a:t> </a:t>
-            </a:r>
-            <a:r>
-              <a:rPr lang="vi-VN" sz="2400" err="1">
-                <a:solidFill>
-                  <a:srgbClr val="000000"/>
-                </a:solidFill>
-                <a:latin typeface="Calibri"/>
-                <a:cs typeface="Times New Roman"/>
-              </a:rPr>
-              <a:t>organization</a:t>
-            </a:r>
-            <a:r>
-              <a:rPr lang="vi-VN" sz="2400">
-                <a:solidFill>
-                  <a:srgbClr val="000000"/>
-                </a:solidFill>
-                <a:latin typeface="Calibri"/>
-                <a:cs typeface="Times New Roman"/>
-              </a:rPr>
-              <a:t>, </a:t>
-            </a:r>
-            <a:r>
-              <a:rPr lang="vi-VN" sz="2400" err="1">
-                <a:solidFill>
-                  <a:srgbClr val="000000"/>
-                </a:solidFill>
-                <a:latin typeface="Calibri"/>
-                <a:cs typeface="Times New Roman"/>
-              </a:rPr>
-              <a:t>maintains</a:t>
-            </a:r>
-            <a:r>
-              <a:rPr lang="vi-VN" sz="2400">
-                <a:solidFill>
-                  <a:srgbClr val="000000"/>
-                </a:solidFill>
-                <a:latin typeface="Calibri"/>
-                <a:cs typeface="Times New Roman"/>
-              </a:rPr>
-              <a:t> </a:t>
-            </a:r>
-            <a:r>
-              <a:rPr lang="vi-VN" sz="2400" err="1">
-                <a:solidFill>
-                  <a:srgbClr val="000000"/>
-                </a:solidFill>
-                <a:latin typeface="Calibri"/>
-                <a:cs typeface="Times New Roman"/>
-              </a:rPr>
-              <a:t>data</a:t>
-            </a:r>
-            <a:r>
-              <a:rPr lang="vi-VN" sz="2400">
-                <a:solidFill>
-                  <a:srgbClr val="000000"/>
-                </a:solidFill>
-                <a:latin typeface="Calibri"/>
-                <a:cs typeface="Times New Roman"/>
-              </a:rPr>
-              <a:t> </a:t>
-            </a:r>
-            <a:r>
-              <a:rPr lang="vi-VN" sz="2400" err="1">
-                <a:solidFill>
-                  <a:srgbClr val="000000"/>
-                </a:solidFill>
-                <a:latin typeface="Calibri"/>
-                <a:cs typeface="Times New Roman"/>
-              </a:rPr>
-              <a:t>integrity</a:t>
-            </a:r>
-            <a:r>
-              <a:rPr lang="vi-VN" sz="2400">
-                <a:solidFill>
-                  <a:srgbClr val="000000"/>
-                </a:solidFill>
-                <a:latin typeface="Calibri"/>
-                <a:cs typeface="Times New Roman"/>
-              </a:rPr>
-              <a:t>, </a:t>
-            </a:r>
-            <a:r>
-              <a:rPr lang="vi-VN" sz="2400" err="1">
-                <a:solidFill>
-                  <a:srgbClr val="000000"/>
-                </a:solidFill>
-                <a:latin typeface="Calibri"/>
-                <a:cs typeface="Times New Roman"/>
-              </a:rPr>
-              <a:t>and</a:t>
-            </a:r>
-            <a:r>
-              <a:rPr lang="vi-VN" sz="2400">
-                <a:solidFill>
-                  <a:srgbClr val="000000"/>
-                </a:solidFill>
-                <a:latin typeface="Calibri"/>
-                <a:cs typeface="Times New Roman"/>
-              </a:rPr>
-              <a:t> </a:t>
-            </a:r>
-            <a:r>
-              <a:rPr lang="vi-VN" sz="2400" err="1">
-                <a:solidFill>
-                  <a:srgbClr val="000000"/>
-                </a:solidFill>
-                <a:latin typeface="Calibri"/>
-                <a:cs typeface="Times New Roman"/>
-              </a:rPr>
-              <a:t>enhances</a:t>
-            </a:r>
-            <a:r>
-              <a:rPr lang="vi-VN" sz="2400">
-                <a:solidFill>
-                  <a:srgbClr val="000000"/>
-                </a:solidFill>
-                <a:latin typeface="Calibri"/>
-                <a:cs typeface="Times New Roman"/>
-              </a:rPr>
-              <a:t> </a:t>
-            </a:r>
-            <a:r>
-              <a:rPr lang="vi-VN" sz="2400" err="1">
-                <a:solidFill>
-                  <a:srgbClr val="000000"/>
-                </a:solidFill>
-                <a:latin typeface="Calibri"/>
-                <a:cs typeface="Times New Roman"/>
-              </a:rPr>
-              <a:t>security</a:t>
-            </a:r>
-            <a:r>
-              <a:rPr lang="vi-VN" sz="2400">
-                <a:solidFill>
-                  <a:srgbClr val="000000"/>
-                </a:solidFill>
-                <a:latin typeface="Calibri"/>
-                <a:cs typeface="Times New Roman"/>
-              </a:rPr>
-              <a:t>.</a:t>
-            </a:r>
-            <a:endParaRPr lang="vi-VN" sz="2400">
+              <a:t> Private access modifiers protect sensitive information by restricting direct access from external sources. They encapsulate the data members and data methods of a class, ensuring they are kept together and accessible only within the class itself. By designating attributes as private, their visibility is limited to the class, promoting data encapsulation and preventing unauthorized access or modification. This enhances code organization, maintains data integrity, and enhances security.</a:t>
+            </a:r>
+            <a:endParaRPr lang="vi-VN" sz="2400" dirty="0">
               <a:latin typeface="Calibri"/>
               <a:cs typeface="Calibri"/>
             </a:endParaRPr>
           </a:p>
           <a:p>
-            <a:endParaRPr lang="vi-VN" sz="2400">
+            <a:endParaRPr lang="vi-VN" sz="2400" dirty="0">
               <a:solidFill>
                 <a:srgbClr val="000000"/>
               </a:solidFill>
@@ -12373,275 +12325,25 @@
           </a:p>
           <a:p>
             <a:r>
-              <a:rPr lang="vi-VN" sz="2400" err="1">
+              <a:rPr lang="vi-VN" sz="2400" dirty="0">
                 <a:solidFill>
                   <a:srgbClr val="000000"/>
                 </a:solidFill>
                 <a:latin typeface="Calibri"/>
                 <a:cs typeface="Times New Roman"/>
               </a:rPr>
-              <a:t>For</a:t>
-            </a:r>
-            <a:r>
-              <a:rPr lang="vi-VN" sz="2400">
-                <a:solidFill>
-                  <a:srgbClr val="000000"/>
-                </a:solidFill>
-                <a:latin typeface="Calibri"/>
-                <a:cs typeface="Times New Roman"/>
-              </a:rPr>
-              <a:t> </a:t>
-            </a:r>
-            <a:r>
-              <a:rPr lang="vi-VN" sz="2400" err="1">
-                <a:solidFill>
-                  <a:srgbClr val="000000"/>
-                </a:solidFill>
-                <a:latin typeface="Calibri"/>
-                <a:cs typeface="Times New Roman"/>
-              </a:rPr>
-              <a:t>example</a:t>
-            </a:r>
-            <a:r>
-              <a:rPr lang="vi-VN" sz="2400">
-                <a:solidFill>
-                  <a:srgbClr val="000000"/>
-                </a:solidFill>
-                <a:latin typeface="Calibri"/>
-                <a:cs typeface="Times New Roman"/>
-              </a:rPr>
-              <a:t>: </a:t>
-            </a:r>
-            <a:r>
-              <a:rPr lang="vi-VN" sz="2400" err="1">
-                <a:solidFill>
-                  <a:srgbClr val="000000"/>
-                </a:solidFill>
-                <a:latin typeface="Calibri"/>
-                <a:cs typeface="Times New Roman"/>
-              </a:rPr>
-              <a:t>virus</a:t>
-            </a:r>
-            <a:r>
-              <a:rPr lang="vi-VN" sz="2400">
-                <a:solidFill>
-                  <a:srgbClr val="000000"/>
-                </a:solidFill>
-                <a:latin typeface="Calibri"/>
-                <a:cs typeface="Times New Roman"/>
-              </a:rPr>
-              <a:t> </a:t>
-            </a:r>
-            <a:r>
-              <a:rPr lang="vi-VN" sz="2400" err="1">
-                <a:solidFill>
-                  <a:srgbClr val="000000"/>
-                </a:solidFill>
-                <a:latin typeface="Calibri"/>
-                <a:cs typeface="Times New Roman"/>
-              </a:rPr>
-              <a:t>components</a:t>
-            </a:r>
-            <a:r>
-              <a:rPr lang="vi-VN" sz="2400">
-                <a:solidFill>
-                  <a:srgbClr val="000000"/>
-                </a:solidFill>
-                <a:latin typeface="Calibri"/>
-                <a:cs typeface="Times New Roman"/>
-              </a:rPr>
-              <a:t> </a:t>
-            </a:r>
-            <a:r>
-              <a:rPr lang="vi-VN" sz="2400" err="1">
-                <a:solidFill>
-                  <a:srgbClr val="000000"/>
-                </a:solidFill>
-                <a:latin typeface="Calibri"/>
-                <a:cs typeface="Times New Roman"/>
-              </a:rPr>
-              <a:t>are</a:t>
-            </a:r>
-            <a:r>
-              <a:rPr lang="vi-VN" sz="2400">
-                <a:solidFill>
-                  <a:srgbClr val="000000"/>
-                </a:solidFill>
-                <a:latin typeface="Calibri"/>
-                <a:cs typeface="Times New Roman"/>
-              </a:rPr>
-              <a:t> </a:t>
-            </a:r>
-            <a:r>
-              <a:rPr lang="vi-VN" sz="2400" err="1">
-                <a:solidFill>
-                  <a:srgbClr val="000000"/>
-                </a:solidFill>
-                <a:latin typeface="Calibri"/>
-                <a:cs typeface="Times New Roman"/>
-              </a:rPr>
-              <a:t>set</a:t>
-            </a:r>
-            <a:r>
-              <a:rPr lang="vi-VN" sz="2400">
-                <a:solidFill>
-                  <a:srgbClr val="000000"/>
-                </a:solidFill>
-                <a:latin typeface="Calibri"/>
-                <a:cs typeface="Times New Roman"/>
-              </a:rPr>
-              <a:t> to be </a:t>
-            </a:r>
-            <a:r>
-              <a:rPr lang="vi-VN" sz="2400" err="1">
-                <a:solidFill>
-                  <a:srgbClr val="000000"/>
-                </a:solidFill>
-                <a:latin typeface="Calibri"/>
-                <a:cs typeface="Times New Roman"/>
-              </a:rPr>
-              <a:t>private</a:t>
-            </a:r>
-            <a:r>
-              <a:rPr lang="vi-VN" sz="2400">
-                <a:solidFill>
-                  <a:srgbClr val="000000"/>
-                </a:solidFill>
-                <a:latin typeface="Calibri"/>
-                <a:cs typeface="Times New Roman"/>
-              </a:rPr>
-              <a:t>, so </a:t>
-            </a:r>
-            <a:r>
-              <a:rPr lang="vi-VN" sz="2400" err="1">
-                <a:solidFill>
-                  <a:srgbClr val="000000"/>
-                </a:solidFill>
-                <a:latin typeface="Calibri"/>
-                <a:cs typeface="Times New Roman"/>
-              </a:rPr>
-              <a:t>they</a:t>
-            </a:r>
-            <a:r>
-              <a:rPr lang="vi-VN" sz="2400">
-                <a:solidFill>
-                  <a:srgbClr val="000000"/>
-                </a:solidFill>
-                <a:latin typeface="Calibri"/>
-                <a:cs typeface="Times New Roman"/>
-              </a:rPr>
-              <a:t> </a:t>
-            </a:r>
-            <a:r>
-              <a:rPr lang="vi-VN" sz="2400" err="1">
-                <a:solidFill>
-                  <a:srgbClr val="000000"/>
-                </a:solidFill>
-                <a:latin typeface="Calibri"/>
-                <a:cs typeface="Times New Roman"/>
-              </a:rPr>
-              <a:t>are</a:t>
-            </a:r>
-            <a:r>
-              <a:rPr lang="vi-VN" sz="2400">
-                <a:solidFill>
-                  <a:srgbClr val="000000"/>
-                </a:solidFill>
-                <a:latin typeface="Calibri"/>
-                <a:cs typeface="Times New Roman"/>
-              </a:rPr>
-              <a:t> </a:t>
-            </a:r>
-            <a:r>
-              <a:rPr lang="vi-VN" sz="2400" err="1">
-                <a:solidFill>
-                  <a:srgbClr val="000000"/>
-                </a:solidFill>
-                <a:latin typeface="Calibri"/>
-                <a:cs typeface="Times New Roman"/>
-              </a:rPr>
-              <a:t>only</a:t>
-            </a:r>
-            <a:r>
-              <a:rPr lang="vi-VN" sz="2400">
-                <a:solidFill>
-                  <a:srgbClr val="000000"/>
-                </a:solidFill>
-                <a:latin typeface="Calibri"/>
-                <a:cs typeface="Times New Roman"/>
-              </a:rPr>
-              <a:t> </a:t>
-            </a:r>
-            <a:r>
-              <a:rPr lang="vi-VN" sz="2400" err="1">
-                <a:solidFill>
-                  <a:srgbClr val="000000"/>
-                </a:solidFill>
-                <a:latin typeface="Calibri"/>
-                <a:cs typeface="Times New Roman"/>
-              </a:rPr>
-              <a:t>accessed</a:t>
-            </a:r>
-            <a:r>
-              <a:rPr lang="vi-VN" sz="2400">
-                <a:solidFill>
-                  <a:srgbClr val="000000"/>
-                </a:solidFill>
-                <a:latin typeface="Calibri"/>
-                <a:cs typeface="Times New Roman"/>
-              </a:rPr>
-              <a:t> in the </a:t>
-            </a:r>
-            <a:r>
-              <a:rPr lang="vi-VN" sz="2400" err="1">
-                <a:solidFill>
-                  <a:srgbClr val="000000"/>
-                </a:solidFill>
-                <a:latin typeface="Calibri"/>
-                <a:cs typeface="Times New Roman"/>
-              </a:rPr>
-              <a:t>class</a:t>
-            </a:r>
-            <a:r>
-              <a:rPr lang="vi-VN" sz="2400">
-                <a:solidFill>
-                  <a:srgbClr val="000000"/>
-                </a:solidFill>
-                <a:latin typeface="Calibri"/>
-                <a:cs typeface="Times New Roman"/>
-              </a:rPr>
-              <a:t> </a:t>
-            </a:r>
-            <a:r>
-              <a:rPr lang="vi-VN" sz="2400" err="1">
-                <a:solidFill>
-                  <a:srgbClr val="000000"/>
-                </a:solidFill>
-                <a:latin typeface="Calibri"/>
-                <a:cs typeface="Times New Roman"/>
-              </a:rPr>
-              <a:t>Influenza</a:t>
-            </a:r>
-            <a:r>
-              <a:rPr lang="vi-VN" sz="2400">
-                <a:solidFill>
-                  <a:srgbClr val="000000"/>
-                </a:solidFill>
-                <a:latin typeface="Calibri"/>
-                <a:cs typeface="Times New Roman"/>
-              </a:rPr>
-              <a:t>.</a:t>
-            </a:r>
-            <a:endParaRPr lang="vi-VN" sz="2400">
+              <a:t>For example: virus components are set to be private, so they are only accessed in the class Influenza.</a:t>
+            </a:r>
+            <a:endParaRPr lang="vi-VN" sz="2400" dirty="0">
               <a:latin typeface="Calibri"/>
               <a:cs typeface="Calibri"/>
             </a:endParaRPr>
           </a:p>
           <a:p>
             <a:br>
-              <a:rPr lang="en-US"/>
+              <a:rPr lang="en-US" dirty="0"/>
             </a:br>
-            <a:endParaRPr lang="en-US"/>
+            <a:endParaRPr lang="en-US" dirty="0"/>
           </a:p>
         </p:txBody>
       </p:sp>
@@ -12655,13 +12357,13 @@
   <p:clrMapOvr>
     <a:masterClrMapping/>
   </p:clrMapOvr>
-  <mc:AlternateContent xmlns:mc="http://schemas.openxmlformats.org/markup-compatibility/2006">
-    <mc:Choice xmlns:p159="http://schemas.microsoft.com/office/powerpoint/2015/09/main" Requires="p159">
+  <mc:AlternateContent xmlns:mc="http://schemas.openxmlformats.org/markup-compatibility/2006" xmlns:p159="http://schemas.microsoft.com/office/powerpoint/2015/09/main">
+    <mc:Choice Requires="p159">
       <p:transition xmlns:p14="http://schemas.microsoft.com/office/powerpoint/2010/main" spd="slow" p14:dur="2000">
         <p159:morph option="byObject"/>
       </p:transition>
     </mc:Choice>
-    <mc:Fallback>
+    <mc:Fallback xmlns="">
       <p:transition spd="slow">
         <p:fade/>
       </p:transition>
